--- a/NHL Analysis.pptx
+++ b/NHL Analysis.pptx
@@ -2,28 +2,33 @@
 <file path=ppt/presentation.xml><?xml version="1.0" encoding="utf-8"?>
 <p:presentation xmlns:a="http://schemas.openxmlformats.org/drawingml/2006/main" xmlns:r="http://schemas.openxmlformats.org/officeDocument/2006/relationships" xmlns:p="http://schemas.openxmlformats.org/presentationml/2006/main" saveSubsetFonts="1">
   <p:sldMasterIdLst>
-    <p:sldMasterId id="2147483815" r:id="rId1"/>
+    <p:sldMasterId id="2147483839" r:id="rId1"/>
   </p:sldMasterIdLst>
   <p:notesMasterIdLst>
-    <p:notesMasterId r:id="rId18"/>
+    <p:notesMasterId r:id="rId23"/>
   </p:notesMasterIdLst>
   <p:sldIdLst>
     <p:sldId id="256" r:id="rId2"/>
     <p:sldId id="257" r:id="rId3"/>
     <p:sldId id="261" r:id="rId4"/>
     <p:sldId id="258" r:id="rId5"/>
-    <p:sldId id="259" r:id="rId6"/>
-    <p:sldId id="260" r:id="rId7"/>
-    <p:sldId id="262" r:id="rId8"/>
-    <p:sldId id="265" r:id="rId9"/>
-    <p:sldId id="263" r:id="rId10"/>
-    <p:sldId id="267" r:id="rId11"/>
-    <p:sldId id="268" r:id="rId12"/>
-    <p:sldId id="271" r:id="rId13"/>
-    <p:sldId id="269" r:id="rId14"/>
-    <p:sldId id="270" r:id="rId15"/>
-    <p:sldId id="273" r:id="rId16"/>
-    <p:sldId id="272" r:id="rId17"/>
+    <p:sldId id="276" r:id="rId6"/>
+    <p:sldId id="277" r:id="rId7"/>
+    <p:sldId id="259" r:id="rId8"/>
+    <p:sldId id="260" r:id="rId9"/>
+    <p:sldId id="262" r:id="rId10"/>
+    <p:sldId id="275" r:id="rId11"/>
+    <p:sldId id="265" r:id="rId12"/>
+    <p:sldId id="263" r:id="rId13"/>
+    <p:sldId id="267" r:id="rId14"/>
+    <p:sldId id="268" r:id="rId15"/>
+    <p:sldId id="278" r:id="rId16"/>
+    <p:sldId id="271" r:id="rId17"/>
+    <p:sldId id="269" r:id="rId18"/>
+    <p:sldId id="270" r:id="rId19"/>
+    <p:sldId id="274" r:id="rId20"/>
+    <p:sldId id="273" r:id="rId21"/>
+    <p:sldId id="272" r:id="rId22"/>
   </p:sldIdLst>
   <p:sldSz cx="12192000" cy="6858000"/>
   <p:notesSz cx="6858000" cy="9144000"/>
@@ -122,7 +127,16 @@
       </a:defRPr>
     </a:lvl9pPr>
   </p:defaultTextStyle>
+  <p:extLst>
+    <p:ext uri="{EFAFB233-063F-42B5-8137-9DF3F51BA10A}">
+      <p15:sldGuideLst xmlns:p15="http://schemas.microsoft.com/office/powerpoint/2012/main"/>
+    </p:ext>
+  </p:extLst>
 </p:presentation>
+</file>
+
+<file path=ppt/revisionInfo.xml><?xml version="1.0" encoding="utf-8"?>
+<p1510:revInfo xmlns:a="http://schemas.openxmlformats.org/drawingml/2006/main" xmlns:r="http://schemas.openxmlformats.org/officeDocument/2006/relationships" xmlns:p1510="http://schemas.microsoft.com/office/powerpoint/2015/10/main"/>
 </file>
 
 <file path=ppt/notesMasters/notesMaster1.xml><?xml version="1.0" encoding="utf-8"?>
@@ -207,7 +221,7 @@
           <a:p>
             <a:fld id="{E8BF6647-3EA2-42DD-BB2F-784D82256845}" type="datetimeFigureOut">
               <a:rPr lang="en-US" smtClean="0"/>
-              <a:t>12/16/2017</a:t>
+              <a:t>12/19/2017</a:t>
             </a:fld>
             <a:endParaRPr lang="en-US"/>
           </a:p>
@@ -602,10 +616,6 @@
           <a:bodyPr/>
           <a:lstStyle/>
           <a:p>
-            <a:r>
-              <a:rPr lang="en-US"/>
-              <a:t>Break</a:t>
-            </a:r>
             <a:endParaRPr lang="en-US" dirty="0"/>
           </a:p>
         </p:txBody>
@@ -627,7 +637,7 @@
           <a:p>
             <a:fld id="{7E921F05-F5E1-40C8-956D-98AB96B9627A}" type="slidenum">
               <a:rPr lang="en-US" smtClean="0"/>
-              <a:t>11</a:t>
+              <a:t>10</a:t>
             </a:fld>
             <a:endParaRPr lang="en-US"/>
           </a:p>
@@ -636,7 +646,7 @@
     </p:spTree>
     <p:extLst>
       <p:ext uri="{BB962C8B-B14F-4D97-AF65-F5344CB8AC3E}">
-        <p14:creationId xmlns:p14="http://schemas.microsoft.com/office/powerpoint/2010/main" val="2523348644"/>
+        <p14:creationId xmlns:p14="http://schemas.microsoft.com/office/powerpoint/2010/main" val="2270941932"/>
       </p:ext>
     </p:extLst>
   </p:cSld>
@@ -690,6 +700,10 @@
           <a:bodyPr/>
           <a:lstStyle/>
           <a:p>
+            <a:r>
+              <a:rPr lang="en-US"/>
+              <a:t>Break</a:t>
+            </a:r>
             <a:endParaRPr lang="en-US" dirty="0"/>
           </a:p>
         </p:txBody>
@@ -720,7 +734,7 @@
     </p:spTree>
     <p:extLst>
       <p:ext uri="{BB962C8B-B14F-4D97-AF65-F5344CB8AC3E}">
-        <p14:creationId xmlns:p14="http://schemas.microsoft.com/office/powerpoint/2010/main" val="3672104707"/>
+        <p14:creationId xmlns:p14="http://schemas.microsoft.com/office/powerpoint/2010/main" val="2523348644"/>
       </p:ext>
     </p:extLst>
   </p:cSld>
@@ -795,7 +809,175 @@
           <a:p>
             <a:fld id="{7E921F05-F5E1-40C8-956D-98AB96B9627A}" type="slidenum">
               <a:rPr lang="en-US" smtClean="0"/>
-              <a:t>16</a:t>
+              <a:t>18</a:t>
+            </a:fld>
+            <a:endParaRPr lang="en-US"/>
+          </a:p>
+        </p:txBody>
+      </p:sp>
+    </p:spTree>
+    <p:extLst>
+      <p:ext uri="{BB962C8B-B14F-4D97-AF65-F5344CB8AC3E}">
+        <p14:creationId xmlns:p14="http://schemas.microsoft.com/office/powerpoint/2010/main" val="3672104707"/>
+      </p:ext>
+    </p:extLst>
+  </p:cSld>
+  <p:clrMapOvr>
+    <a:masterClrMapping/>
+  </p:clrMapOvr>
+</p:notes>
+</file>
+
+<file path=ppt/notesSlides/notesSlide5.xml><?xml version="1.0" encoding="utf-8"?>
+<p:notes xmlns:a="http://schemas.openxmlformats.org/drawingml/2006/main" xmlns:r="http://schemas.openxmlformats.org/officeDocument/2006/relationships" xmlns:p="http://schemas.openxmlformats.org/presentationml/2006/main">
+  <p:cSld>
+    <p:spTree>
+      <p:nvGrpSpPr>
+        <p:cNvPr id="1" name=""/>
+        <p:cNvGrpSpPr/>
+        <p:nvPr/>
+      </p:nvGrpSpPr>
+      <p:grpSpPr>
+        <a:xfrm>
+          <a:off x="0" y="0"/>
+          <a:ext cx="0" cy="0"/>
+          <a:chOff x="0" y="0"/>
+          <a:chExt cx="0" cy="0"/>
+        </a:xfrm>
+      </p:grpSpPr>
+      <p:sp>
+        <p:nvSpPr>
+          <p:cNvPr id="2" name="Slide Image Placeholder 1"/>
+          <p:cNvSpPr>
+            <a:spLocks noGrp="1" noRot="1" noChangeAspect="1"/>
+          </p:cNvSpPr>
+          <p:nvPr>
+            <p:ph type="sldImg"/>
+          </p:nvPr>
+        </p:nvSpPr>
+        <p:spPr/>
+      </p:sp>
+      <p:sp>
+        <p:nvSpPr>
+          <p:cNvPr id="3" name="Notes Placeholder 2"/>
+          <p:cNvSpPr>
+            <a:spLocks noGrp="1"/>
+          </p:cNvSpPr>
+          <p:nvPr>
+            <p:ph type="body" idx="1"/>
+          </p:nvPr>
+        </p:nvSpPr>
+        <p:spPr/>
+        <p:txBody>
+          <a:bodyPr/>
+          <a:lstStyle/>
+          <a:p>
+            <a:endParaRPr lang="en-US" dirty="0"/>
+          </a:p>
+        </p:txBody>
+      </p:sp>
+      <p:sp>
+        <p:nvSpPr>
+          <p:cNvPr id="4" name="Slide Number Placeholder 3"/>
+          <p:cNvSpPr>
+            <a:spLocks noGrp="1"/>
+          </p:cNvSpPr>
+          <p:nvPr>
+            <p:ph type="sldNum" sz="quarter" idx="10"/>
+          </p:nvPr>
+        </p:nvSpPr>
+        <p:spPr/>
+        <p:txBody>
+          <a:bodyPr/>
+          <a:lstStyle/>
+          <a:p>
+            <a:fld id="{7E921F05-F5E1-40C8-956D-98AB96B9627A}" type="slidenum">
+              <a:rPr lang="en-US" smtClean="0"/>
+              <a:t>19</a:t>
+            </a:fld>
+            <a:endParaRPr lang="en-US"/>
+          </a:p>
+        </p:txBody>
+      </p:sp>
+    </p:spTree>
+    <p:extLst>
+      <p:ext uri="{BB962C8B-B14F-4D97-AF65-F5344CB8AC3E}">
+        <p14:creationId xmlns:p14="http://schemas.microsoft.com/office/powerpoint/2010/main" val="3645790692"/>
+      </p:ext>
+    </p:extLst>
+  </p:cSld>
+  <p:clrMapOvr>
+    <a:masterClrMapping/>
+  </p:clrMapOvr>
+</p:notes>
+</file>
+
+<file path=ppt/notesSlides/notesSlide6.xml><?xml version="1.0" encoding="utf-8"?>
+<p:notes xmlns:a="http://schemas.openxmlformats.org/drawingml/2006/main" xmlns:r="http://schemas.openxmlformats.org/officeDocument/2006/relationships" xmlns:p="http://schemas.openxmlformats.org/presentationml/2006/main">
+  <p:cSld>
+    <p:spTree>
+      <p:nvGrpSpPr>
+        <p:cNvPr id="1" name=""/>
+        <p:cNvGrpSpPr/>
+        <p:nvPr/>
+      </p:nvGrpSpPr>
+      <p:grpSpPr>
+        <a:xfrm>
+          <a:off x="0" y="0"/>
+          <a:ext cx="0" cy="0"/>
+          <a:chOff x="0" y="0"/>
+          <a:chExt cx="0" cy="0"/>
+        </a:xfrm>
+      </p:grpSpPr>
+      <p:sp>
+        <p:nvSpPr>
+          <p:cNvPr id="2" name="Slide Image Placeholder 1"/>
+          <p:cNvSpPr>
+            <a:spLocks noGrp="1" noRot="1" noChangeAspect="1"/>
+          </p:cNvSpPr>
+          <p:nvPr>
+            <p:ph type="sldImg"/>
+          </p:nvPr>
+        </p:nvSpPr>
+        <p:spPr/>
+      </p:sp>
+      <p:sp>
+        <p:nvSpPr>
+          <p:cNvPr id="3" name="Notes Placeholder 2"/>
+          <p:cNvSpPr>
+            <a:spLocks noGrp="1"/>
+          </p:cNvSpPr>
+          <p:nvPr>
+            <p:ph type="body" idx="1"/>
+          </p:nvPr>
+        </p:nvSpPr>
+        <p:spPr/>
+        <p:txBody>
+          <a:bodyPr/>
+          <a:lstStyle/>
+          <a:p>
+            <a:endParaRPr lang="en-US" dirty="0"/>
+          </a:p>
+        </p:txBody>
+      </p:sp>
+      <p:sp>
+        <p:nvSpPr>
+          <p:cNvPr id="4" name="Slide Number Placeholder 3"/>
+          <p:cNvSpPr>
+            <a:spLocks noGrp="1"/>
+          </p:cNvSpPr>
+          <p:nvPr>
+            <p:ph type="sldNum" sz="quarter" idx="10"/>
+          </p:nvPr>
+        </p:nvSpPr>
+        <p:spPr/>
+        <p:txBody>
+          <a:bodyPr/>
+          <a:lstStyle/>
+          <a:p>
+            <a:fld id="{7E921F05-F5E1-40C8-956D-98AB96B9627A}" type="slidenum">
+              <a:rPr lang="en-US" smtClean="0"/>
+              <a:t>21</a:t>
             </a:fld>
             <a:endParaRPr lang="en-US"/>
           </a:p>
@@ -1219,7 +1401,7 @@
           <a:p>
             <a:fld id="{E4EC5BAD-102B-4BCF-858D-89B1B9A519A0}" type="datetimeFigureOut">
               <a:rPr lang="en-US" smtClean="0"/>
-              <a:t>12/16/2017</a:t>
+              <a:t>12/19/2017</a:t>
             </a:fld>
             <a:endParaRPr lang="en-US"/>
           </a:p>
@@ -1279,7 +1461,7 @@
     </p:spTree>
     <p:extLst>
       <p:ext uri="{BB962C8B-B14F-4D97-AF65-F5344CB8AC3E}">
-        <p14:creationId xmlns:p14="http://schemas.microsoft.com/office/powerpoint/2010/main" val="3048986415"/>
+        <p14:creationId xmlns:p14="http://schemas.microsoft.com/office/powerpoint/2010/main" val="3896087931"/>
       </p:ext>
     </p:extLst>
   </p:cSld>
@@ -1398,7 +1580,7 @@
           <a:p>
             <a:fld id="{E4EC5BAD-102B-4BCF-858D-89B1B9A519A0}" type="datetimeFigureOut">
               <a:rPr lang="en-US" smtClean="0"/>
-              <a:t>12/16/2017</a:t>
+              <a:t>12/19/2017</a:t>
             </a:fld>
             <a:endParaRPr lang="en-US"/>
           </a:p>
@@ -1449,7 +1631,7 @@
     </p:spTree>
     <p:extLst>
       <p:ext uri="{BB962C8B-B14F-4D97-AF65-F5344CB8AC3E}">
-        <p14:creationId xmlns:p14="http://schemas.microsoft.com/office/powerpoint/2010/main" val="3462249598"/>
+        <p14:creationId xmlns:p14="http://schemas.microsoft.com/office/powerpoint/2010/main" val="1250899379"/>
       </p:ext>
     </p:extLst>
   </p:cSld>
@@ -1578,7 +1760,7 @@
           <a:p>
             <a:fld id="{E4EC5BAD-102B-4BCF-858D-89B1B9A519A0}" type="datetimeFigureOut">
               <a:rPr lang="en-US" smtClean="0"/>
-              <a:t>12/16/2017</a:t>
+              <a:t>12/19/2017</a:t>
             </a:fld>
             <a:endParaRPr lang="en-US"/>
           </a:p>
@@ -1629,7 +1811,7 @@
     </p:spTree>
     <p:extLst>
       <p:ext uri="{BB962C8B-B14F-4D97-AF65-F5344CB8AC3E}">
-        <p14:creationId xmlns:p14="http://schemas.microsoft.com/office/powerpoint/2010/main" val="2120001100"/>
+        <p14:creationId xmlns:p14="http://schemas.microsoft.com/office/powerpoint/2010/main" val="684198986"/>
       </p:ext>
     </p:extLst>
   </p:cSld>
@@ -1748,7 +1930,7 @@
           <a:p>
             <a:fld id="{E4EC5BAD-102B-4BCF-858D-89B1B9A519A0}" type="datetimeFigureOut">
               <a:rPr lang="en-US" smtClean="0"/>
-              <a:t>12/16/2017</a:t>
+              <a:t>12/19/2017</a:t>
             </a:fld>
             <a:endParaRPr lang="en-US"/>
           </a:p>
@@ -1799,7 +1981,7 @@
     </p:spTree>
     <p:extLst>
       <p:ext uri="{BB962C8B-B14F-4D97-AF65-F5344CB8AC3E}">
-        <p14:creationId xmlns:p14="http://schemas.microsoft.com/office/powerpoint/2010/main" val="3465381401"/>
+        <p14:creationId xmlns:p14="http://schemas.microsoft.com/office/powerpoint/2010/main" val="3971190701"/>
       </p:ext>
     </p:extLst>
   </p:cSld>
@@ -2073,7 +2255,7 @@
           <a:p>
             <a:fld id="{E4EC5BAD-102B-4BCF-858D-89B1B9A519A0}" type="datetimeFigureOut">
               <a:rPr lang="en-US" smtClean="0"/>
-              <a:t>12/16/2017</a:t>
+              <a:t>12/19/2017</a:t>
             </a:fld>
             <a:endParaRPr lang="en-US"/>
           </a:p>
@@ -2232,7 +2414,7 @@
     </p:spTree>
     <p:extLst>
       <p:ext uri="{BB962C8B-B14F-4D97-AF65-F5344CB8AC3E}">
-        <p14:creationId xmlns:p14="http://schemas.microsoft.com/office/powerpoint/2010/main" val="2090625170"/>
+        <p14:creationId xmlns:p14="http://schemas.microsoft.com/office/powerpoint/2010/main" val="3352489062"/>
       </p:ext>
     </p:extLst>
   </p:cSld>
@@ -2469,7 +2651,7 @@
           <a:p>
             <a:fld id="{E4EC5BAD-102B-4BCF-858D-89B1B9A519A0}" type="datetimeFigureOut">
               <a:rPr lang="en-US" smtClean="0"/>
-              <a:t>12/16/2017</a:t>
+              <a:t>12/19/2017</a:t>
             </a:fld>
             <a:endParaRPr lang="en-US"/>
           </a:p>
@@ -2520,7 +2702,7 @@
     </p:spTree>
     <p:extLst>
       <p:ext uri="{BB962C8B-B14F-4D97-AF65-F5344CB8AC3E}">
-        <p14:creationId xmlns:p14="http://schemas.microsoft.com/office/powerpoint/2010/main" val="4072225104"/>
+        <p14:creationId xmlns:p14="http://schemas.microsoft.com/office/powerpoint/2010/main" val="3466677286"/>
       </p:ext>
     </p:extLst>
   </p:cSld>
@@ -2903,7 +3085,7 @@
           <a:p>
             <a:fld id="{E4EC5BAD-102B-4BCF-858D-89B1B9A519A0}" type="datetimeFigureOut">
               <a:rPr lang="en-US" smtClean="0"/>
-              <a:t>12/16/2017</a:t>
+              <a:t>12/19/2017</a:t>
             </a:fld>
             <a:endParaRPr lang="en-US"/>
           </a:p>
@@ -2954,7 +3136,7 @@
     </p:spTree>
     <p:extLst>
       <p:ext uri="{BB962C8B-B14F-4D97-AF65-F5344CB8AC3E}">
-        <p14:creationId xmlns:p14="http://schemas.microsoft.com/office/powerpoint/2010/main" val="1850336106"/>
+        <p14:creationId xmlns:p14="http://schemas.microsoft.com/office/powerpoint/2010/main" val="835054865"/>
       </p:ext>
     </p:extLst>
   </p:cSld>
@@ -3021,7 +3203,7 @@
           <a:p>
             <a:fld id="{E4EC5BAD-102B-4BCF-858D-89B1B9A519A0}" type="datetimeFigureOut">
               <a:rPr lang="en-US" smtClean="0"/>
-              <a:t>12/16/2017</a:t>
+              <a:t>12/19/2017</a:t>
             </a:fld>
             <a:endParaRPr lang="en-US"/>
           </a:p>
@@ -3072,7 +3254,7 @@
     </p:spTree>
     <p:extLst>
       <p:ext uri="{BB962C8B-B14F-4D97-AF65-F5344CB8AC3E}">
-        <p14:creationId xmlns:p14="http://schemas.microsoft.com/office/powerpoint/2010/main" val="60318719"/>
+        <p14:creationId xmlns:p14="http://schemas.microsoft.com/office/powerpoint/2010/main" val="2895894176"/>
       </p:ext>
     </p:extLst>
   </p:cSld>
@@ -3116,7 +3298,7 @@
           <a:p>
             <a:fld id="{E4EC5BAD-102B-4BCF-858D-89B1B9A519A0}" type="datetimeFigureOut">
               <a:rPr lang="en-US" smtClean="0"/>
-              <a:t>12/16/2017</a:t>
+              <a:t>12/19/2017</a:t>
             </a:fld>
             <a:endParaRPr lang="en-US"/>
           </a:p>
@@ -3167,7 +3349,7 @@
     </p:spTree>
     <p:extLst>
       <p:ext uri="{BB962C8B-B14F-4D97-AF65-F5344CB8AC3E}">
-        <p14:creationId xmlns:p14="http://schemas.microsoft.com/office/powerpoint/2010/main" val="2517861744"/>
+        <p14:creationId xmlns:p14="http://schemas.microsoft.com/office/powerpoint/2010/main" val="1098617241"/>
       </p:ext>
     </p:extLst>
   </p:cSld>
@@ -3466,7 +3648,7 @@
           <a:p>
             <a:fld id="{E4EC5BAD-102B-4BCF-858D-89B1B9A519A0}" type="datetimeFigureOut">
               <a:rPr lang="en-US" smtClean="0"/>
-              <a:t>12/16/2017</a:t>
+              <a:t>12/19/2017</a:t>
             </a:fld>
             <a:endParaRPr lang="en-US"/>
           </a:p>
@@ -3606,7 +3788,7 @@
     </p:spTree>
     <p:extLst>
       <p:ext uri="{BB962C8B-B14F-4D97-AF65-F5344CB8AC3E}">
-        <p14:creationId xmlns:p14="http://schemas.microsoft.com/office/powerpoint/2010/main" val="2815538697"/>
+        <p14:creationId xmlns:p14="http://schemas.microsoft.com/office/powerpoint/2010/main" val="2632613671"/>
       </p:ext>
     </p:extLst>
   </p:cSld>
@@ -3901,7 +4083,7 @@
           <a:p>
             <a:fld id="{E4EC5BAD-102B-4BCF-858D-89B1B9A519A0}" type="datetimeFigureOut">
               <a:rPr lang="en-US" smtClean="0"/>
-              <a:t>12/16/2017</a:t>
+              <a:t>12/19/2017</a:t>
             </a:fld>
             <a:endParaRPr lang="en-US"/>
           </a:p>
@@ -4022,7 +4204,7 @@
     </p:spTree>
     <p:extLst>
       <p:ext uri="{BB962C8B-B14F-4D97-AF65-F5344CB8AC3E}">
-        <p14:creationId xmlns:p14="http://schemas.microsoft.com/office/powerpoint/2010/main" val="1216122601"/>
+        <p14:creationId xmlns:p14="http://schemas.microsoft.com/office/powerpoint/2010/main" val="1624391086"/>
       </p:ext>
     </p:extLst>
   </p:cSld>
@@ -4184,7 +4366,7 @@
           <a:p>
             <a:fld id="{E4EC5BAD-102B-4BCF-858D-89B1B9A519A0}" type="datetimeFigureOut">
               <a:rPr lang="en-US" smtClean="0"/>
-              <a:t>12/16/2017</a:t>
+              <a:t>12/19/2017</a:t>
             </a:fld>
             <a:endParaRPr lang="en-US"/>
           </a:p>
@@ -4359,23 +4541,23 @@
     </p:spTree>
     <p:extLst>
       <p:ext uri="{BB962C8B-B14F-4D97-AF65-F5344CB8AC3E}">
-        <p14:creationId xmlns:p14="http://schemas.microsoft.com/office/powerpoint/2010/main" val="2055134878"/>
+        <p14:creationId xmlns:p14="http://schemas.microsoft.com/office/powerpoint/2010/main" val="1866167411"/>
       </p:ext>
     </p:extLst>
   </p:cSld>
   <p:clrMap bg1="lt1" tx1="dk1" bg2="lt2" tx2="dk2" accent1="accent1" accent2="accent2" accent3="accent3" accent4="accent4" accent5="accent5" accent6="accent6" hlink="hlink" folHlink="folHlink"/>
   <p:sldLayoutIdLst>
-    <p:sldLayoutId id="2147483816" r:id="rId1"/>
-    <p:sldLayoutId id="2147483817" r:id="rId2"/>
-    <p:sldLayoutId id="2147483818" r:id="rId3"/>
-    <p:sldLayoutId id="2147483819" r:id="rId4"/>
-    <p:sldLayoutId id="2147483820" r:id="rId5"/>
-    <p:sldLayoutId id="2147483821" r:id="rId6"/>
-    <p:sldLayoutId id="2147483822" r:id="rId7"/>
-    <p:sldLayoutId id="2147483823" r:id="rId8"/>
-    <p:sldLayoutId id="2147483824" r:id="rId9"/>
-    <p:sldLayoutId id="2147483825" r:id="rId10"/>
-    <p:sldLayoutId id="2147483826" r:id="rId11"/>
+    <p:sldLayoutId id="2147483840" r:id="rId1"/>
+    <p:sldLayoutId id="2147483841" r:id="rId2"/>
+    <p:sldLayoutId id="2147483842" r:id="rId3"/>
+    <p:sldLayoutId id="2147483843" r:id="rId4"/>
+    <p:sldLayoutId id="2147483844" r:id="rId5"/>
+    <p:sldLayoutId id="2147483845" r:id="rId6"/>
+    <p:sldLayoutId id="2147483846" r:id="rId7"/>
+    <p:sldLayoutId id="2147483847" r:id="rId8"/>
+    <p:sldLayoutId id="2147483848" r:id="rId9"/>
+    <p:sldLayoutId id="2147483849" r:id="rId10"/>
+    <p:sldLayoutId id="2147483850" r:id="rId11"/>
   </p:sldLayoutIdLst>
   <p:txStyles>
     <p:titleStyle>
@@ -4861,7 +5043,7 @@
           <p:cNvPr id="2" name="Title 1">
             <a:extLst>
               <a:ext uri="{FF2B5EF4-FFF2-40B4-BE49-F238E27FC236}">
-                <a16:creationId xmlns:a16="http://schemas.microsoft.com/office/drawing/2014/main" id="{A19C977A-EC51-4868-A8B6-64DFDE67CF40}"/>
+                <a16:creationId xmlns:a16="http://schemas.microsoft.com/office/drawing/2014/main" id="{027C3A54-BCD6-430F-BE03-B9F57F2F6F5E}"/>
               </a:ext>
             </a:extLst>
           </p:cNvPr>
@@ -4879,154 +5061,332 @@
           <a:p>
             <a:r>
               <a:rPr lang="en-US" dirty="0"/>
-              <a:t>DATA ANALYSIS</a:t>
-            </a:r>
-          </a:p>
-        </p:txBody>
-      </p:sp>
-      <p:sp>
-        <p:nvSpPr>
-          <p:cNvPr id="3" name="Content Placeholder 2">
+              <a:t>Correlation Matrix</a:t>
+            </a:r>
+          </a:p>
+        </p:txBody>
+      </p:sp>
+      <p:pic>
+        <p:nvPicPr>
+          <p:cNvPr id="6" name="Picture 5">
             <a:extLst>
               <a:ext uri="{FF2B5EF4-FFF2-40B4-BE49-F238E27FC236}">
-                <a16:creationId xmlns:a16="http://schemas.microsoft.com/office/drawing/2014/main" id="{5CB121BE-1738-40D1-85EA-EA042153DC3F}"/>
+                <a16:creationId xmlns:a16="http://schemas.microsoft.com/office/drawing/2014/main" id="{7F7125C4-AB9D-4BAF-86B9-1DF416912576}"/>
               </a:ext>
             </a:extLst>
           </p:cNvPr>
-          <p:cNvSpPr>
-            <a:spLocks noGrp="1"/>
-          </p:cNvSpPr>
-          <p:nvPr>
-            <p:ph sz="half" idx="1"/>
-          </p:nvPr>
-        </p:nvSpPr>
-        <p:spPr/>
-        <p:txBody>
-          <a:bodyPr>
-            <a:normAutofit/>
-          </a:bodyPr>
-          <a:lstStyle/>
-          <a:p>
-            <a:r>
-              <a:rPr lang="en-US" dirty="0"/>
-              <a:t>Boxplots:</a:t>
-            </a:r>
-          </a:p>
-          <a:p>
-            <a:pPr lvl="1"/>
-            <a:r>
-              <a:rPr lang="en-US" dirty="0"/>
-              <a:t>Cap Hit by Nationality</a:t>
-            </a:r>
-          </a:p>
-          <a:p>
-            <a:pPr lvl="1"/>
-            <a:r>
-              <a:rPr lang="en-US" dirty="0"/>
-              <a:t>Draft Round vs. Points Per Game</a:t>
-            </a:r>
-          </a:p>
-          <a:p>
-            <a:endParaRPr lang="en-US" dirty="0"/>
-          </a:p>
-          <a:p>
-            <a:r>
-              <a:rPr lang="en-US" dirty="0"/>
-              <a:t>Bar Charts:</a:t>
-            </a:r>
-          </a:p>
-          <a:p>
-            <a:pPr lvl="1"/>
-            <a:r>
-              <a:rPr lang="en-US" dirty="0"/>
-              <a:t>Goals and Shots by Shot Type</a:t>
-            </a:r>
-          </a:p>
-          <a:p>
-            <a:endParaRPr lang="en-US" dirty="0"/>
-          </a:p>
-        </p:txBody>
-      </p:sp>
-      <p:sp>
-        <p:nvSpPr>
-          <p:cNvPr id="4" name="Content Placeholder 3">
+          <p:cNvPicPr>
+            <a:picLocks noChangeAspect="1"/>
+          </p:cNvPicPr>
+          <p:nvPr/>
+        </p:nvPicPr>
+        <p:blipFill>
+          <a:blip r:embed="rId3"/>
+          <a:stretch>
+            <a:fillRect/>
+          </a:stretch>
+        </p:blipFill>
+        <p:spPr>
+          <a:xfrm>
+            <a:off x="685800" y="2194560"/>
+            <a:ext cx="5029200" cy="4452425"/>
+          </a:xfrm>
+          <a:prstGeom prst="rect">
+            <a:avLst/>
+          </a:prstGeom>
+          <a:ln w="19050">
+            <a:solidFill>
+              <a:schemeClr val="tx1"/>
+            </a:solidFill>
+          </a:ln>
+          <a:effectLst>
+            <a:outerShdw blurRad="50800" dist="38100" dir="2700000" algn="tl" rotWithShape="0">
+              <a:prstClr val="black">
+                <a:alpha val="40000"/>
+              </a:prstClr>
+            </a:outerShdw>
+          </a:effectLst>
+        </p:spPr>
+      </p:pic>
+      <p:sp>
+        <p:nvSpPr>
+          <p:cNvPr id="7" name="Content Placeholder 9">
             <a:extLst>
               <a:ext uri="{FF2B5EF4-FFF2-40B4-BE49-F238E27FC236}">
-                <a16:creationId xmlns:a16="http://schemas.microsoft.com/office/drawing/2014/main" id="{F4F325D2-24D9-4806-9FE2-1B17B702308C}"/>
+                <a16:creationId xmlns:a16="http://schemas.microsoft.com/office/drawing/2014/main" id="{AF2E4992-FF55-4342-948D-383D01F0512D}"/>
               </a:ext>
             </a:extLst>
           </p:cNvPr>
-          <p:cNvSpPr>
-            <a:spLocks noGrp="1"/>
-          </p:cNvSpPr>
-          <p:nvPr>
-            <p:ph sz="half" idx="2"/>
-          </p:nvPr>
-        </p:nvSpPr>
-        <p:spPr/>
-        <p:txBody>
-          <a:bodyPr>
-            <a:normAutofit/>
-          </a:bodyPr>
-          <a:lstStyle/>
+          <p:cNvSpPr txBox="1">
+            <a:spLocks/>
+          </p:cNvSpPr>
+          <p:nvPr/>
+        </p:nvSpPr>
+        <p:spPr>
+          <a:xfrm>
+            <a:off x="6364224" y="2194560"/>
+            <a:ext cx="4754880" cy="3977640"/>
+          </a:xfrm>
+          <a:prstGeom prst="rect">
+            <a:avLst/>
+          </a:prstGeom>
+        </p:spPr>
+        <p:txBody>
+          <a:bodyPr/>
+          <a:lstStyle>
+            <a:lvl1pPr marL="182880" indent="-182880" algn="l" defTabSz="914400" rtl="0" eaLnBrk="1" latinLnBrk="0" hangingPunct="1">
+              <a:lnSpc>
+                <a:spcPct val="90000"/>
+              </a:lnSpc>
+              <a:spcBef>
+                <a:spcPts val="1200"/>
+              </a:spcBef>
+              <a:buClr>
+                <a:schemeClr val="accent2"/>
+              </a:buClr>
+              <a:buSzPct val="85000"/>
+              <a:buFont typeface="Wingdings" pitchFamily="2" charset="2"/>
+              <a:buChar char="§"/>
+              <a:defRPr sz="2000" kern="1200">
+                <a:solidFill>
+                  <a:schemeClr val="tx1"/>
+                </a:solidFill>
+                <a:latin typeface="+mn-lt"/>
+                <a:ea typeface="+mn-ea"/>
+                <a:cs typeface="+mn-cs"/>
+              </a:defRPr>
+            </a:lvl1pPr>
+            <a:lvl2pPr marL="457200" indent="-182880" algn="l" defTabSz="914400" rtl="0" eaLnBrk="1" latinLnBrk="0" hangingPunct="1">
+              <a:lnSpc>
+                <a:spcPct val="90000"/>
+              </a:lnSpc>
+              <a:spcBef>
+                <a:spcPts val="400"/>
+              </a:spcBef>
+              <a:spcAft>
+                <a:spcPts val="200"/>
+              </a:spcAft>
+              <a:buClr>
+                <a:schemeClr val="accent2"/>
+              </a:buClr>
+              <a:buSzPct val="85000"/>
+              <a:buFont typeface="Wingdings" pitchFamily="2" charset="2"/>
+              <a:buChar char="§"/>
+              <a:defRPr sz="1800" kern="1200">
+                <a:solidFill>
+                  <a:schemeClr val="tx1"/>
+                </a:solidFill>
+                <a:latin typeface="+mn-lt"/>
+                <a:ea typeface="+mn-ea"/>
+                <a:cs typeface="+mn-cs"/>
+              </a:defRPr>
+            </a:lvl2pPr>
+            <a:lvl3pPr marL="731520" indent="-182880" algn="l" defTabSz="914400" rtl="0" eaLnBrk="1" latinLnBrk="0" hangingPunct="1">
+              <a:lnSpc>
+                <a:spcPct val="90000"/>
+              </a:lnSpc>
+              <a:spcBef>
+                <a:spcPts val="400"/>
+              </a:spcBef>
+              <a:spcAft>
+                <a:spcPts val="200"/>
+              </a:spcAft>
+              <a:buClr>
+                <a:schemeClr val="accent2"/>
+              </a:buClr>
+              <a:buSzPct val="85000"/>
+              <a:buFont typeface="Wingdings" pitchFamily="2" charset="2"/>
+              <a:buChar char="§"/>
+              <a:defRPr sz="1600" kern="1200">
+                <a:solidFill>
+                  <a:schemeClr val="tx1"/>
+                </a:solidFill>
+                <a:latin typeface="+mn-lt"/>
+                <a:ea typeface="+mn-ea"/>
+                <a:cs typeface="+mn-cs"/>
+              </a:defRPr>
+            </a:lvl3pPr>
+            <a:lvl4pPr marL="1005840" indent="-182880" algn="l" defTabSz="914400" rtl="0" eaLnBrk="1" latinLnBrk="0" hangingPunct="1">
+              <a:lnSpc>
+                <a:spcPct val="90000"/>
+              </a:lnSpc>
+              <a:spcBef>
+                <a:spcPts val="400"/>
+              </a:spcBef>
+              <a:spcAft>
+                <a:spcPts val="200"/>
+              </a:spcAft>
+              <a:buClr>
+                <a:schemeClr val="accent2"/>
+              </a:buClr>
+              <a:buSzPct val="85000"/>
+              <a:buFont typeface="Wingdings" pitchFamily="2" charset="2"/>
+              <a:buChar char="§"/>
+              <a:defRPr sz="1600" kern="1200">
+                <a:solidFill>
+                  <a:schemeClr val="tx1"/>
+                </a:solidFill>
+                <a:latin typeface="+mn-lt"/>
+                <a:ea typeface="+mn-ea"/>
+                <a:cs typeface="+mn-cs"/>
+              </a:defRPr>
+            </a:lvl4pPr>
+            <a:lvl5pPr marL="1280160" indent="-182880" algn="l" defTabSz="914400" rtl="0" eaLnBrk="1" latinLnBrk="0" hangingPunct="1">
+              <a:lnSpc>
+                <a:spcPct val="90000"/>
+              </a:lnSpc>
+              <a:spcBef>
+                <a:spcPts val="400"/>
+              </a:spcBef>
+              <a:spcAft>
+                <a:spcPts val="200"/>
+              </a:spcAft>
+              <a:buClr>
+                <a:schemeClr val="accent2"/>
+              </a:buClr>
+              <a:buSzPct val="85000"/>
+              <a:buFont typeface="Wingdings" pitchFamily="2" charset="2"/>
+              <a:buChar char="§"/>
+              <a:defRPr sz="1600" kern="1200">
+                <a:solidFill>
+                  <a:schemeClr val="tx1"/>
+                </a:solidFill>
+                <a:latin typeface="+mn-lt"/>
+                <a:ea typeface="+mn-ea"/>
+                <a:cs typeface="+mn-cs"/>
+              </a:defRPr>
+            </a:lvl5pPr>
+            <a:lvl6pPr marL="1600000" indent="-228600" algn="l" defTabSz="914400" rtl="0" eaLnBrk="1" latinLnBrk="0" hangingPunct="1">
+              <a:lnSpc>
+                <a:spcPct val="90000"/>
+              </a:lnSpc>
+              <a:spcBef>
+                <a:spcPts val="400"/>
+              </a:spcBef>
+              <a:spcAft>
+                <a:spcPts val="200"/>
+              </a:spcAft>
+              <a:buClr>
+                <a:schemeClr val="accent2"/>
+              </a:buClr>
+              <a:buSzPct val="85000"/>
+              <a:buFont typeface="Wingdings" pitchFamily="2" charset="2"/>
+              <a:buChar char="§"/>
+              <a:defRPr sz="1600" kern="1200">
+                <a:solidFill>
+                  <a:schemeClr val="tx1"/>
+                </a:solidFill>
+                <a:latin typeface="+mn-lt"/>
+                <a:ea typeface="+mn-ea"/>
+                <a:cs typeface="+mn-cs"/>
+              </a:defRPr>
+            </a:lvl6pPr>
+            <a:lvl7pPr marL="1900000" indent="-228600" algn="l" defTabSz="914400" rtl="0" eaLnBrk="1" latinLnBrk="0" hangingPunct="1">
+              <a:lnSpc>
+                <a:spcPct val="90000"/>
+              </a:lnSpc>
+              <a:spcBef>
+                <a:spcPts val="400"/>
+              </a:spcBef>
+              <a:spcAft>
+                <a:spcPts val="200"/>
+              </a:spcAft>
+              <a:buClr>
+                <a:schemeClr val="accent2"/>
+              </a:buClr>
+              <a:buSzPct val="85000"/>
+              <a:buFont typeface="Wingdings" pitchFamily="2" charset="2"/>
+              <a:buChar char="§"/>
+              <a:defRPr sz="1600" kern="1200">
+                <a:solidFill>
+                  <a:schemeClr val="tx1"/>
+                </a:solidFill>
+                <a:latin typeface="+mn-lt"/>
+                <a:ea typeface="+mn-ea"/>
+                <a:cs typeface="+mn-cs"/>
+              </a:defRPr>
+            </a:lvl7pPr>
+            <a:lvl8pPr marL="2200000" indent="-228600" algn="l" defTabSz="914400" rtl="0" eaLnBrk="1" latinLnBrk="0" hangingPunct="1">
+              <a:lnSpc>
+                <a:spcPct val="90000"/>
+              </a:lnSpc>
+              <a:spcBef>
+                <a:spcPts val="400"/>
+              </a:spcBef>
+              <a:spcAft>
+                <a:spcPts val="200"/>
+              </a:spcAft>
+              <a:buClr>
+                <a:schemeClr val="accent2"/>
+              </a:buClr>
+              <a:buSzPct val="85000"/>
+              <a:buFont typeface="Wingdings" pitchFamily="2" charset="2"/>
+              <a:buChar char="§"/>
+              <a:defRPr sz="1600" kern="1200">
+                <a:solidFill>
+                  <a:schemeClr val="tx1"/>
+                </a:solidFill>
+                <a:latin typeface="+mn-lt"/>
+                <a:ea typeface="+mn-ea"/>
+                <a:cs typeface="+mn-cs"/>
+              </a:defRPr>
+            </a:lvl8pPr>
+            <a:lvl9pPr marL="2500000" indent="-228600" algn="l" defTabSz="914400" rtl="0" eaLnBrk="1" latinLnBrk="0" hangingPunct="1">
+              <a:lnSpc>
+                <a:spcPct val="90000"/>
+              </a:lnSpc>
+              <a:spcBef>
+                <a:spcPts val="400"/>
+              </a:spcBef>
+              <a:spcAft>
+                <a:spcPts val="200"/>
+              </a:spcAft>
+              <a:buClr>
+                <a:schemeClr val="accent2"/>
+              </a:buClr>
+              <a:buSzPct val="85000"/>
+              <a:buFont typeface="Wingdings" pitchFamily="2" charset="2"/>
+              <a:buChar char="§"/>
+              <a:defRPr sz="1600" kern="1200">
+                <a:solidFill>
+                  <a:schemeClr val="tx1"/>
+                </a:solidFill>
+                <a:latin typeface="+mn-lt"/>
+                <a:ea typeface="+mn-ea"/>
+                <a:cs typeface="+mn-cs"/>
+              </a:defRPr>
+            </a:lvl9pPr>
+          </a:lstStyle>
           <a:p>
             <a:r>
               <a:rPr lang="en-US" dirty="0"/>
-              <a:t>Scatterplots:</a:t>
-            </a:r>
-          </a:p>
-          <a:p>
-            <a:pPr lvl="1"/>
+              <a:t>An easy way to identify potential relationships among variables is to analyze their correlations</a:t>
+            </a:r>
+          </a:p>
+          <a:p>
+            <a:endParaRPr lang="en-US" dirty="0"/>
+          </a:p>
+          <a:p>
             <a:r>
               <a:rPr lang="en-US" dirty="0"/>
-              <a:t>Cap Hit vs. Points Per Game</a:t>
-            </a:r>
-          </a:p>
-          <a:p>
-            <a:pPr lvl="1"/>
+              <a:t>To do this, we created a correlation matrix</a:t>
+            </a:r>
+          </a:p>
+          <a:p>
+            <a:endParaRPr lang="en-US" dirty="0"/>
+          </a:p>
+          <a:p>
             <a:r>
               <a:rPr lang="en-US" dirty="0"/>
-              <a:t>Goals For vs. Goals Against by Cap Hit</a:t>
-            </a:r>
-          </a:p>
-          <a:p>
-            <a:pPr lvl="1"/>
-            <a:endParaRPr lang="en-US" dirty="0">
-              <a:solidFill>
-                <a:srgbClr val="FF0000"/>
-              </a:solidFill>
-            </a:endParaRPr>
-          </a:p>
-          <a:p>
-            <a:r>
-              <a:rPr lang="en-US" dirty="0">
-                <a:solidFill>
-                  <a:srgbClr val="FF0000"/>
-                </a:solidFill>
-              </a:rPr>
-              <a:t>Donut Charts:</a:t>
-            </a:r>
-          </a:p>
-          <a:p>
-            <a:pPr lvl="1"/>
-            <a:r>
-              <a:rPr lang="en-US" dirty="0">
-                <a:solidFill>
-                  <a:srgbClr val="FF0000"/>
-                </a:solidFill>
-              </a:rPr>
-              <a:t>Cap Hit </a:t>
-            </a:r>
-          </a:p>
-          <a:p>
-            <a:endParaRPr lang="en-US" dirty="0"/>
+              <a:t>Unfortunately, it did not yield many strong correlations among the raw data</a:t>
+            </a:r>
           </a:p>
         </p:txBody>
       </p:sp>
     </p:spTree>
     <p:extLst>
       <p:ext uri="{BB962C8B-B14F-4D97-AF65-F5344CB8AC3E}">
-        <p14:creationId xmlns:p14="http://schemas.microsoft.com/office/powerpoint/2010/main" val="1646181658"/>
+        <p14:creationId xmlns:p14="http://schemas.microsoft.com/office/powerpoint/2010/main" val="3755389053"/>
       </p:ext>
     </p:extLst>
   </p:cSld>
@@ -5058,6 +5418,397 @@
           <p:cNvPr id="2" name="Title 1">
             <a:extLst>
               <a:ext uri="{FF2B5EF4-FFF2-40B4-BE49-F238E27FC236}">
+                <a16:creationId xmlns:a16="http://schemas.microsoft.com/office/drawing/2014/main" id="{A19C977A-EC51-4868-A8B6-64DFDE67CF40}"/>
+              </a:ext>
+            </a:extLst>
+          </p:cNvPr>
+          <p:cNvSpPr>
+            <a:spLocks noGrp="1"/>
+          </p:cNvSpPr>
+          <p:nvPr>
+            <p:ph type="title"/>
+          </p:nvPr>
+        </p:nvSpPr>
+        <p:spPr/>
+        <p:txBody>
+          <a:bodyPr/>
+          <a:lstStyle/>
+          <a:p>
+            <a:r>
+              <a:rPr lang="en-US" dirty="0"/>
+              <a:t>DATA COLLECTION &amp; VALIDATION</a:t>
+            </a:r>
+          </a:p>
+        </p:txBody>
+      </p:sp>
+      <p:sp>
+        <p:nvSpPr>
+          <p:cNvPr id="3" name="Content Placeholder 2">
+            <a:extLst>
+              <a:ext uri="{FF2B5EF4-FFF2-40B4-BE49-F238E27FC236}">
+                <a16:creationId xmlns:a16="http://schemas.microsoft.com/office/drawing/2014/main" id="{5CB121BE-1738-40D1-85EA-EA042153DC3F}"/>
+              </a:ext>
+            </a:extLst>
+          </p:cNvPr>
+          <p:cNvSpPr>
+            <a:spLocks noGrp="1"/>
+          </p:cNvSpPr>
+          <p:nvPr>
+            <p:ph idx="1"/>
+          </p:nvPr>
+        </p:nvSpPr>
+        <p:spPr>
+          <a:xfrm>
+            <a:off x="1484312" y="2691062"/>
+            <a:ext cx="8300258" cy="3124201"/>
+          </a:xfrm>
+        </p:spPr>
+        <p:txBody>
+          <a:bodyPr>
+            <a:normAutofit lnSpcReduction="10000"/>
+          </a:bodyPr>
+          <a:lstStyle/>
+          <a:p>
+            <a:r>
+              <a:rPr lang="en-US" dirty="0"/>
+              <a:t>Based on the correlation matrix, we decided that we would need to group our data into several different categories such as Nationality, Free Agent Status, Shot Type, and more</a:t>
+            </a:r>
+          </a:p>
+          <a:p>
+            <a:endParaRPr lang="en-US" dirty="0"/>
+          </a:p>
+          <a:p>
+            <a:r>
+              <a:rPr lang="en-US" dirty="0"/>
+              <a:t>For analysis involving player salary data, the data was subset to only include Unrestricted Free Agent (UFA) players</a:t>
+            </a:r>
+          </a:p>
+          <a:p>
+            <a:endParaRPr lang="en-US" dirty="0"/>
+          </a:p>
+          <a:p>
+            <a:r>
+              <a:rPr lang="en-US" dirty="0"/>
+              <a:t>For analysis involving player’s nationality, countries with 5 or fewer active players was grouped into an “OTH” category</a:t>
+            </a:r>
+          </a:p>
+        </p:txBody>
+      </p:sp>
+    </p:spTree>
+    <p:extLst>
+      <p:ext uri="{BB962C8B-B14F-4D97-AF65-F5344CB8AC3E}">
+        <p14:creationId xmlns:p14="http://schemas.microsoft.com/office/powerpoint/2010/main" val="325094717"/>
+      </p:ext>
+    </p:extLst>
+  </p:cSld>
+  <p:clrMapOvr>
+    <a:masterClrMapping/>
+  </p:clrMapOvr>
+</p:sld>
+</file>
+
+<file path=ppt/slides/slide12.xml><?xml version="1.0" encoding="utf-8"?>
+<p:sld xmlns:a="http://schemas.openxmlformats.org/drawingml/2006/main" xmlns:r="http://schemas.openxmlformats.org/officeDocument/2006/relationships" xmlns:p="http://schemas.openxmlformats.org/presentationml/2006/main">
+  <p:cSld>
+    <p:spTree>
+      <p:nvGrpSpPr>
+        <p:cNvPr id="1" name=""/>
+        <p:cNvGrpSpPr/>
+        <p:nvPr/>
+      </p:nvGrpSpPr>
+      <p:grpSpPr>
+        <a:xfrm>
+          <a:off x="0" y="0"/>
+          <a:ext cx="0" cy="0"/>
+          <a:chOff x="0" y="0"/>
+          <a:chExt cx="0" cy="0"/>
+        </a:xfrm>
+      </p:grpSpPr>
+      <p:sp>
+        <p:nvSpPr>
+          <p:cNvPr id="4" name="Title 3">
+            <a:extLst>
+              <a:ext uri="{FF2B5EF4-FFF2-40B4-BE49-F238E27FC236}">
+                <a16:creationId xmlns:a16="http://schemas.microsoft.com/office/drawing/2014/main" id="{AB297243-2F91-4C9D-9877-9350408A3957}"/>
+              </a:ext>
+            </a:extLst>
+          </p:cNvPr>
+          <p:cNvSpPr>
+            <a:spLocks noGrp="1"/>
+          </p:cNvSpPr>
+          <p:nvPr>
+            <p:ph type="title"/>
+          </p:nvPr>
+        </p:nvSpPr>
+        <p:spPr/>
+        <p:txBody>
+          <a:bodyPr/>
+          <a:lstStyle/>
+          <a:p>
+            <a:r>
+              <a:rPr lang="en-US" dirty="0"/>
+              <a:t>DATA ANALYSIS</a:t>
+            </a:r>
+          </a:p>
+        </p:txBody>
+      </p:sp>
+      <p:sp>
+        <p:nvSpPr>
+          <p:cNvPr id="5" name="Text Placeholder 4">
+            <a:extLst>
+              <a:ext uri="{FF2B5EF4-FFF2-40B4-BE49-F238E27FC236}">
+                <a16:creationId xmlns:a16="http://schemas.microsoft.com/office/drawing/2014/main" id="{692BEE39-93A7-44C3-B0FF-26FAA554FB8A}"/>
+              </a:ext>
+            </a:extLst>
+          </p:cNvPr>
+          <p:cNvSpPr>
+            <a:spLocks noGrp="1"/>
+          </p:cNvSpPr>
+          <p:nvPr>
+            <p:ph type="body" idx="1"/>
+          </p:nvPr>
+        </p:nvSpPr>
+        <p:spPr/>
+        <p:txBody>
+          <a:bodyPr/>
+          <a:lstStyle/>
+          <a:p>
+            <a:endParaRPr lang="en-US"/>
+          </a:p>
+        </p:txBody>
+      </p:sp>
+    </p:spTree>
+    <p:extLst>
+      <p:ext uri="{BB962C8B-B14F-4D97-AF65-F5344CB8AC3E}">
+        <p14:creationId xmlns:p14="http://schemas.microsoft.com/office/powerpoint/2010/main" val="1865652867"/>
+      </p:ext>
+    </p:extLst>
+  </p:cSld>
+  <p:clrMapOvr>
+    <a:masterClrMapping/>
+  </p:clrMapOvr>
+</p:sld>
+</file>
+
+<file path=ppt/slides/slide13.xml><?xml version="1.0" encoding="utf-8"?>
+<p:sld xmlns:a="http://schemas.openxmlformats.org/drawingml/2006/main" xmlns:r="http://schemas.openxmlformats.org/officeDocument/2006/relationships" xmlns:p="http://schemas.openxmlformats.org/presentationml/2006/main">
+  <p:cSld>
+    <p:spTree>
+      <p:nvGrpSpPr>
+        <p:cNvPr id="1" name=""/>
+        <p:cNvGrpSpPr/>
+        <p:nvPr/>
+      </p:nvGrpSpPr>
+      <p:grpSpPr>
+        <a:xfrm>
+          <a:off x="0" y="0"/>
+          <a:ext cx="0" cy="0"/>
+          <a:chOff x="0" y="0"/>
+          <a:chExt cx="0" cy="0"/>
+        </a:xfrm>
+      </p:grpSpPr>
+      <p:sp>
+        <p:nvSpPr>
+          <p:cNvPr id="2" name="Title 1">
+            <a:extLst>
+              <a:ext uri="{FF2B5EF4-FFF2-40B4-BE49-F238E27FC236}">
+                <a16:creationId xmlns:a16="http://schemas.microsoft.com/office/drawing/2014/main" id="{A19C977A-EC51-4868-A8B6-64DFDE67CF40}"/>
+              </a:ext>
+            </a:extLst>
+          </p:cNvPr>
+          <p:cNvSpPr>
+            <a:spLocks noGrp="1"/>
+          </p:cNvSpPr>
+          <p:nvPr>
+            <p:ph type="title"/>
+          </p:nvPr>
+        </p:nvSpPr>
+        <p:spPr/>
+        <p:txBody>
+          <a:bodyPr/>
+          <a:lstStyle/>
+          <a:p>
+            <a:r>
+              <a:rPr lang="en-US" dirty="0"/>
+              <a:t>DATA ANALYSIS</a:t>
+            </a:r>
+          </a:p>
+        </p:txBody>
+      </p:sp>
+      <p:sp>
+        <p:nvSpPr>
+          <p:cNvPr id="3" name="Content Placeholder 2">
+            <a:extLst>
+              <a:ext uri="{FF2B5EF4-FFF2-40B4-BE49-F238E27FC236}">
+                <a16:creationId xmlns:a16="http://schemas.microsoft.com/office/drawing/2014/main" id="{5CB121BE-1738-40D1-85EA-EA042153DC3F}"/>
+              </a:ext>
+            </a:extLst>
+          </p:cNvPr>
+          <p:cNvSpPr>
+            <a:spLocks noGrp="1"/>
+          </p:cNvSpPr>
+          <p:nvPr>
+            <p:ph sz="half" idx="1"/>
+          </p:nvPr>
+        </p:nvSpPr>
+        <p:spPr/>
+        <p:txBody>
+          <a:bodyPr>
+            <a:normAutofit/>
+          </a:bodyPr>
+          <a:lstStyle/>
+          <a:p>
+            <a:r>
+              <a:rPr lang="en-US" dirty="0"/>
+              <a:t>Boxplots:</a:t>
+            </a:r>
+          </a:p>
+          <a:p>
+            <a:pPr lvl="1"/>
+            <a:r>
+              <a:rPr lang="en-US" dirty="0"/>
+              <a:t>Cap Hit by Nationality</a:t>
+            </a:r>
+          </a:p>
+          <a:p>
+            <a:pPr lvl="1"/>
+            <a:r>
+              <a:rPr lang="en-US" dirty="0"/>
+              <a:t>Draft Round vs. Points Per Game</a:t>
+            </a:r>
+          </a:p>
+          <a:p>
+            <a:endParaRPr lang="en-US" dirty="0"/>
+          </a:p>
+          <a:p>
+            <a:r>
+              <a:rPr lang="en-US" dirty="0"/>
+              <a:t>Bar Charts:</a:t>
+            </a:r>
+          </a:p>
+          <a:p>
+            <a:pPr lvl="1"/>
+            <a:r>
+              <a:rPr lang="en-US" dirty="0"/>
+              <a:t>Goals, Shots and Shooting Percentage by Shot Type</a:t>
+            </a:r>
+          </a:p>
+          <a:p>
+            <a:endParaRPr lang="en-US" dirty="0"/>
+          </a:p>
+        </p:txBody>
+      </p:sp>
+      <p:sp>
+        <p:nvSpPr>
+          <p:cNvPr id="4" name="Content Placeholder 3">
+            <a:extLst>
+              <a:ext uri="{FF2B5EF4-FFF2-40B4-BE49-F238E27FC236}">
+                <a16:creationId xmlns:a16="http://schemas.microsoft.com/office/drawing/2014/main" id="{F4F325D2-24D9-4806-9FE2-1B17B702308C}"/>
+              </a:ext>
+            </a:extLst>
+          </p:cNvPr>
+          <p:cNvSpPr>
+            <a:spLocks noGrp="1"/>
+          </p:cNvSpPr>
+          <p:nvPr>
+            <p:ph sz="half" idx="2"/>
+          </p:nvPr>
+        </p:nvSpPr>
+        <p:spPr/>
+        <p:txBody>
+          <a:bodyPr>
+            <a:normAutofit/>
+          </a:bodyPr>
+          <a:lstStyle/>
+          <a:p>
+            <a:r>
+              <a:rPr lang="en-US" dirty="0"/>
+              <a:t>Scatterplots:</a:t>
+            </a:r>
+          </a:p>
+          <a:p>
+            <a:pPr lvl="1"/>
+            <a:r>
+              <a:rPr lang="en-US" dirty="0"/>
+              <a:t>Cap Hit vs. Points Per Game</a:t>
+            </a:r>
+          </a:p>
+          <a:p>
+            <a:pPr lvl="1"/>
+            <a:r>
+              <a:rPr lang="en-US" dirty="0"/>
+              <a:t>Goals For vs. Goals Against by Cap Hit</a:t>
+            </a:r>
+          </a:p>
+          <a:p>
+            <a:pPr lvl="1"/>
+            <a:endParaRPr lang="en-US" dirty="0">
+              <a:solidFill>
+                <a:srgbClr val="FF0000"/>
+              </a:solidFill>
+            </a:endParaRPr>
+          </a:p>
+          <a:p>
+            <a:r>
+              <a:rPr lang="en-US" dirty="0">
+                <a:solidFill>
+                  <a:srgbClr val="FF0000"/>
+                </a:solidFill>
+              </a:rPr>
+              <a:t>Donut Charts:</a:t>
+            </a:r>
+          </a:p>
+          <a:p>
+            <a:pPr lvl="1"/>
+            <a:r>
+              <a:rPr lang="en-US" dirty="0">
+                <a:solidFill>
+                  <a:srgbClr val="FF0000"/>
+                </a:solidFill>
+              </a:rPr>
+              <a:t>Cap Hit </a:t>
+            </a:r>
+          </a:p>
+          <a:p>
+            <a:endParaRPr lang="en-US" dirty="0"/>
+          </a:p>
+        </p:txBody>
+      </p:sp>
+    </p:spTree>
+    <p:extLst>
+      <p:ext uri="{BB962C8B-B14F-4D97-AF65-F5344CB8AC3E}">
+        <p14:creationId xmlns:p14="http://schemas.microsoft.com/office/powerpoint/2010/main" val="1646181658"/>
+      </p:ext>
+    </p:extLst>
+  </p:cSld>
+  <p:clrMapOvr>
+    <a:masterClrMapping/>
+  </p:clrMapOvr>
+</p:sld>
+</file>
+
+<file path=ppt/slides/slide14.xml><?xml version="1.0" encoding="utf-8"?>
+<p:sld xmlns:a="http://schemas.openxmlformats.org/drawingml/2006/main" xmlns:r="http://schemas.openxmlformats.org/officeDocument/2006/relationships" xmlns:p="http://schemas.openxmlformats.org/presentationml/2006/main">
+  <p:cSld>
+    <p:spTree>
+      <p:nvGrpSpPr>
+        <p:cNvPr id="1" name=""/>
+        <p:cNvGrpSpPr/>
+        <p:nvPr/>
+      </p:nvGrpSpPr>
+      <p:grpSpPr>
+        <a:xfrm>
+          <a:off x="0" y="0"/>
+          <a:ext cx="0" cy="0"/>
+          <a:chOff x="0" y="0"/>
+          <a:chExt cx="0" cy="0"/>
+        </a:xfrm>
+      </p:grpSpPr>
+      <p:sp>
+        <p:nvSpPr>
+          <p:cNvPr id="2" name="Title 1">
+            <a:extLst>
+              <a:ext uri="{FF2B5EF4-FFF2-40B4-BE49-F238E27FC236}">
                 <a16:creationId xmlns:a16="http://schemas.microsoft.com/office/drawing/2014/main" id="{4DB8133F-6172-4F21-82D9-8E1083B46A50}"/>
               </a:ext>
             </a:extLst>
@@ -5076,7 +5827,7 @@
           <a:p>
             <a:r>
               <a:rPr lang="en-US" dirty="0"/>
-              <a:t>Cap Hit by Nationality</a:t>
+              <a:t>Salary by Nationality</a:t>
             </a:r>
           </a:p>
         </p:txBody>
@@ -5129,19 +5880,19 @@
           <a:p>
             <a:r>
               <a:rPr lang="en-US" dirty="0"/>
-              <a:t>The distribution of cap hits appears very similar for Canadian and American players</a:t>
+              <a:t>The distribution of salary appears very similar for Canadian and American players</a:t>
             </a:r>
           </a:p>
           <a:p>
             <a:r>
               <a:rPr lang="en-US" dirty="0"/>
-              <a:t>The median cap hit for Russians, Finns and Swedes is noticeably higher than the cap hits</a:t>
+              <a:t>The median salary for Russians, Finns and Swedes is noticeably higher than the cap hits</a:t>
             </a:r>
           </a:p>
           <a:p>
             <a:r>
               <a:rPr lang="en-US" dirty="0"/>
-              <a:t>Russian players had the highest median cap hit in 2016-17, but this was heavily affected by top earners like Alex Ovechkin ($9.54M) and Evgeni </a:t>
+              <a:t>Russian players had the highest median salary in 2016-17, but this was heavily affected by top earners like Alex Ovechkin ($9.54M) and Evgeni </a:t>
             </a:r>
             <a:r>
               <a:rPr lang="en-US" dirty="0" err="1"/>
@@ -5209,7 +5960,7 @@
 </p:sld>
 </file>
 
-<file path=ppt/slides/slide12.xml><?xml version="1.0" encoding="utf-8"?>
+<file path=ppt/slides/slide15.xml><?xml version="1.0" encoding="utf-8"?>
 <p:sld xmlns:a="http://schemas.openxmlformats.org/drawingml/2006/main" xmlns:r="http://schemas.openxmlformats.org/officeDocument/2006/relationships" xmlns:p="http://schemas.openxmlformats.org/presentationml/2006/main">
   <p:cSld>
     <p:spTree>
@@ -5231,7 +5982,7 @@
           <p:cNvPr id="2" name="Title 1">
             <a:extLst>
               <a:ext uri="{FF2B5EF4-FFF2-40B4-BE49-F238E27FC236}">
-                <a16:creationId xmlns:a16="http://schemas.microsoft.com/office/drawing/2014/main" id="{4DB8133F-6172-4F21-82D9-8E1083B46A50}"/>
+                <a16:creationId xmlns:a16="http://schemas.microsoft.com/office/drawing/2014/main" id="{352E37D5-E6B7-4D44-845B-37C208AE3FCB}"/>
               </a:ext>
             </a:extLst>
           </p:cNvPr>
@@ -5249,45 +6000,71 @@
           <a:p>
             <a:r>
               <a:rPr lang="en-US" dirty="0"/>
-              <a:t>Draft Round vs. Points Per Game</a:t>
-            </a:r>
-          </a:p>
-        </p:txBody>
-      </p:sp>
-      <p:sp>
-        <p:nvSpPr>
-          <p:cNvPr id="10" name="Content Placeholder 9">
+              <a:t>Salary by Position</a:t>
+            </a:r>
+          </a:p>
+        </p:txBody>
+      </p:sp>
+      <p:pic>
+        <p:nvPicPr>
+          <p:cNvPr id="8" name="Picture 7">
             <a:extLst>
               <a:ext uri="{FF2B5EF4-FFF2-40B4-BE49-F238E27FC236}">
-                <a16:creationId xmlns:a16="http://schemas.microsoft.com/office/drawing/2014/main" id="{C83CA520-1279-4996-A848-B1A53D9996B8}"/>
+                <a16:creationId xmlns:a16="http://schemas.microsoft.com/office/drawing/2014/main" id="{CF1F1140-EF6C-4421-8676-5B8E77B65B2E}"/>
               </a:ext>
             </a:extLst>
           </p:cNvPr>
-          <p:cNvSpPr>
-            <a:spLocks noGrp="1"/>
-          </p:cNvSpPr>
-          <p:nvPr>
-            <p:ph sz="half" idx="2"/>
-          </p:nvPr>
-        </p:nvSpPr>
-        <p:spPr/>
-        <p:txBody>
-          <a:bodyPr/>
-          <a:lstStyle/>
-          <a:p>
-            <a:r>
-              <a:rPr lang="en-US" dirty="0"/>
-              <a:t>Players drafted in the first round clearly have the highest median salary</a:t>
-            </a:r>
-          </a:p>
-          <a:p>
-            <a:r>
-              <a:rPr lang="en-US" dirty="0"/>
-              <a:t>After the first round, there are no noticeable difference in median salary</a:t>
-            </a:r>
-          </a:p>
-        </p:txBody>
-      </p:sp>
+          <p:cNvPicPr>
+            <a:picLocks noChangeAspect="1"/>
+          </p:cNvPicPr>
+          <p:nvPr/>
+        </p:nvPicPr>
+        <p:blipFill>
+          <a:blip r:embed="rId2"/>
+          <a:stretch>
+            <a:fillRect/>
+          </a:stretch>
+        </p:blipFill>
+        <p:spPr>
+          <a:xfrm>
+            <a:off x="1480868" y="1828800"/>
+            <a:ext cx="9230264" cy="4572000"/>
+          </a:xfrm>
+          <a:prstGeom prst="rect">
+            <a:avLst/>
+          </a:prstGeom>
+        </p:spPr>
+      </p:pic>
+    </p:spTree>
+    <p:extLst>
+      <p:ext uri="{BB962C8B-B14F-4D97-AF65-F5344CB8AC3E}">
+        <p14:creationId xmlns:p14="http://schemas.microsoft.com/office/powerpoint/2010/main" val="1522289650"/>
+      </p:ext>
+    </p:extLst>
+  </p:cSld>
+  <p:clrMapOvr>
+    <a:masterClrMapping/>
+  </p:clrMapOvr>
+</p:sld>
+</file>
+
+<file path=ppt/slides/slide16.xml><?xml version="1.0" encoding="utf-8"?>
+<p:sld xmlns:a="http://schemas.openxmlformats.org/drawingml/2006/main" xmlns:r="http://schemas.openxmlformats.org/officeDocument/2006/relationships" xmlns:p="http://schemas.openxmlformats.org/presentationml/2006/main">
+  <p:cSld>
+    <p:spTree>
+      <p:nvGrpSpPr>
+        <p:cNvPr id="1" name=""/>
+        <p:cNvGrpSpPr/>
+        <p:nvPr/>
+      </p:nvGrpSpPr>
+      <p:grpSpPr>
+        <a:xfrm>
+          <a:off x="0" y="0"/>
+          <a:ext cx="0" cy="0"/>
+          <a:chOff x="0" y="0"/>
+          <a:chExt cx="0" cy="0"/>
+        </a:xfrm>
+      </p:grpSpPr>
       <p:pic>
         <p:nvPicPr>
           <p:cNvPr id="7" name="Picture 6">
@@ -5414,6 +6191,73 @@
           </a:effectLst>
         </p:spPr>
       </p:pic>
+      <p:sp>
+        <p:nvSpPr>
+          <p:cNvPr id="2" name="Title 1">
+            <a:extLst>
+              <a:ext uri="{FF2B5EF4-FFF2-40B4-BE49-F238E27FC236}">
+                <a16:creationId xmlns:a16="http://schemas.microsoft.com/office/drawing/2014/main" id="{4DB8133F-6172-4F21-82D9-8E1083B46A50}"/>
+              </a:ext>
+            </a:extLst>
+          </p:cNvPr>
+          <p:cNvSpPr>
+            <a:spLocks noGrp="1"/>
+          </p:cNvSpPr>
+          <p:nvPr>
+            <p:ph type="title"/>
+          </p:nvPr>
+        </p:nvSpPr>
+        <p:spPr/>
+        <p:txBody>
+          <a:bodyPr/>
+          <a:lstStyle/>
+          <a:p>
+            <a:r>
+              <a:rPr lang="en-US" dirty="0"/>
+              <a:t>Draft Round vs. Points Per Game</a:t>
+            </a:r>
+          </a:p>
+        </p:txBody>
+      </p:sp>
+      <p:sp>
+        <p:nvSpPr>
+          <p:cNvPr id="10" name="Content Placeholder 9">
+            <a:extLst>
+              <a:ext uri="{FF2B5EF4-FFF2-40B4-BE49-F238E27FC236}">
+                <a16:creationId xmlns:a16="http://schemas.microsoft.com/office/drawing/2014/main" id="{C83CA520-1279-4996-A848-B1A53D9996B8}"/>
+              </a:ext>
+            </a:extLst>
+          </p:cNvPr>
+          <p:cNvSpPr>
+            <a:spLocks noGrp="1"/>
+          </p:cNvSpPr>
+          <p:nvPr>
+            <p:ph sz="half" idx="1"/>
+          </p:nvPr>
+        </p:nvSpPr>
+        <p:spPr>
+          <a:xfrm>
+            <a:off x="6364224" y="2194560"/>
+            <a:ext cx="4754880" cy="3977640"/>
+          </a:xfrm>
+        </p:spPr>
+        <p:txBody>
+          <a:bodyPr/>
+          <a:lstStyle/>
+          <a:p>
+            <a:r>
+              <a:rPr lang="en-US" dirty="0"/>
+              <a:t>Players drafted in the first round clearly have the highest median salary</a:t>
+            </a:r>
+          </a:p>
+          <a:p>
+            <a:r>
+              <a:rPr lang="en-US" dirty="0"/>
+              <a:t>After the first round, there are no noticeable difference in median salary</a:t>
+            </a:r>
+          </a:p>
+        </p:txBody>
+      </p:sp>
     </p:spTree>
     <p:extLst>
       <p:ext uri="{BB962C8B-B14F-4D97-AF65-F5344CB8AC3E}">
@@ -5563,7 +6407,7 @@
 </p:sld>
 </file>
 
-<file path=ppt/slides/slide13.xml><?xml version="1.0" encoding="utf-8"?>
+<file path=ppt/slides/slide17.xml><?xml version="1.0" encoding="utf-8"?>
 <p:sld xmlns:a="http://schemas.openxmlformats.org/drawingml/2006/main" xmlns:r="http://schemas.openxmlformats.org/officeDocument/2006/relationships" xmlns:p="http://schemas.openxmlformats.org/presentationml/2006/main">
   <p:cSld>
     <p:spTree>
@@ -5621,10 +6465,15 @@
             <a:spLocks noGrp="1"/>
           </p:cNvSpPr>
           <p:nvPr>
-            <p:ph sz="half" idx="2"/>
-          </p:nvPr>
-        </p:nvSpPr>
-        <p:spPr/>
+            <p:ph sz="half" idx="1"/>
+          </p:nvPr>
+        </p:nvSpPr>
+        <p:spPr>
+          <a:xfrm>
+            <a:off x="6364224" y="2194560"/>
+            <a:ext cx="4754880" cy="3977640"/>
+          </a:xfrm>
+        </p:spPr>
         <p:txBody>
           <a:bodyPr/>
           <a:lstStyle/>
@@ -5703,7 +6552,7 @@
 </p:sld>
 </file>
 
-<file path=ppt/slides/slide14.xml><?xml version="1.0" encoding="utf-8"?>
+<file path=ppt/slides/slide18.xml><?xml version="1.0" encoding="utf-8"?>
 <p:sld xmlns:a="http://schemas.openxmlformats.org/drawingml/2006/main" xmlns:r="http://schemas.openxmlformats.org/officeDocument/2006/relationships" xmlns:p="http://schemas.openxmlformats.org/presentationml/2006/main">
   <p:cSld>
     <p:spTree>
@@ -5761,14 +6610,23 @@
             <a:spLocks noGrp="1"/>
           </p:cNvSpPr>
           <p:nvPr>
-            <p:ph sz="half" idx="2"/>
-          </p:nvPr>
-        </p:nvSpPr>
-        <p:spPr/>
+            <p:ph sz="half" idx="1"/>
+          </p:nvPr>
+        </p:nvSpPr>
+        <p:spPr>
+          <a:xfrm>
+            <a:off x="6364224" y="2194560"/>
+            <a:ext cx="4754880" cy="3977640"/>
+          </a:xfrm>
+        </p:spPr>
         <p:txBody>
           <a:bodyPr/>
           <a:lstStyle/>
           <a:p>
+            <a:r>
+              <a:rPr lang="en-US" dirty="0" err="1"/>
+              <a:t>asdf</a:t>
+            </a:r>
             <a:endParaRPr lang="en-US" dirty="0"/>
           </a:p>
         </p:txBody>
@@ -5828,7 +6686,7 @@
 </p:sld>
 </file>
 
-<file path=ppt/slides/slide15.xml><?xml version="1.0" encoding="utf-8"?>
+<file path=ppt/slides/slide19.xml><?xml version="1.0" encoding="utf-8"?>
 <p:sld xmlns:a="http://schemas.openxmlformats.org/drawingml/2006/main" xmlns:r="http://schemas.openxmlformats.org/officeDocument/2006/relationships" xmlns:p="http://schemas.openxmlformats.org/presentationml/2006/main">
   <p:cSld>
     <p:spTree>
@@ -5850,7 +6708,7 @@
           <p:cNvPr id="2" name="Title 1">
             <a:extLst>
               <a:ext uri="{FF2B5EF4-FFF2-40B4-BE49-F238E27FC236}">
-                <a16:creationId xmlns:a16="http://schemas.microsoft.com/office/drawing/2014/main" id="{B3AB90C6-0B17-4A5A-8E71-6FD690579406}"/>
+                <a16:creationId xmlns:a16="http://schemas.microsoft.com/office/drawing/2014/main" id="{B9503DBB-97BD-46E8-9280-4D7E67C1C569}"/>
               </a:ext>
             </a:extLst>
           </p:cNvPr>
@@ -5868,7 +6726,7 @@
           <a:p>
             <a:r>
               <a:rPr lang="en-US" dirty="0"/>
-              <a:t>Dangerous Shots Against (D only)</a:t>
+              <a:t>Goals For vs. Goals Against</a:t>
             </a:r>
           </a:p>
         </p:txBody>
@@ -5878,7 +6736,7 @@
           <p:cNvPr id="4" name="Content Placeholder 3">
             <a:extLst>
               <a:ext uri="{FF2B5EF4-FFF2-40B4-BE49-F238E27FC236}">
-                <a16:creationId xmlns:a16="http://schemas.microsoft.com/office/drawing/2014/main" id="{F66033F3-5F16-4F57-A1FD-727E76310925}"/>
+                <a16:creationId xmlns:a16="http://schemas.microsoft.com/office/drawing/2014/main" id="{9BCDCB18-E9B0-4FD2-9D49-428DEB38EDF5}"/>
               </a:ext>
             </a:extLst>
           </p:cNvPr>
@@ -5886,7 +6744,123 @@
             <a:spLocks noGrp="1"/>
           </p:cNvSpPr>
           <p:nvPr>
-            <p:ph sz="half" idx="2"/>
+            <p:ph sz="half" idx="1"/>
+          </p:nvPr>
+        </p:nvSpPr>
+        <p:spPr>
+          <a:xfrm>
+            <a:off x="7742284" y="2194560"/>
+            <a:ext cx="3376819" cy="3977640"/>
+          </a:xfrm>
+        </p:spPr>
+        <p:txBody>
+          <a:bodyPr/>
+          <a:lstStyle/>
+          <a:p>
+            <a:r>
+              <a:rPr lang="en-US" dirty="0"/>
+              <a:t>Same data as the previous slide, but using </a:t>
+            </a:r>
+            <a:r>
+              <a:rPr lang="en-US" dirty="0" err="1"/>
+              <a:t>Plotly</a:t>
+            </a:r>
+            <a:endParaRPr lang="en-US" dirty="0"/>
+          </a:p>
+        </p:txBody>
+      </p:sp>
+      <p:pic>
+        <p:nvPicPr>
+          <p:cNvPr id="12" name="Picture 11">
+            <a:extLst>
+              <a:ext uri="{FF2B5EF4-FFF2-40B4-BE49-F238E27FC236}">
+                <a16:creationId xmlns:a16="http://schemas.microsoft.com/office/drawing/2014/main" id="{B7FDF295-515C-4F59-B209-5BA2CD3A08EF}"/>
+              </a:ext>
+            </a:extLst>
+          </p:cNvPr>
+          <p:cNvPicPr>
+            <a:picLocks noChangeAspect="1"/>
+          </p:cNvPicPr>
+          <p:nvPr/>
+        </p:nvPicPr>
+        <p:blipFill>
+          <a:blip r:embed="rId3">
+            <a:extLst>
+              <a:ext uri="{28A0092B-C50C-407E-A947-70E740481C1C}">
+                <a14:useLocalDpi xmlns:a14="http://schemas.microsoft.com/office/drawing/2010/main" val="0"/>
+              </a:ext>
+            </a:extLst>
+          </a:blip>
+          <a:stretch>
+            <a:fillRect/>
+          </a:stretch>
+        </p:blipFill>
+        <p:spPr>
+          <a:xfrm>
+            <a:off x="685796" y="2194559"/>
+            <a:ext cx="6516193" cy="3657600"/>
+          </a:xfrm>
+          <a:prstGeom prst="rect">
+            <a:avLst/>
+          </a:prstGeom>
+          <a:ln w="19050">
+            <a:solidFill>
+              <a:schemeClr val="tx1"/>
+            </a:solidFill>
+          </a:ln>
+          <a:effectLst>
+            <a:outerShdw blurRad="50800" dist="38100" dir="2700000" algn="tl" rotWithShape="0">
+              <a:prstClr val="black">
+                <a:alpha val="40000"/>
+              </a:prstClr>
+            </a:outerShdw>
+          </a:effectLst>
+        </p:spPr>
+      </p:pic>
+    </p:spTree>
+    <p:extLst>
+      <p:ext uri="{BB962C8B-B14F-4D97-AF65-F5344CB8AC3E}">
+        <p14:creationId xmlns:p14="http://schemas.microsoft.com/office/powerpoint/2010/main" val="2875427896"/>
+      </p:ext>
+    </p:extLst>
+  </p:cSld>
+  <p:clrMapOvr>
+    <a:masterClrMapping/>
+  </p:clrMapOvr>
+</p:sld>
+</file>
+
+<file path=ppt/slides/slide2.xml><?xml version="1.0" encoding="utf-8"?>
+<p:sld xmlns:a="http://schemas.openxmlformats.org/drawingml/2006/main" xmlns:r="http://schemas.openxmlformats.org/officeDocument/2006/relationships" xmlns:p="http://schemas.openxmlformats.org/presentationml/2006/main">
+  <p:cSld>
+    <p:spTree>
+      <p:nvGrpSpPr>
+        <p:cNvPr id="1" name=""/>
+        <p:cNvGrpSpPr/>
+        <p:nvPr/>
+      </p:nvGrpSpPr>
+      <p:grpSpPr>
+        <a:xfrm>
+          <a:off x="0" y="0"/>
+          <a:ext cx="0" cy="0"/>
+          <a:chOff x="0" y="0"/>
+          <a:chExt cx="0" cy="0"/>
+        </a:xfrm>
+      </p:grpSpPr>
+      <p:sp>
+        <p:nvSpPr>
+          <p:cNvPr id="2" name="Title 1">
+            <a:extLst>
+              <a:ext uri="{FF2B5EF4-FFF2-40B4-BE49-F238E27FC236}">
+                <a16:creationId xmlns:a16="http://schemas.microsoft.com/office/drawing/2014/main" id="{57EDA6F7-08C8-4E8B-8EE6-4A46D6D22E61}"/>
+              </a:ext>
+            </a:extLst>
+          </p:cNvPr>
+          <p:cNvSpPr>
+            <a:spLocks noGrp="1"/>
+          </p:cNvSpPr>
+          <p:nvPr>
+            <p:ph type="title"/>
           </p:nvPr>
         </p:nvSpPr>
         <p:spPr/>
@@ -5894,10 +6868,109 @@
           <a:bodyPr/>
           <a:lstStyle/>
           <a:p>
-            <a:endParaRPr lang="en-US"/>
-          </a:p>
-        </p:txBody>
-      </p:sp>
+            <a:r>
+              <a:rPr lang="en-US" dirty="0"/>
+              <a:t>AGENDA</a:t>
+            </a:r>
+          </a:p>
+        </p:txBody>
+      </p:sp>
+      <p:sp>
+        <p:nvSpPr>
+          <p:cNvPr id="3" name="Content Placeholder 2">
+            <a:extLst>
+              <a:ext uri="{FF2B5EF4-FFF2-40B4-BE49-F238E27FC236}">
+                <a16:creationId xmlns:a16="http://schemas.microsoft.com/office/drawing/2014/main" id="{D4402552-6EC2-472B-BCAB-410755ED3ED5}"/>
+              </a:ext>
+            </a:extLst>
+          </p:cNvPr>
+          <p:cNvSpPr>
+            <a:spLocks noGrp="1"/>
+          </p:cNvSpPr>
+          <p:nvPr>
+            <p:ph idx="1"/>
+          </p:nvPr>
+        </p:nvSpPr>
+        <p:spPr/>
+        <p:txBody>
+          <a:bodyPr>
+            <a:normAutofit/>
+          </a:bodyPr>
+          <a:lstStyle/>
+          <a:p>
+            <a:r>
+              <a:rPr lang="en-US" dirty="0"/>
+              <a:t>Project Description</a:t>
+            </a:r>
+          </a:p>
+          <a:p>
+            <a:endParaRPr lang="en-US" dirty="0"/>
+          </a:p>
+          <a:p>
+            <a:r>
+              <a:rPr lang="en-US" dirty="0"/>
+              <a:t>Hockey 101</a:t>
+            </a:r>
+          </a:p>
+          <a:p>
+            <a:endParaRPr lang="en-US" dirty="0"/>
+          </a:p>
+          <a:p>
+            <a:r>
+              <a:rPr lang="en-US" dirty="0"/>
+              <a:t>Data Collection &amp; Validation</a:t>
+            </a:r>
+          </a:p>
+          <a:p>
+            <a:endParaRPr lang="en-US" dirty="0"/>
+          </a:p>
+          <a:p>
+            <a:r>
+              <a:rPr lang="en-US" dirty="0"/>
+              <a:t>Data Analysis</a:t>
+            </a:r>
+          </a:p>
+          <a:p>
+            <a:endParaRPr lang="en-US" dirty="0"/>
+          </a:p>
+          <a:p>
+            <a:r>
+              <a:rPr lang="en-US" dirty="0"/>
+              <a:t>Results</a:t>
+            </a:r>
+          </a:p>
+        </p:txBody>
+      </p:sp>
+    </p:spTree>
+    <p:extLst>
+      <p:ext uri="{BB962C8B-B14F-4D97-AF65-F5344CB8AC3E}">
+        <p14:creationId xmlns:p14="http://schemas.microsoft.com/office/powerpoint/2010/main" val="232729393"/>
+      </p:ext>
+    </p:extLst>
+  </p:cSld>
+  <p:clrMapOvr>
+    <a:masterClrMapping/>
+  </p:clrMapOvr>
+</p:sld>
+</file>
+
+<file path=ppt/slides/slide20.xml><?xml version="1.0" encoding="utf-8"?>
+<p:sld xmlns:a="http://schemas.openxmlformats.org/drawingml/2006/main" xmlns:r="http://schemas.openxmlformats.org/officeDocument/2006/relationships" xmlns:p="http://schemas.openxmlformats.org/presentationml/2006/main">
+  <p:cSld>
+    <p:spTree>
+      <p:nvGrpSpPr>
+        <p:cNvPr id="1" name=""/>
+        <p:cNvGrpSpPr/>
+        <p:nvPr/>
+      </p:nvGrpSpPr>
+      <p:grpSpPr>
+        <a:xfrm>
+          <a:off x="0" y="0"/>
+          <a:ext cx="0" cy="0"/>
+          <a:chOff x="0" y="0"/>
+          <a:chExt cx="0" cy="0"/>
+        </a:xfrm>
+      </p:grpSpPr>
       <p:pic>
         <p:nvPicPr>
           <p:cNvPr id="6" name="Picture 5">
@@ -5940,6 +7013,67 @@
           </a:effectLst>
         </p:spPr>
       </p:pic>
+      <p:sp>
+        <p:nvSpPr>
+          <p:cNvPr id="2" name="Title 1">
+            <a:extLst>
+              <a:ext uri="{FF2B5EF4-FFF2-40B4-BE49-F238E27FC236}">
+                <a16:creationId xmlns:a16="http://schemas.microsoft.com/office/drawing/2014/main" id="{B3AB90C6-0B17-4A5A-8E71-6FD690579406}"/>
+              </a:ext>
+            </a:extLst>
+          </p:cNvPr>
+          <p:cNvSpPr>
+            <a:spLocks noGrp="1"/>
+          </p:cNvSpPr>
+          <p:nvPr>
+            <p:ph type="title"/>
+          </p:nvPr>
+        </p:nvSpPr>
+        <p:spPr/>
+        <p:txBody>
+          <a:bodyPr/>
+          <a:lstStyle/>
+          <a:p>
+            <a:r>
+              <a:rPr lang="en-US" dirty="0"/>
+              <a:t>Dangerous Shots Against (D only)</a:t>
+            </a:r>
+          </a:p>
+        </p:txBody>
+      </p:sp>
+      <p:sp>
+        <p:nvSpPr>
+          <p:cNvPr id="4" name="Content Placeholder 3">
+            <a:extLst>
+              <a:ext uri="{FF2B5EF4-FFF2-40B4-BE49-F238E27FC236}">
+                <a16:creationId xmlns:a16="http://schemas.microsoft.com/office/drawing/2014/main" id="{F66033F3-5F16-4F57-A1FD-727E76310925}"/>
+              </a:ext>
+            </a:extLst>
+          </p:cNvPr>
+          <p:cNvSpPr>
+            <a:spLocks noGrp="1"/>
+          </p:cNvSpPr>
+          <p:nvPr>
+            <p:ph sz="half" idx="1"/>
+          </p:nvPr>
+        </p:nvSpPr>
+        <p:spPr>
+          <a:xfrm>
+            <a:off x="6364224" y="2194560"/>
+            <a:ext cx="4754880" cy="3977640"/>
+          </a:xfrm>
+        </p:spPr>
+        <p:txBody>
+          <a:bodyPr/>
+          <a:lstStyle/>
+          <a:p>
+            <a:r>
+              <a:rPr lang="en-US" dirty="0"/>
+              <a:t>Is there a relationship between team spending on defense and Dangerous Shots Against?</a:t>
+            </a:r>
+          </a:p>
+        </p:txBody>
+      </p:sp>
     </p:spTree>
     <p:extLst>
       <p:ext uri="{BB962C8B-B14F-4D97-AF65-F5344CB8AC3E}">
@@ -5953,7 +7087,7 @@
 </p:sld>
 </file>
 
-<file path=ppt/slides/slide16.xml><?xml version="1.0" encoding="utf-8"?>
+<file path=ppt/slides/slide21.xml><?xml version="1.0" encoding="utf-8"?>
 <p:sld xmlns:a="http://schemas.openxmlformats.org/drawingml/2006/main" xmlns:r="http://schemas.openxmlformats.org/officeDocument/2006/relationships" xmlns:p="http://schemas.openxmlformats.org/presentationml/2006/main">
   <p:cSld>
     <p:spTree>
@@ -6138,18 +7272,69 @@
             <a:spLocks noGrp="1"/>
           </p:cNvSpPr>
           <p:nvPr>
-            <p:ph sz="half" idx="2"/>
-          </p:nvPr>
-        </p:nvSpPr>
-        <p:spPr/>
+            <p:ph sz="half" idx="1"/>
+          </p:nvPr>
+        </p:nvSpPr>
+        <p:spPr>
+          <a:xfrm>
+            <a:off x="6901202" y="2194559"/>
+            <a:ext cx="4754880" cy="3977640"/>
+          </a:xfrm>
+        </p:spPr>
         <p:txBody>
           <a:bodyPr/>
           <a:lstStyle/>
           <a:p>
-            <a:endParaRPr lang="en-US"/>
-          </a:p>
-        </p:txBody>
-      </p:sp>
+            <a:r>
+              <a:rPr lang="en-US" dirty="0" err="1"/>
+              <a:t>asdf</a:t>
+            </a:r>
+            <a:endParaRPr lang="en-US" dirty="0"/>
+          </a:p>
+        </p:txBody>
+      </p:sp>
+      <p:pic>
+        <p:nvPicPr>
+          <p:cNvPr id="6" name="Picture 5">
+            <a:extLst>
+              <a:ext uri="{FF2B5EF4-FFF2-40B4-BE49-F238E27FC236}">
+                <a16:creationId xmlns:a16="http://schemas.microsoft.com/office/drawing/2014/main" id="{22B05932-6E77-4DA2-9A48-693D9290E74F}"/>
+              </a:ext>
+            </a:extLst>
+          </p:cNvPr>
+          <p:cNvPicPr>
+            <a:picLocks noChangeAspect="1"/>
+          </p:cNvPicPr>
+          <p:nvPr/>
+        </p:nvPicPr>
+        <p:blipFill>
+          <a:blip r:embed="rId6"/>
+          <a:stretch>
+            <a:fillRect/>
+          </a:stretch>
+        </p:blipFill>
+        <p:spPr>
+          <a:xfrm>
+            <a:off x="685800" y="2194560"/>
+            <a:ext cx="5486400" cy="3841898"/>
+          </a:xfrm>
+          <a:prstGeom prst="rect">
+            <a:avLst/>
+          </a:prstGeom>
+          <a:ln w="19050">
+            <a:solidFill>
+              <a:schemeClr val="tx1"/>
+            </a:solidFill>
+          </a:ln>
+          <a:effectLst>
+            <a:outerShdw blurRad="50800" dist="38100" dir="2700000" algn="tl" rotWithShape="0">
+              <a:prstClr val="black">
+                <a:alpha val="40000"/>
+              </a:prstClr>
+            </a:outerShdw>
+          </a:effectLst>
+        </p:spPr>
+      </p:pic>
     </p:spTree>
     <p:extLst>
       <p:ext uri="{BB962C8B-B14F-4D97-AF65-F5344CB8AC3E}">
@@ -6274,6 +7459,59 @@
                       </p:childTnLst>
                     </p:cTn>
                   </p:par>
+                  <p:par>
+                    <p:cTn id="13" fill="hold">
+                      <p:stCondLst>
+                        <p:cond delay="indefinite"/>
+                      </p:stCondLst>
+                      <p:childTnLst>
+                        <p:par>
+                          <p:cTn id="14" fill="hold">
+                            <p:stCondLst>
+                              <p:cond delay="0"/>
+                            </p:stCondLst>
+                            <p:childTnLst>
+                              <p:par>
+                                <p:cTn id="15" presetID="10" presetClass="entr" presetSubtype="0" fill="hold" nodeType="clickEffect">
+                                  <p:stCondLst>
+                                    <p:cond delay="0"/>
+                                  </p:stCondLst>
+                                  <p:childTnLst>
+                                    <p:set>
+                                      <p:cBhvr>
+                                        <p:cTn id="16" dur="1" fill="hold">
+                                          <p:stCondLst>
+                                            <p:cond delay="0"/>
+                                          </p:stCondLst>
+                                        </p:cTn>
+                                        <p:tgtEl>
+                                          <p:spTgt spid="6"/>
+                                        </p:tgtEl>
+                                        <p:attrNameLst>
+                                          <p:attrName>style.visibility</p:attrName>
+                                        </p:attrNameLst>
+                                      </p:cBhvr>
+                                      <p:to>
+                                        <p:strVal val="visible"/>
+                                      </p:to>
+                                    </p:set>
+                                    <p:animEffect transition="in" filter="fade">
+                                      <p:cBhvr>
+                                        <p:cTn id="17" dur="500"/>
+                                        <p:tgtEl>
+                                          <p:spTgt spid="6"/>
+                                        </p:tgtEl>
+                                      </p:cBhvr>
+                                    </p:animEffect>
+                                  </p:childTnLst>
+                                </p:cTn>
+                              </p:par>
+                            </p:childTnLst>
+                          </p:cTn>
+                        </p:par>
+                      </p:childTnLst>
+                    </p:cTn>
+                  </p:par>
                 </p:childTnLst>
               </p:cTn>
               <p:prevCondLst>
@@ -6296,121 +7534,6 @@
       </p:par>
     </p:tnLst>
   </p:timing>
-</p:sld>
-</file>
-
-<file path=ppt/slides/slide2.xml><?xml version="1.0" encoding="utf-8"?>
-<p:sld xmlns:a="http://schemas.openxmlformats.org/drawingml/2006/main" xmlns:r="http://schemas.openxmlformats.org/officeDocument/2006/relationships" xmlns:p="http://schemas.openxmlformats.org/presentationml/2006/main">
-  <p:cSld>
-    <p:spTree>
-      <p:nvGrpSpPr>
-        <p:cNvPr id="1" name=""/>
-        <p:cNvGrpSpPr/>
-        <p:nvPr/>
-      </p:nvGrpSpPr>
-      <p:grpSpPr>
-        <a:xfrm>
-          <a:off x="0" y="0"/>
-          <a:ext cx="0" cy="0"/>
-          <a:chOff x="0" y="0"/>
-          <a:chExt cx="0" cy="0"/>
-        </a:xfrm>
-      </p:grpSpPr>
-      <p:sp>
-        <p:nvSpPr>
-          <p:cNvPr id="2" name="Title 1">
-            <a:extLst>
-              <a:ext uri="{FF2B5EF4-FFF2-40B4-BE49-F238E27FC236}">
-                <a16:creationId xmlns:a16="http://schemas.microsoft.com/office/drawing/2014/main" id="{57EDA6F7-08C8-4E8B-8EE6-4A46D6D22E61}"/>
-              </a:ext>
-            </a:extLst>
-          </p:cNvPr>
-          <p:cNvSpPr>
-            <a:spLocks noGrp="1"/>
-          </p:cNvSpPr>
-          <p:nvPr>
-            <p:ph type="title"/>
-          </p:nvPr>
-        </p:nvSpPr>
-        <p:spPr/>
-        <p:txBody>
-          <a:bodyPr/>
-          <a:lstStyle/>
-          <a:p>
-            <a:r>
-              <a:rPr lang="en-US" dirty="0"/>
-              <a:t>AGENDA</a:t>
-            </a:r>
-          </a:p>
-        </p:txBody>
-      </p:sp>
-      <p:sp>
-        <p:nvSpPr>
-          <p:cNvPr id="3" name="Content Placeholder 2">
-            <a:extLst>
-              <a:ext uri="{FF2B5EF4-FFF2-40B4-BE49-F238E27FC236}">
-                <a16:creationId xmlns:a16="http://schemas.microsoft.com/office/drawing/2014/main" id="{D4402552-6EC2-472B-BCAB-410755ED3ED5}"/>
-              </a:ext>
-            </a:extLst>
-          </p:cNvPr>
-          <p:cNvSpPr>
-            <a:spLocks noGrp="1"/>
-          </p:cNvSpPr>
-          <p:nvPr>
-            <p:ph idx="1"/>
-          </p:nvPr>
-        </p:nvSpPr>
-        <p:spPr/>
-        <p:txBody>
-          <a:bodyPr>
-            <a:normAutofit/>
-          </a:bodyPr>
-          <a:lstStyle/>
-          <a:p>
-            <a:r>
-              <a:rPr lang="en-US" dirty="0"/>
-              <a:t>Project Description</a:t>
-            </a:r>
-          </a:p>
-          <a:p>
-            <a:endParaRPr lang="en-US" dirty="0"/>
-          </a:p>
-          <a:p>
-            <a:r>
-              <a:rPr lang="en-US" dirty="0"/>
-              <a:t>Data Collection &amp; Validation</a:t>
-            </a:r>
-          </a:p>
-          <a:p>
-            <a:endParaRPr lang="en-US" dirty="0"/>
-          </a:p>
-          <a:p>
-            <a:r>
-              <a:rPr lang="en-US" dirty="0"/>
-              <a:t>Data Analysis</a:t>
-            </a:r>
-          </a:p>
-          <a:p>
-            <a:endParaRPr lang="en-US" dirty="0"/>
-          </a:p>
-          <a:p>
-            <a:r>
-              <a:rPr lang="en-US" dirty="0"/>
-              <a:t>Results</a:t>
-            </a:r>
-          </a:p>
-        </p:txBody>
-      </p:sp>
-    </p:spTree>
-    <p:extLst>
-      <p:ext uri="{BB962C8B-B14F-4D97-AF65-F5344CB8AC3E}">
-        <p14:creationId xmlns:p14="http://schemas.microsoft.com/office/powerpoint/2010/main" val="232729393"/>
-      </p:ext>
-    </p:extLst>
-  </p:cSld>
-  <p:clrMapOvr>
-    <a:masterClrMapping/>
-  </p:clrMapOvr>
 </p:sld>
 </file>
 
@@ -6637,6 +7760,180 @@
           <a:p>
             <a:r>
               <a:rPr lang="en-US" dirty="0"/>
+              <a:t>HOCKEY 101</a:t>
+            </a:r>
+          </a:p>
+        </p:txBody>
+      </p:sp>
+      <p:sp>
+        <p:nvSpPr>
+          <p:cNvPr id="5" name="Text Placeholder 4">
+            <a:extLst>
+              <a:ext uri="{FF2B5EF4-FFF2-40B4-BE49-F238E27FC236}">
+                <a16:creationId xmlns:a16="http://schemas.microsoft.com/office/drawing/2014/main" id="{692BEE39-93A7-44C3-B0FF-26FAA554FB8A}"/>
+              </a:ext>
+            </a:extLst>
+          </p:cNvPr>
+          <p:cNvSpPr>
+            <a:spLocks noGrp="1"/>
+          </p:cNvSpPr>
+          <p:nvPr>
+            <p:ph type="body" idx="1"/>
+          </p:nvPr>
+        </p:nvSpPr>
+        <p:spPr/>
+        <p:txBody>
+          <a:bodyPr/>
+          <a:lstStyle/>
+          <a:p>
+            <a:endParaRPr lang="en-US"/>
+          </a:p>
+        </p:txBody>
+      </p:sp>
+    </p:spTree>
+    <p:extLst>
+      <p:ext uri="{BB962C8B-B14F-4D97-AF65-F5344CB8AC3E}">
+        <p14:creationId xmlns:p14="http://schemas.microsoft.com/office/powerpoint/2010/main" val="12847731"/>
+      </p:ext>
+    </p:extLst>
+  </p:cSld>
+  <p:clrMapOvr>
+    <a:masterClrMapping/>
+  </p:clrMapOvr>
+</p:sld>
+</file>
+
+<file path=ppt/slides/slide6.xml><?xml version="1.0" encoding="utf-8"?>
+<p:sld xmlns:a="http://schemas.openxmlformats.org/drawingml/2006/main" xmlns:r="http://schemas.openxmlformats.org/officeDocument/2006/relationships" xmlns:p="http://schemas.openxmlformats.org/presentationml/2006/main">
+  <p:cSld>
+    <p:spTree>
+      <p:nvGrpSpPr>
+        <p:cNvPr id="1" name=""/>
+        <p:cNvGrpSpPr/>
+        <p:nvPr/>
+      </p:nvGrpSpPr>
+      <p:grpSpPr>
+        <a:xfrm>
+          <a:off x="0" y="0"/>
+          <a:ext cx="0" cy="0"/>
+          <a:chOff x="0" y="0"/>
+          <a:chExt cx="0" cy="0"/>
+        </a:xfrm>
+      </p:grpSpPr>
+      <p:sp>
+        <p:nvSpPr>
+          <p:cNvPr id="2" name="Title 1">
+            <a:extLst>
+              <a:ext uri="{FF2B5EF4-FFF2-40B4-BE49-F238E27FC236}">
+                <a16:creationId xmlns:a16="http://schemas.microsoft.com/office/drawing/2014/main" id="{B8A5611F-455A-485B-B667-BDC5F93312E4}"/>
+              </a:ext>
+            </a:extLst>
+          </p:cNvPr>
+          <p:cNvSpPr>
+            <a:spLocks noGrp="1"/>
+          </p:cNvSpPr>
+          <p:nvPr>
+            <p:ph type="title"/>
+          </p:nvPr>
+        </p:nvSpPr>
+        <p:spPr/>
+        <p:txBody>
+          <a:bodyPr/>
+          <a:lstStyle/>
+          <a:p>
+            <a:r>
+              <a:rPr lang="en-US" dirty="0"/>
+              <a:t>HOCKEY 101</a:t>
+            </a:r>
+          </a:p>
+        </p:txBody>
+      </p:sp>
+      <p:sp>
+        <p:nvSpPr>
+          <p:cNvPr id="3" name="Content Placeholder 2">
+            <a:extLst>
+              <a:ext uri="{FF2B5EF4-FFF2-40B4-BE49-F238E27FC236}">
+                <a16:creationId xmlns:a16="http://schemas.microsoft.com/office/drawing/2014/main" id="{96F84E5F-91D1-443D-BD2B-BA0B803F7E50}"/>
+              </a:ext>
+            </a:extLst>
+          </p:cNvPr>
+          <p:cNvSpPr>
+            <a:spLocks noGrp="1"/>
+          </p:cNvSpPr>
+          <p:nvPr>
+            <p:ph idx="1"/>
+          </p:nvPr>
+        </p:nvSpPr>
+        <p:spPr/>
+        <p:txBody>
+          <a:bodyPr>
+            <a:normAutofit/>
+          </a:bodyPr>
+          <a:lstStyle/>
+          <a:p>
+            <a:r>
+              <a:rPr lang="en-US" dirty="0"/>
+              <a:t>ASDFASFSDFSADFASF</a:t>
+            </a:r>
+          </a:p>
+          <a:p>
+            <a:endParaRPr lang="en-US" dirty="0"/>
+          </a:p>
+        </p:txBody>
+      </p:sp>
+    </p:spTree>
+    <p:extLst>
+      <p:ext uri="{BB962C8B-B14F-4D97-AF65-F5344CB8AC3E}">
+        <p14:creationId xmlns:p14="http://schemas.microsoft.com/office/powerpoint/2010/main" val="36466359"/>
+      </p:ext>
+    </p:extLst>
+  </p:cSld>
+  <p:clrMapOvr>
+    <a:masterClrMapping/>
+  </p:clrMapOvr>
+</p:sld>
+</file>
+
+<file path=ppt/slides/slide7.xml><?xml version="1.0" encoding="utf-8"?>
+<p:sld xmlns:a="http://schemas.openxmlformats.org/drawingml/2006/main" xmlns:r="http://schemas.openxmlformats.org/officeDocument/2006/relationships" xmlns:p="http://schemas.openxmlformats.org/presentationml/2006/main">
+  <p:cSld>
+    <p:spTree>
+      <p:nvGrpSpPr>
+        <p:cNvPr id="1" name=""/>
+        <p:cNvGrpSpPr/>
+        <p:nvPr/>
+      </p:nvGrpSpPr>
+      <p:grpSpPr>
+        <a:xfrm>
+          <a:off x="0" y="0"/>
+          <a:ext cx="0" cy="0"/>
+          <a:chOff x="0" y="0"/>
+          <a:chExt cx="0" cy="0"/>
+        </a:xfrm>
+      </p:grpSpPr>
+      <p:sp>
+        <p:nvSpPr>
+          <p:cNvPr id="4" name="Title 3">
+            <a:extLst>
+              <a:ext uri="{FF2B5EF4-FFF2-40B4-BE49-F238E27FC236}">
+                <a16:creationId xmlns:a16="http://schemas.microsoft.com/office/drawing/2014/main" id="{AB297243-2F91-4C9D-9877-9350408A3957}"/>
+              </a:ext>
+            </a:extLst>
+          </p:cNvPr>
+          <p:cNvSpPr>
+            <a:spLocks noGrp="1"/>
+          </p:cNvSpPr>
+          <p:nvPr>
+            <p:ph type="title"/>
+          </p:nvPr>
+        </p:nvSpPr>
+        <p:spPr/>
+        <p:txBody>
+          <a:bodyPr/>
+          <a:lstStyle/>
+          <a:p>
+            <a:r>
+              <a:rPr lang="en-US" dirty="0"/>
               <a:t>DATA COLLECTION &amp; VALIDATION</a:t>
             </a:r>
           </a:p>
@@ -6680,7 +7977,7 @@
 </p:sld>
 </file>
 
-<file path=ppt/slides/slide6.xml><?xml version="1.0" encoding="utf-8"?>
+<file path=ppt/slides/slide8.xml><?xml version="1.0" encoding="utf-8"?>
 <p:sld xmlns:a="http://schemas.openxmlformats.org/drawingml/2006/main" xmlns:r="http://schemas.openxmlformats.org/officeDocument/2006/relationships" xmlns:p="http://schemas.openxmlformats.org/presentationml/2006/main">
   <p:cSld>
     <p:spTree>
@@ -6913,7 +8210,7 @@
 </p:sld>
 </file>
 
-<file path=ppt/slides/slide7.xml><?xml version="1.0" encoding="utf-8"?>
+<file path=ppt/slides/slide9.xml><?xml version="1.0" encoding="utf-8"?>
 <p:sld xmlns:a="http://schemas.openxmlformats.org/drawingml/2006/main" xmlns:r="http://schemas.openxmlformats.org/officeDocument/2006/relationships" xmlns:p="http://schemas.openxmlformats.org/presentationml/2006/main">
   <p:cSld>
     <p:spTree>
@@ -7119,191 +8416,6 @@
       </p:par>
     </p:tnLst>
   </p:timing>
-</p:sld>
-</file>
-
-<file path=ppt/slides/slide8.xml><?xml version="1.0" encoding="utf-8"?>
-<p:sld xmlns:a="http://schemas.openxmlformats.org/drawingml/2006/main" xmlns:r="http://schemas.openxmlformats.org/officeDocument/2006/relationships" xmlns:p="http://schemas.openxmlformats.org/presentationml/2006/main">
-  <p:cSld>
-    <p:spTree>
-      <p:nvGrpSpPr>
-        <p:cNvPr id="1" name=""/>
-        <p:cNvGrpSpPr/>
-        <p:nvPr/>
-      </p:nvGrpSpPr>
-      <p:grpSpPr>
-        <a:xfrm>
-          <a:off x="0" y="0"/>
-          <a:ext cx="0" cy="0"/>
-          <a:chOff x="0" y="0"/>
-          <a:chExt cx="0" cy="0"/>
-        </a:xfrm>
-      </p:grpSpPr>
-      <p:sp>
-        <p:nvSpPr>
-          <p:cNvPr id="2" name="Title 1">
-            <a:extLst>
-              <a:ext uri="{FF2B5EF4-FFF2-40B4-BE49-F238E27FC236}">
-                <a16:creationId xmlns:a16="http://schemas.microsoft.com/office/drawing/2014/main" id="{A19C977A-EC51-4868-A8B6-64DFDE67CF40}"/>
-              </a:ext>
-            </a:extLst>
-          </p:cNvPr>
-          <p:cNvSpPr>
-            <a:spLocks noGrp="1"/>
-          </p:cNvSpPr>
-          <p:nvPr>
-            <p:ph type="title"/>
-          </p:nvPr>
-        </p:nvSpPr>
-        <p:spPr/>
-        <p:txBody>
-          <a:bodyPr/>
-          <a:lstStyle/>
-          <a:p>
-            <a:r>
-              <a:rPr lang="en-US" dirty="0"/>
-              <a:t>DATA COLLECTION &amp; VALIDATION</a:t>
-            </a:r>
-          </a:p>
-        </p:txBody>
-      </p:sp>
-      <p:sp>
-        <p:nvSpPr>
-          <p:cNvPr id="3" name="Content Placeholder 2">
-            <a:extLst>
-              <a:ext uri="{FF2B5EF4-FFF2-40B4-BE49-F238E27FC236}">
-                <a16:creationId xmlns:a16="http://schemas.microsoft.com/office/drawing/2014/main" id="{5CB121BE-1738-40D1-85EA-EA042153DC3F}"/>
-              </a:ext>
-            </a:extLst>
-          </p:cNvPr>
-          <p:cNvSpPr>
-            <a:spLocks noGrp="1"/>
-          </p:cNvSpPr>
-          <p:nvPr>
-            <p:ph idx="1"/>
-          </p:nvPr>
-        </p:nvSpPr>
-        <p:spPr>
-          <a:xfrm>
-            <a:off x="1484312" y="2691062"/>
-            <a:ext cx="8300258" cy="3124201"/>
-          </a:xfrm>
-        </p:spPr>
-        <p:txBody>
-          <a:bodyPr>
-            <a:normAutofit/>
-          </a:bodyPr>
-          <a:lstStyle/>
-          <a:p>
-            <a:r>
-              <a:rPr lang="en-US" dirty="0"/>
-              <a:t>For analysis involving player salary data, the data was subset to only include Unrestricted Free Agent (UFA) players</a:t>
-            </a:r>
-          </a:p>
-          <a:p>
-            <a:endParaRPr lang="en-US" dirty="0"/>
-          </a:p>
-          <a:p>
-            <a:r>
-              <a:rPr lang="en-US" dirty="0"/>
-              <a:t>For analysis involving player’s nationality, countries with 5 or fewer active players was grouped into an “OTH” category</a:t>
-            </a:r>
-          </a:p>
-        </p:txBody>
-      </p:sp>
-    </p:spTree>
-    <p:extLst>
-      <p:ext uri="{BB962C8B-B14F-4D97-AF65-F5344CB8AC3E}">
-        <p14:creationId xmlns:p14="http://schemas.microsoft.com/office/powerpoint/2010/main" val="325094717"/>
-      </p:ext>
-    </p:extLst>
-  </p:cSld>
-  <p:clrMapOvr>
-    <a:masterClrMapping/>
-  </p:clrMapOvr>
-</p:sld>
-</file>
-
-<file path=ppt/slides/slide9.xml><?xml version="1.0" encoding="utf-8"?>
-<p:sld xmlns:a="http://schemas.openxmlformats.org/drawingml/2006/main" xmlns:r="http://schemas.openxmlformats.org/officeDocument/2006/relationships" xmlns:p="http://schemas.openxmlformats.org/presentationml/2006/main">
-  <p:cSld>
-    <p:spTree>
-      <p:nvGrpSpPr>
-        <p:cNvPr id="1" name=""/>
-        <p:cNvGrpSpPr/>
-        <p:nvPr/>
-      </p:nvGrpSpPr>
-      <p:grpSpPr>
-        <a:xfrm>
-          <a:off x="0" y="0"/>
-          <a:ext cx="0" cy="0"/>
-          <a:chOff x="0" y="0"/>
-          <a:chExt cx="0" cy="0"/>
-        </a:xfrm>
-      </p:grpSpPr>
-      <p:sp>
-        <p:nvSpPr>
-          <p:cNvPr id="4" name="Title 3">
-            <a:extLst>
-              <a:ext uri="{FF2B5EF4-FFF2-40B4-BE49-F238E27FC236}">
-                <a16:creationId xmlns:a16="http://schemas.microsoft.com/office/drawing/2014/main" id="{AB297243-2F91-4C9D-9877-9350408A3957}"/>
-              </a:ext>
-            </a:extLst>
-          </p:cNvPr>
-          <p:cNvSpPr>
-            <a:spLocks noGrp="1"/>
-          </p:cNvSpPr>
-          <p:nvPr>
-            <p:ph type="title"/>
-          </p:nvPr>
-        </p:nvSpPr>
-        <p:spPr/>
-        <p:txBody>
-          <a:bodyPr/>
-          <a:lstStyle/>
-          <a:p>
-            <a:r>
-              <a:rPr lang="en-US" dirty="0"/>
-              <a:t>DATA ANALYSIS</a:t>
-            </a:r>
-          </a:p>
-        </p:txBody>
-      </p:sp>
-      <p:sp>
-        <p:nvSpPr>
-          <p:cNvPr id="5" name="Text Placeholder 4">
-            <a:extLst>
-              <a:ext uri="{FF2B5EF4-FFF2-40B4-BE49-F238E27FC236}">
-                <a16:creationId xmlns:a16="http://schemas.microsoft.com/office/drawing/2014/main" id="{692BEE39-93A7-44C3-B0FF-26FAA554FB8A}"/>
-              </a:ext>
-            </a:extLst>
-          </p:cNvPr>
-          <p:cNvSpPr>
-            <a:spLocks noGrp="1"/>
-          </p:cNvSpPr>
-          <p:nvPr>
-            <p:ph type="body" idx="1"/>
-          </p:nvPr>
-        </p:nvSpPr>
-        <p:spPr/>
-        <p:txBody>
-          <a:bodyPr/>
-          <a:lstStyle/>
-          <a:p>
-            <a:endParaRPr lang="en-US"/>
-          </a:p>
-        </p:txBody>
-      </p:sp>
-    </p:spTree>
-    <p:extLst>
-      <p:ext uri="{BB962C8B-B14F-4D97-AF65-F5344CB8AC3E}">
-        <p14:creationId xmlns:p14="http://schemas.microsoft.com/office/powerpoint/2010/main" val="1865652867"/>
-      </p:ext>
-    </p:extLst>
-  </p:cSld>
-  <p:clrMapOvr>
-    <a:masterClrMapping/>
-  </p:clrMapOvr>
 </p:sld>
 </file>
 

--- a/NHL Analysis.pptx
+++ b/NHL Analysis.pptx
@@ -5,7 +5,7 @@
     <p:sldMasterId id="2147483839" r:id="rId1"/>
   </p:sldMasterIdLst>
   <p:notesMasterIdLst>
-    <p:notesMasterId r:id="rId23"/>
+    <p:notesMasterId r:id="rId27"/>
   </p:notesMasterIdLst>
   <p:sldIdLst>
     <p:sldId id="256" r:id="rId2"/>
@@ -13,22 +13,26 @@
     <p:sldId id="261" r:id="rId4"/>
     <p:sldId id="258" r:id="rId5"/>
     <p:sldId id="276" r:id="rId6"/>
-    <p:sldId id="277" r:id="rId7"/>
-    <p:sldId id="259" r:id="rId8"/>
-    <p:sldId id="260" r:id="rId9"/>
-    <p:sldId id="262" r:id="rId10"/>
-    <p:sldId id="275" r:id="rId11"/>
-    <p:sldId id="265" r:id="rId12"/>
-    <p:sldId id="263" r:id="rId13"/>
-    <p:sldId id="267" r:id="rId14"/>
-    <p:sldId id="268" r:id="rId15"/>
-    <p:sldId id="278" r:id="rId16"/>
-    <p:sldId id="271" r:id="rId17"/>
-    <p:sldId id="269" r:id="rId18"/>
-    <p:sldId id="270" r:id="rId19"/>
-    <p:sldId id="274" r:id="rId20"/>
-    <p:sldId id="273" r:id="rId21"/>
-    <p:sldId id="272" r:id="rId22"/>
+    <p:sldId id="283" r:id="rId7"/>
+    <p:sldId id="285" r:id="rId8"/>
+    <p:sldId id="284" r:id="rId9"/>
+    <p:sldId id="278" r:id="rId10"/>
+    <p:sldId id="281" r:id="rId11"/>
+    <p:sldId id="282" r:id="rId12"/>
+    <p:sldId id="259" r:id="rId13"/>
+    <p:sldId id="260" r:id="rId14"/>
+    <p:sldId id="262" r:id="rId15"/>
+    <p:sldId id="275" r:id="rId16"/>
+    <p:sldId id="265" r:id="rId17"/>
+    <p:sldId id="263" r:id="rId18"/>
+    <p:sldId id="267" r:id="rId19"/>
+    <p:sldId id="268" r:id="rId20"/>
+    <p:sldId id="271" r:id="rId21"/>
+    <p:sldId id="269" r:id="rId22"/>
+    <p:sldId id="270" r:id="rId23"/>
+    <p:sldId id="274" r:id="rId24"/>
+    <p:sldId id="272" r:id="rId25"/>
+    <p:sldId id="286" r:id="rId26"/>
   </p:sldIdLst>
   <p:sldSz cx="12192000" cy="6858000"/>
   <p:notesSz cx="6858000" cy="9144000"/>
@@ -221,7 +225,7 @@
           <a:p>
             <a:fld id="{E8BF6647-3EA2-42DD-BB2F-784D82256845}" type="datetimeFigureOut">
               <a:rPr lang="en-US" smtClean="0"/>
-              <a:t>12/19/2017</a:t>
+              <a:t>12/20/2017</a:t>
             </a:fld>
             <a:endParaRPr lang="en-US"/>
           </a:p>
@@ -637,7 +641,7 @@
           <a:p>
             <a:fld id="{7E921F05-F5E1-40C8-956D-98AB96B9627A}" type="slidenum">
               <a:rPr lang="en-US" smtClean="0"/>
-              <a:t>10</a:t>
+              <a:t>15</a:t>
             </a:fld>
             <a:endParaRPr lang="en-US"/>
           </a:p>
@@ -700,10 +704,6 @@
           <a:bodyPr/>
           <a:lstStyle/>
           <a:p>
-            <a:r>
-              <a:rPr lang="en-US"/>
-              <a:t>Break</a:t>
-            </a:r>
             <a:endParaRPr lang="en-US" dirty="0"/>
           </a:p>
         </p:txBody>
@@ -725,7 +725,7 @@
           <a:p>
             <a:fld id="{7E921F05-F5E1-40C8-956D-98AB96B9627A}" type="slidenum">
               <a:rPr lang="en-US" smtClean="0"/>
-              <a:t>14</a:t>
+              <a:t>18</a:t>
             </a:fld>
             <a:endParaRPr lang="en-US"/>
           </a:p>
@@ -734,7 +734,7 @@
     </p:spTree>
     <p:extLst>
       <p:ext uri="{BB962C8B-B14F-4D97-AF65-F5344CB8AC3E}">
-        <p14:creationId xmlns:p14="http://schemas.microsoft.com/office/powerpoint/2010/main" val="2523348644"/>
+        <p14:creationId xmlns:p14="http://schemas.microsoft.com/office/powerpoint/2010/main" val="1353067423"/>
       </p:ext>
     </p:extLst>
   </p:cSld>
@@ -788,6 +788,10 @@
           <a:bodyPr/>
           <a:lstStyle/>
           <a:p>
+            <a:r>
+              <a:rPr lang="en-US"/>
+              <a:t>Break</a:t>
+            </a:r>
             <a:endParaRPr lang="en-US" dirty="0"/>
           </a:p>
         </p:txBody>
@@ -809,7 +813,7 @@
           <a:p>
             <a:fld id="{7E921F05-F5E1-40C8-956D-98AB96B9627A}" type="slidenum">
               <a:rPr lang="en-US" smtClean="0"/>
-              <a:t>18</a:t>
+              <a:t>19</a:t>
             </a:fld>
             <a:endParaRPr lang="en-US"/>
           </a:p>
@@ -818,7 +822,7 @@
     </p:spTree>
     <p:extLst>
       <p:ext uri="{BB962C8B-B14F-4D97-AF65-F5344CB8AC3E}">
-        <p14:creationId xmlns:p14="http://schemas.microsoft.com/office/powerpoint/2010/main" val="3672104707"/>
+        <p14:creationId xmlns:p14="http://schemas.microsoft.com/office/powerpoint/2010/main" val="2523348644"/>
       </p:ext>
     </p:extLst>
   </p:cSld>
@@ -893,7 +897,7 @@
           <a:p>
             <a:fld id="{7E921F05-F5E1-40C8-956D-98AB96B9627A}" type="slidenum">
               <a:rPr lang="en-US" smtClean="0"/>
-              <a:t>19</a:t>
+              <a:t>20</a:t>
             </a:fld>
             <a:endParaRPr lang="en-US"/>
           </a:p>
@@ -902,7 +906,7 @@
     </p:spTree>
     <p:extLst>
       <p:ext uri="{BB962C8B-B14F-4D97-AF65-F5344CB8AC3E}">
-        <p14:creationId xmlns:p14="http://schemas.microsoft.com/office/powerpoint/2010/main" val="3645790692"/>
+        <p14:creationId xmlns:p14="http://schemas.microsoft.com/office/powerpoint/2010/main" val="1899798475"/>
       </p:ext>
     </p:extLst>
   </p:cSld>
@@ -977,7 +981,175 @@
           <a:p>
             <a:fld id="{7E921F05-F5E1-40C8-956D-98AB96B9627A}" type="slidenum">
               <a:rPr lang="en-US" smtClean="0"/>
-              <a:t>21</a:t>
+              <a:t>22</a:t>
+            </a:fld>
+            <a:endParaRPr lang="en-US"/>
+          </a:p>
+        </p:txBody>
+      </p:sp>
+    </p:spTree>
+    <p:extLst>
+      <p:ext uri="{BB962C8B-B14F-4D97-AF65-F5344CB8AC3E}">
+        <p14:creationId xmlns:p14="http://schemas.microsoft.com/office/powerpoint/2010/main" val="3672104707"/>
+      </p:ext>
+    </p:extLst>
+  </p:cSld>
+  <p:clrMapOvr>
+    <a:masterClrMapping/>
+  </p:clrMapOvr>
+</p:notes>
+</file>
+
+<file path=ppt/notesSlides/notesSlide7.xml><?xml version="1.0" encoding="utf-8"?>
+<p:notes xmlns:a="http://schemas.openxmlformats.org/drawingml/2006/main" xmlns:r="http://schemas.openxmlformats.org/officeDocument/2006/relationships" xmlns:p="http://schemas.openxmlformats.org/presentationml/2006/main">
+  <p:cSld>
+    <p:spTree>
+      <p:nvGrpSpPr>
+        <p:cNvPr id="1" name=""/>
+        <p:cNvGrpSpPr/>
+        <p:nvPr/>
+      </p:nvGrpSpPr>
+      <p:grpSpPr>
+        <a:xfrm>
+          <a:off x="0" y="0"/>
+          <a:ext cx="0" cy="0"/>
+          <a:chOff x="0" y="0"/>
+          <a:chExt cx="0" cy="0"/>
+        </a:xfrm>
+      </p:grpSpPr>
+      <p:sp>
+        <p:nvSpPr>
+          <p:cNvPr id="2" name="Slide Image Placeholder 1"/>
+          <p:cNvSpPr>
+            <a:spLocks noGrp="1" noRot="1" noChangeAspect="1"/>
+          </p:cNvSpPr>
+          <p:nvPr>
+            <p:ph type="sldImg"/>
+          </p:nvPr>
+        </p:nvSpPr>
+        <p:spPr/>
+      </p:sp>
+      <p:sp>
+        <p:nvSpPr>
+          <p:cNvPr id="3" name="Notes Placeholder 2"/>
+          <p:cNvSpPr>
+            <a:spLocks noGrp="1"/>
+          </p:cNvSpPr>
+          <p:nvPr>
+            <p:ph type="body" idx="1"/>
+          </p:nvPr>
+        </p:nvSpPr>
+        <p:spPr/>
+        <p:txBody>
+          <a:bodyPr/>
+          <a:lstStyle/>
+          <a:p>
+            <a:endParaRPr lang="en-US" dirty="0"/>
+          </a:p>
+        </p:txBody>
+      </p:sp>
+      <p:sp>
+        <p:nvSpPr>
+          <p:cNvPr id="4" name="Slide Number Placeholder 3"/>
+          <p:cNvSpPr>
+            <a:spLocks noGrp="1"/>
+          </p:cNvSpPr>
+          <p:nvPr>
+            <p:ph type="sldNum" sz="quarter" idx="10"/>
+          </p:nvPr>
+        </p:nvSpPr>
+        <p:spPr/>
+        <p:txBody>
+          <a:bodyPr/>
+          <a:lstStyle/>
+          <a:p>
+            <a:fld id="{7E921F05-F5E1-40C8-956D-98AB96B9627A}" type="slidenum">
+              <a:rPr lang="en-US" smtClean="0"/>
+              <a:t>23</a:t>
+            </a:fld>
+            <a:endParaRPr lang="en-US"/>
+          </a:p>
+        </p:txBody>
+      </p:sp>
+    </p:spTree>
+    <p:extLst>
+      <p:ext uri="{BB962C8B-B14F-4D97-AF65-F5344CB8AC3E}">
+        <p14:creationId xmlns:p14="http://schemas.microsoft.com/office/powerpoint/2010/main" val="3645790692"/>
+      </p:ext>
+    </p:extLst>
+  </p:cSld>
+  <p:clrMapOvr>
+    <a:masterClrMapping/>
+  </p:clrMapOvr>
+</p:notes>
+</file>
+
+<file path=ppt/notesSlides/notesSlide8.xml><?xml version="1.0" encoding="utf-8"?>
+<p:notes xmlns:a="http://schemas.openxmlformats.org/drawingml/2006/main" xmlns:r="http://schemas.openxmlformats.org/officeDocument/2006/relationships" xmlns:p="http://schemas.openxmlformats.org/presentationml/2006/main">
+  <p:cSld>
+    <p:spTree>
+      <p:nvGrpSpPr>
+        <p:cNvPr id="1" name=""/>
+        <p:cNvGrpSpPr/>
+        <p:nvPr/>
+      </p:nvGrpSpPr>
+      <p:grpSpPr>
+        <a:xfrm>
+          <a:off x="0" y="0"/>
+          <a:ext cx="0" cy="0"/>
+          <a:chOff x="0" y="0"/>
+          <a:chExt cx="0" cy="0"/>
+        </a:xfrm>
+      </p:grpSpPr>
+      <p:sp>
+        <p:nvSpPr>
+          <p:cNvPr id="2" name="Slide Image Placeholder 1"/>
+          <p:cNvSpPr>
+            <a:spLocks noGrp="1" noRot="1" noChangeAspect="1"/>
+          </p:cNvSpPr>
+          <p:nvPr>
+            <p:ph type="sldImg"/>
+          </p:nvPr>
+        </p:nvSpPr>
+        <p:spPr/>
+      </p:sp>
+      <p:sp>
+        <p:nvSpPr>
+          <p:cNvPr id="3" name="Notes Placeholder 2"/>
+          <p:cNvSpPr>
+            <a:spLocks noGrp="1"/>
+          </p:cNvSpPr>
+          <p:nvPr>
+            <p:ph type="body" idx="1"/>
+          </p:nvPr>
+        </p:nvSpPr>
+        <p:spPr/>
+        <p:txBody>
+          <a:bodyPr/>
+          <a:lstStyle/>
+          <a:p>
+            <a:endParaRPr lang="en-US" dirty="0"/>
+          </a:p>
+        </p:txBody>
+      </p:sp>
+      <p:sp>
+        <p:nvSpPr>
+          <p:cNvPr id="4" name="Slide Number Placeholder 3"/>
+          <p:cNvSpPr>
+            <a:spLocks noGrp="1"/>
+          </p:cNvSpPr>
+          <p:nvPr>
+            <p:ph type="sldNum" sz="quarter" idx="10"/>
+          </p:nvPr>
+        </p:nvSpPr>
+        <p:spPr/>
+        <p:txBody>
+          <a:bodyPr/>
+          <a:lstStyle/>
+          <a:p>
+            <a:fld id="{7E921F05-F5E1-40C8-956D-98AB96B9627A}" type="slidenum">
+              <a:rPr lang="en-US" smtClean="0"/>
+              <a:t>24</a:t>
             </a:fld>
             <a:endParaRPr lang="en-US"/>
           </a:p>
@@ -987,6 +1159,93 @@
     <p:extLst>
       <p:ext uri="{BB962C8B-B14F-4D97-AF65-F5344CB8AC3E}">
         <p14:creationId xmlns:p14="http://schemas.microsoft.com/office/powerpoint/2010/main" val="2974704378"/>
+      </p:ext>
+    </p:extLst>
+  </p:cSld>
+  <p:clrMapOvr>
+    <a:masterClrMapping/>
+  </p:clrMapOvr>
+</p:notes>
+</file>
+
+<file path=ppt/notesSlides/notesSlide9.xml><?xml version="1.0" encoding="utf-8"?>
+<p:notes xmlns:a="http://schemas.openxmlformats.org/drawingml/2006/main" xmlns:r="http://schemas.openxmlformats.org/officeDocument/2006/relationships" xmlns:p="http://schemas.openxmlformats.org/presentationml/2006/main">
+  <p:cSld>
+    <p:spTree>
+      <p:nvGrpSpPr>
+        <p:cNvPr id="1" name=""/>
+        <p:cNvGrpSpPr/>
+        <p:nvPr/>
+      </p:nvGrpSpPr>
+      <p:grpSpPr>
+        <a:xfrm>
+          <a:off x="0" y="0"/>
+          <a:ext cx="0" cy="0"/>
+          <a:chOff x="0" y="0"/>
+          <a:chExt cx="0" cy="0"/>
+        </a:xfrm>
+      </p:grpSpPr>
+      <p:sp>
+        <p:nvSpPr>
+          <p:cNvPr id="2" name="Slide Image Placeholder 1"/>
+          <p:cNvSpPr>
+            <a:spLocks noGrp="1" noRot="1" noChangeAspect="1"/>
+          </p:cNvSpPr>
+          <p:nvPr>
+            <p:ph type="sldImg"/>
+          </p:nvPr>
+        </p:nvSpPr>
+        <p:spPr/>
+      </p:sp>
+      <p:sp>
+        <p:nvSpPr>
+          <p:cNvPr id="3" name="Notes Placeholder 2"/>
+          <p:cNvSpPr>
+            <a:spLocks noGrp="1"/>
+          </p:cNvSpPr>
+          <p:nvPr>
+            <p:ph type="body" idx="1"/>
+          </p:nvPr>
+        </p:nvSpPr>
+        <p:spPr/>
+        <p:txBody>
+          <a:bodyPr/>
+          <a:lstStyle/>
+          <a:p>
+            <a:r>
+              <a:rPr lang="en-US" dirty="0"/>
+              <a:t>Using a Facet Wrap, we can quickly see how teams allocate their salary caps between Forwards and Defensemen.</a:t>
+            </a:r>
+          </a:p>
+        </p:txBody>
+      </p:sp>
+      <p:sp>
+        <p:nvSpPr>
+          <p:cNvPr id="4" name="Slide Number Placeholder 3"/>
+          <p:cNvSpPr>
+            <a:spLocks noGrp="1"/>
+          </p:cNvSpPr>
+          <p:nvPr>
+            <p:ph type="sldNum" sz="quarter" idx="10"/>
+          </p:nvPr>
+        </p:nvSpPr>
+        <p:spPr/>
+        <p:txBody>
+          <a:bodyPr/>
+          <a:lstStyle/>
+          <a:p>
+            <a:fld id="{7E921F05-F5E1-40C8-956D-98AB96B9627A}" type="slidenum">
+              <a:rPr lang="en-US" smtClean="0"/>
+              <a:t>25</a:t>
+            </a:fld>
+            <a:endParaRPr lang="en-US"/>
+          </a:p>
+        </p:txBody>
+      </p:sp>
+    </p:spTree>
+    <p:extLst>
+      <p:ext uri="{BB962C8B-B14F-4D97-AF65-F5344CB8AC3E}">
+        <p14:creationId xmlns:p14="http://schemas.microsoft.com/office/powerpoint/2010/main" val="2395291849"/>
       </p:ext>
     </p:extLst>
   </p:cSld>
@@ -1401,7 +1660,7 @@
           <a:p>
             <a:fld id="{E4EC5BAD-102B-4BCF-858D-89B1B9A519A0}" type="datetimeFigureOut">
               <a:rPr lang="en-US" smtClean="0"/>
-              <a:t>12/19/2017</a:t>
+              <a:t>12/20/2017</a:t>
             </a:fld>
             <a:endParaRPr lang="en-US"/>
           </a:p>
@@ -1580,7 +1839,7 @@
           <a:p>
             <a:fld id="{E4EC5BAD-102B-4BCF-858D-89B1B9A519A0}" type="datetimeFigureOut">
               <a:rPr lang="en-US" smtClean="0"/>
-              <a:t>12/19/2017</a:t>
+              <a:t>12/20/2017</a:t>
             </a:fld>
             <a:endParaRPr lang="en-US"/>
           </a:p>
@@ -1760,7 +2019,7 @@
           <a:p>
             <a:fld id="{E4EC5BAD-102B-4BCF-858D-89B1B9A519A0}" type="datetimeFigureOut">
               <a:rPr lang="en-US" smtClean="0"/>
-              <a:t>12/19/2017</a:t>
+              <a:t>12/20/2017</a:t>
             </a:fld>
             <a:endParaRPr lang="en-US"/>
           </a:p>
@@ -1930,7 +2189,7 @@
           <a:p>
             <a:fld id="{E4EC5BAD-102B-4BCF-858D-89B1B9A519A0}" type="datetimeFigureOut">
               <a:rPr lang="en-US" smtClean="0"/>
-              <a:t>12/19/2017</a:t>
+              <a:t>12/20/2017</a:t>
             </a:fld>
             <a:endParaRPr lang="en-US"/>
           </a:p>
@@ -2255,7 +2514,7 @@
           <a:p>
             <a:fld id="{E4EC5BAD-102B-4BCF-858D-89B1B9A519A0}" type="datetimeFigureOut">
               <a:rPr lang="en-US" smtClean="0"/>
-              <a:t>12/19/2017</a:t>
+              <a:t>12/20/2017</a:t>
             </a:fld>
             <a:endParaRPr lang="en-US"/>
           </a:p>
@@ -2651,7 +2910,7 @@
           <a:p>
             <a:fld id="{E4EC5BAD-102B-4BCF-858D-89B1B9A519A0}" type="datetimeFigureOut">
               <a:rPr lang="en-US" smtClean="0"/>
-              <a:t>12/19/2017</a:t>
+              <a:t>12/20/2017</a:t>
             </a:fld>
             <a:endParaRPr lang="en-US"/>
           </a:p>
@@ -3085,7 +3344,7 @@
           <a:p>
             <a:fld id="{E4EC5BAD-102B-4BCF-858D-89B1B9A519A0}" type="datetimeFigureOut">
               <a:rPr lang="en-US" smtClean="0"/>
-              <a:t>12/19/2017</a:t>
+              <a:t>12/20/2017</a:t>
             </a:fld>
             <a:endParaRPr lang="en-US"/>
           </a:p>
@@ -3203,7 +3462,7 @@
           <a:p>
             <a:fld id="{E4EC5BAD-102B-4BCF-858D-89B1B9A519A0}" type="datetimeFigureOut">
               <a:rPr lang="en-US" smtClean="0"/>
-              <a:t>12/19/2017</a:t>
+              <a:t>12/20/2017</a:t>
             </a:fld>
             <a:endParaRPr lang="en-US"/>
           </a:p>
@@ -3298,7 +3557,7 @@
           <a:p>
             <a:fld id="{E4EC5BAD-102B-4BCF-858D-89B1B9A519A0}" type="datetimeFigureOut">
               <a:rPr lang="en-US" smtClean="0"/>
-              <a:t>12/19/2017</a:t>
+              <a:t>12/20/2017</a:t>
             </a:fld>
             <a:endParaRPr lang="en-US"/>
           </a:p>
@@ -3648,7 +3907,7 @@
           <a:p>
             <a:fld id="{E4EC5BAD-102B-4BCF-858D-89B1B9A519A0}" type="datetimeFigureOut">
               <a:rPr lang="en-US" smtClean="0"/>
-              <a:t>12/19/2017</a:t>
+              <a:t>12/20/2017</a:t>
             </a:fld>
             <a:endParaRPr lang="en-US"/>
           </a:p>
@@ -4083,7 +4342,7 @@
           <a:p>
             <a:fld id="{E4EC5BAD-102B-4BCF-858D-89B1B9A519A0}" type="datetimeFigureOut">
               <a:rPr lang="en-US" smtClean="0"/>
-              <a:t>12/19/2017</a:t>
+              <a:t>12/20/2017</a:t>
             </a:fld>
             <a:endParaRPr lang="en-US"/>
           </a:p>
@@ -4366,7 +4625,7 @@
           <a:p>
             <a:fld id="{E4EC5BAD-102B-4BCF-858D-89B1B9A519A0}" type="datetimeFigureOut">
               <a:rPr lang="en-US" smtClean="0"/>
-              <a:t>12/19/2017</a:t>
+              <a:t>12/20/2017</a:t>
             </a:fld>
             <a:endParaRPr lang="en-US"/>
           </a:p>
@@ -5040,6 +5299,797 @@
       </p:grpSpPr>
       <p:sp>
         <p:nvSpPr>
+          <p:cNvPr id="2" name="Title 1"/>
+          <p:cNvSpPr>
+            <a:spLocks noGrp="1"/>
+          </p:cNvSpPr>
+          <p:nvPr>
+            <p:ph type="title"/>
+          </p:nvPr>
+        </p:nvSpPr>
+        <p:spPr>
+          <a:xfrm>
+            <a:off x="1069848" y="484632"/>
+            <a:ext cx="10058400" cy="1016177"/>
+          </a:xfrm>
+        </p:spPr>
+        <p:txBody>
+          <a:bodyPr/>
+          <a:lstStyle/>
+          <a:p>
+            <a:pPr algn="ctr"/>
+            <a:r>
+              <a:rPr lang="en-US" dirty="0"/>
+              <a:t>FORWARDS</a:t>
+            </a:r>
+          </a:p>
+        </p:txBody>
+      </p:sp>
+      <p:pic>
+        <p:nvPicPr>
+          <p:cNvPr id="6" name="Picture 5"/>
+          <p:cNvPicPr>
+            <a:picLocks noChangeAspect="1"/>
+          </p:cNvPicPr>
+          <p:nvPr/>
+        </p:nvPicPr>
+        <p:blipFill>
+          <a:blip r:embed="rId2">
+            <a:extLst>
+              <a:ext uri="{28A0092B-C50C-407E-A947-70E740481C1C}">
+                <a14:useLocalDpi xmlns:a14="http://schemas.microsoft.com/office/drawing/2010/main" val="0"/>
+              </a:ext>
+            </a:extLst>
+          </a:blip>
+          <a:stretch>
+            <a:fillRect/>
+          </a:stretch>
+        </p:blipFill>
+        <p:spPr>
+          <a:xfrm>
+            <a:off x="1561835" y="1631474"/>
+            <a:ext cx="9074426" cy="4901199"/>
+          </a:xfrm>
+          <a:prstGeom prst="rect">
+            <a:avLst/>
+          </a:prstGeom>
+        </p:spPr>
+      </p:pic>
+      <p:pic>
+        <p:nvPicPr>
+          <p:cNvPr id="3" name="Picture 2"/>
+          <p:cNvPicPr>
+            <a:picLocks noChangeAspect="1"/>
+          </p:cNvPicPr>
+          <p:nvPr/>
+        </p:nvPicPr>
+        <p:blipFill>
+          <a:blip r:embed="rId3">
+            <a:extLst>
+              <a:ext uri="{28A0092B-C50C-407E-A947-70E740481C1C}">
+                <a14:useLocalDpi xmlns:a14="http://schemas.microsoft.com/office/drawing/2010/main" val="0"/>
+              </a:ext>
+            </a:extLst>
+          </a:blip>
+          <a:stretch>
+            <a:fillRect/>
+          </a:stretch>
+        </p:blipFill>
+        <p:spPr>
+          <a:xfrm>
+            <a:off x="1492262" y="1689652"/>
+            <a:ext cx="9135024" cy="4933929"/>
+          </a:xfrm>
+          <a:prstGeom prst="rect">
+            <a:avLst/>
+          </a:prstGeom>
+        </p:spPr>
+      </p:pic>
+    </p:spTree>
+    <p:extLst>
+      <p:ext uri="{BB962C8B-B14F-4D97-AF65-F5344CB8AC3E}">
+        <p14:creationId xmlns:p14="http://schemas.microsoft.com/office/powerpoint/2010/main" val="2194077961"/>
+      </p:ext>
+    </p:extLst>
+  </p:cSld>
+  <p:clrMapOvr>
+    <a:masterClrMapping/>
+  </p:clrMapOvr>
+</p:sld>
+</file>
+
+<file path=ppt/slides/slide11.xml><?xml version="1.0" encoding="utf-8"?>
+<p:sld xmlns:a="http://schemas.openxmlformats.org/drawingml/2006/main" xmlns:r="http://schemas.openxmlformats.org/officeDocument/2006/relationships" xmlns:p="http://schemas.openxmlformats.org/presentationml/2006/main">
+  <p:cSld>
+    <p:spTree>
+      <p:nvGrpSpPr>
+        <p:cNvPr id="1" name=""/>
+        <p:cNvGrpSpPr/>
+        <p:nvPr/>
+      </p:nvGrpSpPr>
+      <p:grpSpPr>
+        <a:xfrm>
+          <a:off x="0" y="0"/>
+          <a:ext cx="0" cy="0"/>
+          <a:chOff x="0" y="0"/>
+          <a:chExt cx="0" cy="0"/>
+        </a:xfrm>
+      </p:grpSpPr>
+      <p:sp>
+        <p:nvSpPr>
+          <p:cNvPr id="2" name="Title 1"/>
+          <p:cNvSpPr>
+            <a:spLocks noGrp="1"/>
+          </p:cNvSpPr>
+          <p:nvPr>
+            <p:ph type="title"/>
+          </p:nvPr>
+        </p:nvSpPr>
+        <p:spPr>
+          <a:xfrm>
+            <a:off x="1069848" y="484632"/>
+            <a:ext cx="10058400" cy="1016177"/>
+          </a:xfrm>
+        </p:spPr>
+        <p:txBody>
+          <a:bodyPr/>
+          <a:lstStyle/>
+          <a:p>
+            <a:pPr algn="ctr"/>
+            <a:r>
+              <a:rPr lang="en-US" dirty="0"/>
+              <a:t>DEFENDERS</a:t>
+            </a:r>
+          </a:p>
+        </p:txBody>
+      </p:sp>
+      <p:pic>
+        <p:nvPicPr>
+          <p:cNvPr id="6" name="Picture 5"/>
+          <p:cNvPicPr>
+            <a:picLocks noChangeAspect="1"/>
+          </p:cNvPicPr>
+          <p:nvPr/>
+        </p:nvPicPr>
+        <p:blipFill>
+          <a:blip r:embed="rId2">
+            <a:extLst>
+              <a:ext uri="{28A0092B-C50C-407E-A947-70E740481C1C}">
+                <a14:useLocalDpi xmlns:a14="http://schemas.microsoft.com/office/drawing/2010/main" val="0"/>
+              </a:ext>
+            </a:extLst>
+          </a:blip>
+          <a:stretch>
+            <a:fillRect/>
+          </a:stretch>
+        </p:blipFill>
+        <p:spPr>
+          <a:xfrm>
+            <a:off x="1561835" y="1631474"/>
+            <a:ext cx="9074426" cy="4901199"/>
+          </a:xfrm>
+          <a:prstGeom prst="rect">
+            <a:avLst/>
+          </a:prstGeom>
+        </p:spPr>
+      </p:pic>
+      <p:pic>
+        <p:nvPicPr>
+          <p:cNvPr id="3" name="Picture 2"/>
+          <p:cNvPicPr>
+            <a:picLocks noChangeAspect="1"/>
+          </p:cNvPicPr>
+          <p:nvPr/>
+        </p:nvPicPr>
+        <p:blipFill>
+          <a:blip r:embed="rId3">
+            <a:extLst>
+              <a:ext uri="{28A0092B-C50C-407E-A947-70E740481C1C}">
+                <a14:useLocalDpi xmlns:a14="http://schemas.microsoft.com/office/drawing/2010/main" val="0"/>
+              </a:ext>
+            </a:extLst>
+          </a:blip>
+          <a:stretch>
+            <a:fillRect/>
+          </a:stretch>
+        </p:blipFill>
+        <p:spPr>
+          <a:xfrm>
+            <a:off x="1492262" y="1689652"/>
+            <a:ext cx="9135024" cy="4933929"/>
+          </a:xfrm>
+          <a:prstGeom prst="rect">
+            <a:avLst/>
+          </a:prstGeom>
+        </p:spPr>
+      </p:pic>
+      <p:pic>
+        <p:nvPicPr>
+          <p:cNvPr id="4" name="Picture 3"/>
+          <p:cNvPicPr>
+            <a:picLocks noChangeAspect="1"/>
+          </p:cNvPicPr>
+          <p:nvPr/>
+        </p:nvPicPr>
+        <p:blipFill>
+          <a:blip r:embed="rId4">
+            <a:extLst>
+              <a:ext uri="{28A0092B-C50C-407E-A947-70E740481C1C}">
+                <a14:useLocalDpi xmlns:a14="http://schemas.microsoft.com/office/drawing/2010/main" val="0"/>
+              </a:ext>
+            </a:extLst>
+          </a:blip>
+          <a:stretch>
+            <a:fillRect/>
+          </a:stretch>
+        </p:blipFill>
+        <p:spPr>
+          <a:xfrm>
+            <a:off x="1483979" y="1689652"/>
+            <a:ext cx="9150626" cy="4942356"/>
+          </a:xfrm>
+          <a:prstGeom prst="rect">
+            <a:avLst/>
+          </a:prstGeom>
+        </p:spPr>
+      </p:pic>
+    </p:spTree>
+    <p:extLst>
+      <p:ext uri="{BB962C8B-B14F-4D97-AF65-F5344CB8AC3E}">
+        <p14:creationId xmlns:p14="http://schemas.microsoft.com/office/powerpoint/2010/main" val="893686533"/>
+      </p:ext>
+    </p:extLst>
+  </p:cSld>
+  <p:clrMapOvr>
+    <a:masterClrMapping/>
+  </p:clrMapOvr>
+</p:sld>
+</file>
+
+<file path=ppt/slides/slide12.xml><?xml version="1.0" encoding="utf-8"?>
+<p:sld xmlns:a="http://schemas.openxmlformats.org/drawingml/2006/main" xmlns:r="http://schemas.openxmlformats.org/officeDocument/2006/relationships" xmlns:p="http://schemas.openxmlformats.org/presentationml/2006/main">
+  <p:cSld>
+    <p:spTree>
+      <p:nvGrpSpPr>
+        <p:cNvPr id="1" name=""/>
+        <p:cNvGrpSpPr/>
+        <p:nvPr/>
+      </p:nvGrpSpPr>
+      <p:grpSpPr>
+        <a:xfrm>
+          <a:off x="0" y="0"/>
+          <a:ext cx="0" cy="0"/>
+          <a:chOff x="0" y="0"/>
+          <a:chExt cx="0" cy="0"/>
+        </a:xfrm>
+      </p:grpSpPr>
+      <p:sp>
+        <p:nvSpPr>
+          <p:cNvPr id="4" name="Title 3">
+            <a:extLst>
+              <a:ext uri="{FF2B5EF4-FFF2-40B4-BE49-F238E27FC236}">
+                <a16:creationId xmlns:a16="http://schemas.microsoft.com/office/drawing/2014/main" id="{AB297243-2F91-4C9D-9877-9350408A3957}"/>
+              </a:ext>
+            </a:extLst>
+          </p:cNvPr>
+          <p:cNvSpPr>
+            <a:spLocks noGrp="1"/>
+          </p:cNvSpPr>
+          <p:nvPr>
+            <p:ph type="title"/>
+          </p:nvPr>
+        </p:nvSpPr>
+        <p:spPr/>
+        <p:txBody>
+          <a:bodyPr/>
+          <a:lstStyle/>
+          <a:p>
+            <a:r>
+              <a:rPr lang="en-US" dirty="0"/>
+              <a:t>DATA COLLECTION &amp; VALIDATION</a:t>
+            </a:r>
+          </a:p>
+        </p:txBody>
+      </p:sp>
+      <p:sp>
+        <p:nvSpPr>
+          <p:cNvPr id="5" name="Text Placeholder 4">
+            <a:extLst>
+              <a:ext uri="{FF2B5EF4-FFF2-40B4-BE49-F238E27FC236}">
+                <a16:creationId xmlns:a16="http://schemas.microsoft.com/office/drawing/2014/main" id="{692BEE39-93A7-44C3-B0FF-26FAA554FB8A}"/>
+              </a:ext>
+            </a:extLst>
+          </p:cNvPr>
+          <p:cNvSpPr>
+            <a:spLocks noGrp="1"/>
+          </p:cNvSpPr>
+          <p:nvPr>
+            <p:ph type="body" idx="1"/>
+          </p:nvPr>
+        </p:nvSpPr>
+        <p:spPr/>
+        <p:txBody>
+          <a:bodyPr/>
+          <a:lstStyle/>
+          <a:p>
+            <a:endParaRPr lang="en-US"/>
+          </a:p>
+        </p:txBody>
+      </p:sp>
+    </p:spTree>
+    <p:extLst>
+      <p:ext uri="{BB962C8B-B14F-4D97-AF65-F5344CB8AC3E}">
+        <p14:creationId xmlns:p14="http://schemas.microsoft.com/office/powerpoint/2010/main" val="1550492824"/>
+      </p:ext>
+    </p:extLst>
+  </p:cSld>
+  <p:clrMapOvr>
+    <a:masterClrMapping/>
+  </p:clrMapOvr>
+</p:sld>
+</file>
+
+<file path=ppt/slides/slide13.xml><?xml version="1.0" encoding="utf-8"?>
+<p:sld xmlns:a="http://schemas.openxmlformats.org/drawingml/2006/main" xmlns:r="http://schemas.openxmlformats.org/officeDocument/2006/relationships" xmlns:p="http://schemas.openxmlformats.org/presentationml/2006/main">
+  <p:cSld>
+    <p:spTree>
+      <p:nvGrpSpPr>
+        <p:cNvPr id="1" name=""/>
+        <p:cNvGrpSpPr/>
+        <p:nvPr/>
+      </p:nvGrpSpPr>
+      <p:grpSpPr>
+        <a:xfrm>
+          <a:off x="0" y="0"/>
+          <a:ext cx="0" cy="0"/>
+          <a:chOff x="0" y="0"/>
+          <a:chExt cx="0" cy="0"/>
+        </a:xfrm>
+      </p:grpSpPr>
+      <p:sp>
+        <p:nvSpPr>
+          <p:cNvPr id="2" name="Title 1">
+            <a:extLst>
+              <a:ext uri="{FF2B5EF4-FFF2-40B4-BE49-F238E27FC236}">
+                <a16:creationId xmlns:a16="http://schemas.microsoft.com/office/drawing/2014/main" id="{59A283CF-F63A-49D8-8099-1E66CD5E39F2}"/>
+              </a:ext>
+            </a:extLst>
+          </p:cNvPr>
+          <p:cNvSpPr>
+            <a:spLocks noGrp="1"/>
+          </p:cNvSpPr>
+          <p:nvPr>
+            <p:ph type="title"/>
+          </p:nvPr>
+        </p:nvSpPr>
+        <p:spPr/>
+        <p:txBody>
+          <a:bodyPr/>
+          <a:lstStyle/>
+          <a:p>
+            <a:r>
+              <a:rPr lang="en-US" dirty="0"/>
+              <a:t>DATA COLLECTION &amp; VALIDATION</a:t>
+            </a:r>
+          </a:p>
+        </p:txBody>
+      </p:sp>
+      <p:sp>
+        <p:nvSpPr>
+          <p:cNvPr id="3" name="Content Placeholder 2">
+            <a:extLst>
+              <a:ext uri="{FF2B5EF4-FFF2-40B4-BE49-F238E27FC236}">
+                <a16:creationId xmlns:a16="http://schemas.microsoft.com/office/drawing/2014/main" id="{3B6B3F0F-722C-4B06-8A20-2523F142E1B6}"/>
+              </a:ext>
+            </a:extLst>
+          </p:cNvPr>
+          <p:cNvSpPr>
+            <a:spLocks noGrp="1"/>
+          </p:cNvSpPr>
+          <p:nvPr>
+            <p:ph idx="1"/>
+          </p:nvPr>
+        </p:nvSpPr>
+        <p:spPr/>
+        <p:txBody>
+          <a:bodyPr>
+            <a:normAutofit/>
+          </a:bodyPr>
+          <a:lstStyle/>
+          <a:p>
+            <a:r>
+              <a:rPr lang="en-US" dirty="0"/>
+              <a:t>We chose to focus on the 2016-2017 season, the last full NHL season</a:t>
+            </a:r>
+          </a:p>
+          <a:p>
+            <a:endParaRPr lang="en-US" dirty="0"/>
+          </a:p>
+          <a:p>
+            <a:r>
+              <a:rPr lang="en-US" dirty="0"/>
+              <a:t>Data was collected from: </a:t>
+            </a:r>
+            <a:r>
+              <a:rPr lang="en-US" u="sng" dirty="0">
+                <a:hlinkClick r:id="rId2"/>
+              </a:rPr>
+              <a:t>http://www.hockeyabstract.com/</a:t>
+            </a:r>
+            <a:endParaRPr lang="en-US" u="sng" dirty="0"/>
+          </a:p>
+          <a:p>
+            <a:endParaRPr lang="en-US" u="sng" dirty="0"/>
+          </a:p>
+          <a:p>
+            <a:r>
+              <a:rPr lang="en-US" dirty="0"/>
+              <a:t>The source data was compiled from several different sources, including:</a:t>
+            </a:r>
+          </a:p>
+          <a:p>
+            <a:pPr lvl="1"/>
+            <a:r>
+              <a:rPr lang="en-US" dirty="0"/>
+              <a:t>NHL.com, Corscia.com, Puckalytics.com, Hockey-reference.com, and more</a:t>
+            </a:r>
+          </a:p>
+        </p:txBody>
+      </p:sp>
+      <p:pic>
+        <p:nvPicPr>
+          <p:cNvPr id="4" name="Picture 3">
+            <a:extLst>
+              <a:ext uri="{FF2B5EF4-FFF2-40B4-BE49-F238E27FC236}">
+                <a16:creationId xmlns:a16="http://schemas.microsoft.com/office/drawing/2014/main" id="{4EA43CCD-37AA-471A-BBF5-7646221BB40B}"/>
+              </a:ext>
+            </a:extLst>
+          </p:cNvPr>
+          <p:cNvPicPr>
+            <a:picLocks noChangeAspect="1"/>
+          </p:cNvPicPr>
+          <p:nvPr/>
+        </p:nvPicPr>
+        <p:blipFill>
+          <a:blip r:embed="rId3"/>
+          <a:stretch>
+            <a:fillRect/>
+          </a:stretch>
+        </p:blipFill>
+        <p:spPr>
+          <a:xfrm>
+            <a:off x="914400" y="1828800"/>
+            <a:ext cx="10058400" cy="4647324"/>
+          </a:xfrm>
+          <a:prstGeom prst="rect">
+            <a:avLst/>
+          </a:prstGeom>
+          <a:noFill/>
+          <a:effectLst>
+            <a:outerShdw blurRad="50800" dist="38100" dir="2700000" algn="tl" rotWithShape="0">
+              <a:prstClr val="black">
+                <a:alpha val="40000"/>
+              </a:prstClr>
+            </a:outerShdw>
+          </a:effectLst>
+        </p:spPr>
+      </p:pic>
+    </p:spTree>
+    <p:extLst>
+      <p:ext uri="{BB962C8B-B14F-4D97-AF65-F5344CB8AC3E}">
+        <p14:creationId xmlns:p14="http://schemas.microsoft.com/office/powerpoint/2010/main" val="1923954247"/>
+      </p:ext>
+    </p:extLst>
+  </p:cSld>
+  <p:clrMapOvr>
+    <a:masterClrMapping/>
+  </p:clrMapOvr>
+  <p:timing>
+    <p:tnLst>
+      <p:par>
+        <p:cTn id="1" dur="indefinite" restart="never" nodeType="tmRoot">
+          <p:childTnLst>
+            <p:seq concurrent="1" nextAc="seek">
+              <p:cTn id="2" dur="indefinite" nodeType="mainSeq">
+                <p:childTnLst>
+                  <p:par>
+                    <p:cTn id="3" fill="hold">
+                      <p:stCondLst>
+                        <p:cond delay="indefinite"/>
+                      </p:stCondLst>
+                      <p:childTnLst>
+                        <p:par>
+                          <p:cTn id="4" fill="hold">
+                            <p:stCondLst>
+                              <p:cond delay="0"/>
+                            </p:stCondLst>
+                            <p:childTnLst>
+                              <p:par>
+                                <p:cTn id="5" presetID="1" presetClass="entr" presetSubtype="0" fill="hold" nodeType="clickEffect">
+                                  <p:stCondLst>
+                                    <p:cond delay="0"/>
+                                  </p:stCondLst>
+                                  <p:childTnLst>
+                                    <p:set>
+                                      <p:cBhvr>
+                                        <p:cTn id="6" dur="1" fill="hold">
+                                          <p:stCondLst>
+                                            <p:cond delay="0"/>
+                                          </p:stCondLst>
+                                        </p:cTn>
+                                        <p:tgtEl>
+                                          <p:spTgt spid="4"/>
+                                        </p:tgtEl>
+                                        <p:attrNameLst>
+                                          <p:attrName>style.visibility</p:attrName>
+                                        </p:attrNameLst>
+                                      </p:cBhvr>
+                                      <p:to>
+                                        <p:strVal val="visible"/>
+                                      </p:to>
+                                    </p:set>
+                                  </p:childTnLst>
+                                </p:cTn>
+                              </p:par>
+                            </p:childTnLst>
+                          </p:cTn>
+                        </p:par>
+                      </p:childTnLst>
+                    </p:cTn>
+                  </p:par>
+                </p:childTnLst>
+              </p:cTn>
+              <p:prevCondLst>
+                <p:cond evt="onPrev" delay="0">
+                  <p:tgtEl>
+                    <p:sldTgt/>
+                  </p:tgtEl>
+                </p:cond>
+              </p:prevCondLst>
+              <p:nextCondLst>
+                <p:cond evt="onNext" delay="0">
+                  <p:tgtEl>
+                    <p:sldTgt/>
+                  </p:tgtEl>
+                </p:cond>
+              </p:nextCondLst>
+            </p:seq>
+          </p:childTnLst>
+        </p:cTn>
+      </p:par>
+    </p:tnLst>
+  </p:timing>
+</p:sld>
+</file>
+
+<file path=ppt/slides/slide14.xml><?xml version="1.0" encoding="utf-8"?>
+<p:sld xmlns:a="http://schemas.openxmlformats.org/drawingml/2006/main" xmlns:r="http://schemas.openxmlformats.org/officeDocument/2006/relationships" xmlns:p="http://schemas.openxmlformats.org/presentationml/2006/main">
+  <p:cSld>
+    <p:spTree>
+      <p:nvGrpSpPr>
+        <p:cNvPr id="1" name=""/>
+        <p:cNvGrpSpPr/>
+        <p:nvPr/>
+      </p:nvGrpSpPr>
+      <p:grpSpPr>
+        <a:xfrm>
+          <a:off x="0" y="0"/>
+          <a:ext cx="0" cy="0"/>
+          <a:chOff x="0" y="0"/>
+          <a:chExt cx="0" cy="0"/>
+        </a:xfrm>
+      </p:grpSpPr>
+      <p:sp>
+        <p:nvSpPr>
+          <p:cNvPr id="2" name="Title 1">
+            <a:extLst>
+              <a:ext uri="{FF2B5EF4-FFF2-40B4-BE49-F238E27FC236}">
+                <a16:creationId xmlns:a16="http://schemas.microsoft.com/office/drawing/2014/main" id="{A19C977A-EC51-4868-A8B6-64DFDE67CF40}"/>
+              </a:ext>
+            </a:extLst>
+          </p:cNvPr>
+          <p:cNvSpPr>
+            <a:spLocks noGrp="1"/>
+          </p:cNvSpPr>
+          <p:nvPr>
+            <p:ph type="title"/>
+          </p:nvPr>
+        </p:nvSpPr>
+        <p:spPr/>
+        <p:txBody>
+          <a:bodyPr/>
+          <a:lstStyle/>
+          <a:p>
+            <a:r>
+              <a:rPr lang="en-US" dirty="0"/>
+              <a:t>DATA COLLECTION &amp; VALIDATION</a:t>
+            </a:r>
+          </a:p>
+        </p:txBody>
+      </p:sp>
+      <p:sp>
+        <p:nvSpPr>
+          <p:cNvPr id="3" name="Content Placeholder 2">
+            <a:extLst>
+              <a:ext uri="{FF2B5EF4-FFF2-40B4-BE49-F238E27FC236}">
+                <a16:creationId xmlns:a16="http://schemas.microsoft.com/office/drawing/2014/main" id="{5CB121BE-1738-40D1-85EA-EA042153DC3F}"/>
+              </a:ext>
+            </a:extLst>
+          </p:cNvPr>
+          <p:cNvSpPr>
+            <a:spLocks noGrp="1"/>
+          </p:cNvSpPr>
+          <p:nvPr>
+            <p:ph idx="1"/>
+          </p:nvPr>
+        </p:nvSpPr>
+        <p:spPr/>
+        <p:txBody>
+          <a:bodyPr>
+            <a:normAutofit/>
+          </a:bodyPr>
+          <a:lstStyle/>
+          <a:p>
+            <a:r>
+              <a:rPr lang="en-US" dirty="0"/>
+              <a:t>Raw data came in Excel format</a:t>
+            </a:r>
+          </a:p>
+          <a:p>
+            <a:endParaRPr lang="en-US" dirty="0"/>
+          </a:p>
+          <a:p>
+            <a:r>
+              <a:rPr lang="en-US" dirty="0"/>
+              <a:t>Number formats were cleaned and NULL values were removed in Excel</a:t>
+            </a:r>
+          </a:p>
+        </p:txBody>
+      </p:sp>
+      <p:pic>
+        <p:nvPicPr>
+          <p:cNvPr id="5" name="Picture 4">
+            <a:extLst>
+              <a:ext uri="{FF2B5EF4-FFF2-40B4-BE49-F238E27FC236}">
+                <a16:creationId xmlns:a16="http://schemas.microsoft.com/office/drawing/2014/main" id="{47132B82-0FD8-417D-B844-21EA8FA36BB9}"/>
+              </a:ext>
+            </a:extLst>
+          </p:cNvPr>
+          <p:cNvPicPr>
+            <a:picLocks noChangeAspect="1"/>
+          </p:cNvPicPr>
+          <p:nvPr/>
+        </p:nvPicPr>
+        <p:blipFill>
+          <a:blip r:embed="rId2"/>
+          <a:stretch>
+            <a:fillRect/>
+          </a:stretch>
+        </p:blipFill>
+        <p:spPr>
+          <a:xfrm>
+            <a:off x="914400" y="1828799"/>
+            <a:ext cx="10058400" cy="3716514"/>
+          </a:xfrm>
+          <a:prstGeom prst="rect">
+            <a:avLst/>
+          </a:prstGeom>
+          <a:effectLst>
+            <a:outerShdw blurRad="50800" dist="38100" dir="2700000" algn="tl" rotWithShape="0">
+              <a:prstClr val="black">
+                <a:alpha val="40000"/>
+              </a:prstClr>
+            </a:outerShdw>
+          </a:effectLst>
+        </p:spPr>
+      </p:pic>
+    </p:spTree>
+    <p:extLst>
+      <p:ext uri="{BB962C8B-B14F-4D97-AF65-F5344CB8AC3E}">
+        <p14:creationId xmlns:p14="http://schemas.microsoft.com/office/powerpoint/2010/main" val="3615415893"/>
+      </p:ext>
+    </p:extLst>
+  </p:cSld>
+  <p:clrMapOvr>
+    <a:masterClrMapping/>
+  </p:clrMapOvr>
+  <p:timing>
+    <p:tnLst>
+      <p:par>
+        <p:cTn id="1" dur="indefinite" restart="never" nodeType="tmRoot">
+          <p:childTnLst>
+            <p:seq concurrent="1" nextAc="seek">
+              <p:cTn id="2" dur="indefinite" nodeType="mainSeq">
+                <p:childTnLst>
+                  <p:par>
+                    <p:cTn id="3" fill="hold">
+                      <p:stCondLst>
+                        <p:cond delay="indefinite"/>
+                      </p:stCondLst>
+                      <p:childTnLst>
+                        <p:par>
+                          <p:cTn id="4" fill="hold">
+                            <p:stCondLst>
+                              <p:cond delay="0"/>
+                            </p:stCondLst>
+                            <p:childTnLst>
+                              <p:par>
+                                <p:cTn id="5" presetID="1" presetClass="entr" presetSubtype="0" fill="hold" nodeType="clickEffect">
+                                  <p:stCondLst>
+                                    <p:cond delay="0"/>
+                                  </p:stCondLst>
+                                  <p:childTnLst>
+                                    <p:set>
+                                      <p:cBhvr>
+                                        <p:cTn id="6" dur="1" fill="hold">
+                                          <p:stCondLst>
+                                            <p:cond delay="0"/>
+                                          </p:stCondLst>
+                                        </p:cTn>
+                                        <p:tgtEl>
+                                          <p:spTgt spid="5"/>
+                                        </p:tgtEl>
+                                        <p:attrNameLst>
+                                          <p:attrName>style.visibility</p:attrName>
+                                        </p:attrNameLst>
+                                      </p:cBhvr>
+                                      <p:to>
+                                        <p:strVal val="visible"/>
+                                      </p:to>
+                                    </p:set>
+                                  </p:childTnLst>
+                                </p:cTn>
+                              </p:par>
+                            </p:childTnLst>
+                          </p:cTn>
+                        </p:par>
+                      </p:childTnLst>
+                    </p:cTn>
+                  </p:par>
+                </p:childTnLst>
+              </p:cTn>
+              <p:prevCondLst>
+                <p:cond evt="onPrev" delay="0">
+                  <p:tgtEl>
+                    <p:sldTgt/>
+                  </p:tgtEl>
+                </p:cond>
+              </p:prevCondLst>
+              <p:nextCondLst>
+                <p:cond evt="onNext" delay="0">
+                  <p:tgtEl>
+                    <p:sldTgt/>
+                  </p:tgtEl>
+                </p:cond>
+              </p:nextCondLst>
+            </p:seq>
+          </p:childTnLst>
+        </p:cTn>
+      </p:par>
+    </p:tnLst>
+  </p:timing>
+</p:sld>
+</file>
+
+<file path=ppt/slides/slide15.xml><?xml version="1.0" encoding="utf-8"?>
+<p:sld xmlns:a="http://schemas.openxmlformats.org/drawingml/2006/main" xmlns:r="http://schemas.openxmlformats.org/officeDocument/2006/relationships" xmlns:p="http://schemas.openxmlformats.org/presentationml/2006/main">
+  <p:cSld>
+    <p:spTree>
+      <p:nvGrpSpPr>
+        <p:cNvPr id="1" name=""/>
+        <p:cNvGrpSpPr/>
+        <p:nvPr/>
+      </p:nvGrpSpPr>
+      <p:grpSpPr>
+        <a:xfrm>
+          <a:off x="0" y="0"/>
+          <a:ext cx="0" cy="0"/>
+          <a:chOff x="0" y="0"/>
+          <a:chExt cx="0" cy="0"/>
+        </a:xfrm>
+      </p:grpSpPr>
+      <p:sp>
+        <p:nvSpPr>
           <p:cNvPr id="2" name="Title 1">
             <a:extLst>
               <a:ext uri="{FF2B5EF4-FFF2-40B4-BE49-F238E27FC236}">
@@ -5360,7 +6410,7 @@
           <a:p>
             <a:r>
               <a:rPr lang="en-US" dirty="0"/>
-              <a:t>An easy way to identify potential relationships among variables is to analyze their correlations</a:t>
+              <a:t>A good way to identify potential relationships among numerical variables is to analyze their correlations</a:t>
             </a:r>
           </a:p>
           <a:p>
@@ -5396,7 +6446,7 @@
 </p:sld>
 </file>
 
-<file path=ppt/slides/slide11.xml><?xml version="1.0" encoding="utf-8"?>
+<file path=ppt/slides/slide16.xml><?xml version="1.0" encoding="utf-8"?>
 <p:sld xmlns:a="http://schemas.openxmlformats.org/drawingml/2006/main" xmlns:r="http://schemas.openxmlformats.org/officeDocument/2006/relationships" xmlns:p="http://schemas.openxmlformats.org/presentationml/2006/main">
   <p:cSld>
     <p:spTree>
@@ -5507,7 +6557,7 @@
 </p:sld>
 </file>
 
-<file path=ppt/slides/slide12.xml><?xml version="1.0" encoding="utf-8"?>
+<file path=ppt/slides/slide17.xml><?xml version="1.0" encoding="utf-8"?>
 <p:sld xmlns:a="http://schemas.openxmlformats.org/drawingml/2006/main" xmlns:r="http://schemas.openxmlformats.org/officeDocument/2006/relationships" xmlns:p="http://schemas.openxmlformats.org/presentationml/2006/main">
   <p:cSld>
     <p:spTree>
@@ -5590,7 +6640,7 @@
 </p:sld>
 </file>
 
-<file path=ppt/slides/slide13.xml><?xml version="1.0" encoding="utf-8"?>
+<file path=ppt/slides/slide18.xml><?xml version="1.0" encoding="utf-8"?>
 <p:sld xmlns:a="http://schemas.openxmlformats.org/drawingml/2006/main" xmlns:r="http://schemas.openxmlformats.org/officeDocument/2006/relationships" xmlns:p="http://schemas.openxmlformats.org/presentationml/2006/main">
   <p:cSld>
     <p:spTree>
@@ -5651,7 +6701,12 @@
             <p:ph sz="half" idx="1"/>
           </p:nvPr>
         </p:nvSpPr>
-        <p:spPr/>
+        <p:spPr>
+          <a:xfrm>
+            <a:off x="1069847" y="2194560"/>
+            <a:ext cx="5026153" cy="3977640"/>
+          </a:xfrm>
+        </p:spPr>
         <p:txBody>
           <a:bodyPr>
             <a:normAutofit/>
@@ -5683,14 +6738,21 @@
           <a:p>
             <a:r>
               <a:rPr lang="en-US" dirty="0"/>
-              <a:t>Bar Charts:</a:t>
+              <a:t>Scatterplots:</a:t>
             </a:r>
           </a:p>
           <a:p>
             <a:pPr lvl="1"/>
             <a:r>
               <a:rPr lang="en-US" dirty="0"/>
-              <a:t>Goals, Shots and Shooting Percentage by Shot Type</a:t>
+              <a:t>Cap Hit vs. Points Per Game</a:t>
+            </a:r>
+          </a:p>
+          <a:p>
+            <a:pPr lvl="1"/>
+            <a:r>
+              <a:rPr lang="en-US" dirty="0"/>
+              <a:t>Goals For vs. Goals Against by Cap Hit</a:t>
             </a:r>
           </a:p>
           <a:p>
@@ -5723,50 +6785,21 @@
           <a:p>
             <a:r>
               <a:rPr lang="en-US" dirty="0"/>
-              <a:t>Scatterplots:</a:t>
+              <a:t>Bar Charts:</a:t>
             </a:r>
           </a:p>
           <a:p>
             <a:pPr lvl="1"/>
             <a:r>
               <a:rPr lang="en-US" dirty="0"/>
-              <a:t>Cap Hit vs. Points Per Game</a:t>
+              <a:t>Salary by Position, sorted by Division and Team</a:t>
             </a:r>
           </a:p>
           <a:p>
             <a:pPr lvl="1"/>
             <a:r>
               <a:rPr lang="en-US" dirty="0"/>
-              <a:t>Goals For vs. Goals Against by Cap Hit</a:t>
-            </a:r>
-          </a:p>
-          <a:p>
-            <a:pPr lvl="1"/>
-            <a:endParaRPr lang="en-US" dirty="0">
-              <a:solidFill>
-                <a:srgbClr val="FF0000"/>
-              </a:solidFill>
-            </a:endParaRPr>
-          </a:p>
-          <a:p>
-            <a:r>
-              <a:rPr lang="en-US" dirty="0">
-                <a:solidFill>
-                  <a:srgbClr val="FF0000"/>
-                </a:solidFill>
-              </a:rPr>
-              <a:t>Donut Charts:</a:t>
-            </a:r>
-          </a:p>
-          <a:p>
-            <a:pPr lvl="1"/>
-            <a:r>
-              <a:rPr lang="en-US" dirty="0">
-                <a:solidFill>
-                  <a:srgbClr val="FF0000"/>
-                </a:solidFill>
-              </a:rPr>
-              <a:t>Cap Hit </a:t>
+              <a:t>Goals, Shots and Shooting Percentage by Shot Type</a:t>
             </a:r>
           </a:p>
           <a:p>
@@ -5787,7 +6820,7 @@
 </p:sld>
 </file>
 
-<file path=ppt/slides/slide14.xml><?xml version="1.0" encoding="utf-8"?>
+<file path=ppt/slides/slide19.xml><?xml version="1.0" encoding="utf-8"?>
 <p:sld xmlns:a="http://schemas.openxmlformats.org/drawingml/2006/main" xmlns:r="http://schemas.openxmlformats.org/officeDocument/2006/relationships" xmlns:p="http://schemas.openxmlformats.org/presentationml/2006/main">
   <p:cSld>
     <p:spTree>
@@ -5827,7 +6860,7 @@
           <a:p>
             <a:r>
               <a:rPr lang="en-US" dirty="0"/>
-              <a:t>Salary by Nationality</a:t>
+              <a:t>Cap Hit by Nationality</a:t>
             </a:r>
           </a:p>
         </p:txBody>
@@ -5880,19 +6913,19 @@
           <a:p>
             <a:r>
               <a:rPr lang="en-US" dirty="0"/>
-              <a:t>The distribution of salary appears very similar for Canadian and American players</a:t>
+              <a:t>The distribution of cap hits appears very similar for Canadian and American players</a:t>
             </a:r>
           </a:p>
           <a:p>
             <a:r>
               <a:rPr lang="en-US" dirty="0"/>
-              <a:t>The median salary for Russians, Finns and Swedes is noticeably higher than the cap hits</a:t>
+              <a:t>The median cap hit for Russians, Finns and Swedes is noticeably higher than the cap hits</a:t>
             </a:r>
           </a:p>
           <a:p>
             <a:r>
               <a:rPr lang="en-US" dirty="0"/>
-              <a:t>Russian players had the highest median salary in 2016-17, but this was heavily affected by top earners like Alex Ovechkin ($9.54M) and Evgeni </a:t>
+              <a:t>Russian players had the highest median cap hit in 2016-17, but this was heavily affected by top earners, Alex Ovechkin ($9.54M) and Evgeni </a:t>
             </a:r>
             <a:r>
               <a:rPr lang="en-US" dirty="0" err="1"/>
@@ -5960,7 +6993,7 @@
 </p:sld>
 </file>
 
-<file path=ppt/slides/slide15.xml><?xml version="1.0" encoding="utf-8"?>
+<file path=ppt/slides/slide2.xml><?xml version="1.0" encoding="utf-8"?>
 <p:sld xmlns:a="http://schemas.openxmlformats.org/drawingml/2006/main" xmlns:r="http://schemas.openxmlformats.org/officeDocument/2006/relationships" xmlns:p="http://schemas.openxmlformats.org/presentationml/2006/main">
   <p:cSld>
     <p:spTree>
@@ -5982,7 +7015,7 @@
           <p:cNvPr id="2" name="Title 1">
             <a:extLst>
               <a:ext uri="{FF2B5EF4-FFF2-40B4-BE49-F238E27FC236}">
-                <a16:creationId xmlns:a16="http://schemas.microsoft.com/office/drawing/2014/main" id="{352E37D5-E6B7-4D44-845B-37C208AE3FCB}"/>
+                <a16:creationId xmlns:a16="http://schemas.microsoft.com/office/drawing/2014/main" id="{57EDA6F7-08C8-4E8B-8EE6-4A46D6D22E61}"/>
               </a:ext>
             </a:extLst>
           </p:cNvPr>
@@ -6000,45 +7033,81 @@
           <a:p>
             <a:r>
               <a:rPr lang="en-US" dirty="0"/>
-              <a:t>Salary by Position</a:t>
-            </a:r>
-          </a:p>
-        </p:txBody>
-      </p:sp>
-      <p:pic>
-        <p:nvPicPr>
-          <p:cNvPr id="8" name="Picture 7">
+              <a:t>AGENDA</a:t>
+            </a:r>
+          </a:p>
+        </p:txBody>
+      </p:sp>
+      <p:sp>
+        <p:nvSpPr>
+          <p:cNvPr id="3" name="Content Placeholder 2">
             <a:extLst>
               <a:ext uri="{FF2B5EF4-FFF2-40B4-BE49-F238E27FC236}">
-                <a16:creationId xmlns:a16="http://schemas.microsoft.com/office/drawing/2014/main" id="{CF1F1140-EF6C-4421-8676-5B8E77B65B2E}"/>
+                <a16:creationId xmlns:a16="http://schemas.microsoft.com/office/drawing/2014/main" id="{D4402552-6EC2-472B-BCAB-410755ED3ED5}"/>
               </a:ext>
             </a:extLst>
           </p:cNvPr>
-          <p:cNvPicPr>
-            <a:picLocks noChangeAspect="1"/>
-          </p:cNvPicPr>
-          <p:nvPr/>
-        </p:nvPicPr>
-        <p:blipFill>
-          <a:blip r:embed="rId2"/>
-          <a:stretch>
-            <a:fillRect/>
-          </a:stretch>
-        </p:blipFill>
-        <p:spPr>
-          <a:xfrm>
-            <a:off x="1480868" y="1828800"/>
-            <a:ext cx="9230264" cy="4572000"/>
-          </a:xfrm>
-          <a:prstGeom prst="rect">
-            <a:avLst/>
-          </a:prstGeom>
-        </p:spPr>
-      </p:pic>
+          <p:cNvSpPr>
+            <a:spLocks noGrp="1"/>
+          </p:cNvSpPr>
+          <p:nvPr>
+            <p:ph idx="1"/>
+          </p:nvPr>
+        </p:nvSpPr>
+        <p:spPr/>
+        <p:txBody>
+          <a:bodyPr>
+            <a:normAutofit/>
+          </a:bodyPr>
+          <a:lstStyle/>
+          <a:p>
+            <a:r>
+              <a:rPr lang="en-US" dirty="0"/>
+              <a:t>Project Description</a:t>
+            </a:r>
+          </a:p>
+          <a:p>
+            <a:endParaRPr lang="en-US" dirty="0"/>
+          </a:p>
+          <a:p>
+            <a:r>
+              <a:rPr lang="en-US" dirty="0"/>
+              <a:t>Hockey 101</a:t>
+            </a:r>
+          </a:p>
+          <a:p>
+            <a:endParaRPr lang="en-US" dirty="0"/>
+          </a:p>
+          <a:p>
+            <a:r>
+              <a:rPr lang="en-US" dirty="0"/>
+              <a:t>Data Collection &amp; Validation</a:t>
+            </a:r>
+          </a:p>
+          <a:p>
+            <a:endParaRPr lang="en-US" dirty="0"/>
+          </a:p>
+          <a:p>
+            <a:r>
+              <a:rPr lang="en-US" dirty="0"/>
+              <a:t>Data Analysis</a:t>
+            </a:r>
+          </a:p>
+          <a:p>
+            <a:endParaRPr lang="en-US" dirty="0"/>
+          </a:p>
+          <a:p>
+            <a:r>
+              <a:rPr lang="en-US" dirty="0"/>
+              <a:t>Results</a:t>
+            </a:r>
+          </a:p>
+        </p:txBody>
+      </p:sp>
     </p:spTree>
     <p:extLst>
       <p:ext uri="{BB962C8B-B14F-4D97-AF65-F5344CB8AC3E}">
-        <p14:creationId xmlns:p14="http://schemas.microsoft.com/office/powerpoint/2010/main" val="1522289650"/>
+        <p14:creationId xmlns:p14="http://schemas.microsoft.com/office/powerpoint/2010/main" val="232729393"/>
       </p:ext>
     </p:extLst>
   </p:cSld>
@@ -6048,7 +7117,7 @@
 </p:sld>
 </file>
 
-<file path=ppt/slides/slide16.xml><?xml version="1.0" encoding="utf-8"?>
+<file path=ppt/slides/slide20.xml><?xml version="1.0" encoding="utf-8"?>
 <p:sld xmlns:a="http://schemas.openxmlformats.org/drawingml/2006/main" xmlns:r="http://schemas.openxmlformats.org/officeDocument/2006/relationships" xmlns:p="http://schemas.openxmlformats.org/presentationml/2006/main">
   <p:cSld>
     <p:spTree>
@@ -6080,7 +7149,7 @@
           <p:nvPr/>
         </p:nvPicPr>
         <p:blipFill>
-          <a:blip r:embed="rId2"/>
+          <a:blip r:embed="rId3"/>
           <a:stretch>
             <a:fillRect/>
           </a:stretch>
@@ -6122,7 +7191,7 @@
           <p:nvPr/>
         </p:nvPicPr>
         <p:blipFill>
-          <a:blip r:embed="rId3"/>
+          <a:blip r:embed="rId4"/>
           <a:stretch>
             <a:fillRect/>
           </a:stretch>
@@ -6164,7 +7233,7 @@
           <p:nvPr/>
         </p:nvPicPr>
         <p:blipFill>
-          <a:blip r:embed="rId4"/>
+          <a:blip r:embed="rId5"/>
           <a:stretch>
             <a:fillRect/>
           </a:stretch>
@@ -6238,7 +7307,7 @@
         <p:spPr>
           <a:xfrm>
             <a:off x="6364224" y="2194560"/>
-            <a:ext cx="4754880" cy="3977640"/>
+            <a:ext cx="4754880" cy="1501368"/>
           </a:xfrm>
         </p:spPr>
         <p:txBody>
@@ -6247,13 +7316,534 @@
           <a:p>
             <a:r>
               <a:rPr lang="en-US" dirty="0"/>
-              <a:t>Players drafted in the first round clearly have the highest median salary</a:t>
+              <a:t>Players drafted in the first round clearly had the highest PPG avg.</a:t>
             </a:r>
           </a:p>
           <a:p>
             <a:r>
               <a:rPr lang="en-US" dirty="0"/>
-              <a:t>After the first round, there are no noticeable difference in median salary</a:t>
+              <a:t>After the first round, there is no noticeable difference in PPG</a:t>
+            </a:r>
+          </a:p>
+        </p:txBody>
+      </p:sp>
+      <p:sp>
+        <p:nvSpPr>
+          <p:cNvPr id="8" name="Content Placeholder 9">
+            <a:extLst>
+              <a:ext uri="{FF2B5EF4-FFF2-40B4-BE49-F238E27FC236}">
+                <a16:creationId xmlns:a16="http://schemas.microsoft.com/office/drawing/2014/main" id="{ACD78E86-DDDE-4F07-9176-E4CACBABBE92}"/>
+              </a:ext>
+            </a:extLst>
+          </p:cNvPr>
+          <p:cNvSpPr txBox="1">
+            <a:spLocks/>
+          </p:cNvSpPr>
+          <p:nvPr/>
+        </p:nvSpPr>
+        <p:spPr>
+          <a:xfrm>
+            <a:off x="6364224" y="3569993"/>
+            <a:ext cx="4754880" cy="1423617"/>
+          </a:xfrm>
+          <a:prstGeom prst="rect">
+            <a:avLst/>
+          </a:prstGeom>
+        </p:spPr>
+        <p:txBody>
+          <a:bodyPr vert="horz" lIns="91440" tIns="45720" rIns="91440" bIns="45720" rtlCol="0">
+            <a:normAutofit/>
+          </a:bodyPr>
+          <a:lstStyle>
+            <a:lvl1pPr marL="182880" indent="-182880" algn="l" defTabSz="914400" rtl="0" eaLnBrk="1" latinLnBrk="0" hangingPunct="1">
+              <a:lnSpc>
+                <a:spcPct val="90000"/>
+              </a:lnSpc>
+              <a:spcBef>
+                <a:spcPts val="1200"/>
+              </a:spcBef>
+              <a:buClr>
+                <a:schemeClr val="accent2"/>
+              </a:buClr>
+              <a:buSzPct val="85000"/>
+              <a:buFont typeface="Wingdings" pitchFamily="2" charset="2"/>
+              <a:buChar char="§"/>
+              <a:defRPr sz="2000" kern="1200">
+                <a:solidFill>
+                  <a:schemeClr val="tx1"/>
+                </a:solidFill>
+                <a:latin typeface="+mn-lt"/>
+                <a:ea typeface="+mn-ea"/>
+                <a:cs typeface="+mn-cs"/>
+              </a:defRPr>
+            </a:lvl1pPr>
+            <a:lvl2pPr marL="457200" indent="-182880" algn="l" defTabSz="914400" rtl="0" eaLnBrk="1" latinLnBrk="0" hangingPunct="1">
+              <a:lnSpc>
+                <a:spcPct val="90000"/>
+              </a:lnSpc>
+              <a:spcBef>
+                <a:spcPts val="400"/>
+              </a:spcBef>
+              <a:spcAft>
+                <a:spcPts val="200"/>
+              </a:spcAft>
+              <a:buClr>
+                <a:schemeClr val="accent2"/>
+              </a:buClr>
+              <a:buSzPct val="85000"/>
+              <a:buFont typeface="Wingdings" pitchFamily="2" charset="2"/>
+              <a:buChar char="§"/>
+              <a:defRPr sz="1800" kern="1200">
+                <a:solidFill>
+                  <a:schemeClr val="tx1"/>
+                </a:solidFill>
+                <a:latin typeface="+mn-lt"/>
+                <a:ea typeface="+mn-ea"/>
+                <a:cs typeface="+mn-cs"/>
+              </a:defRPr>
+            </a:lvl2pPr>
+            <a:lvl3pPr marL="731520" indent="-182880" algn="l" defTabSz="914400" rtl="0" eaLnBrk="1" latinLnBrk="0" hangingPunct="1">
+              <a:lnSpc>
+                <a:spcPct val="90000"/>
+              </a:lnSpc>
+              <a:spcBef>
+                <a:spcPts val="400"/>
+              </a:spcBef>
+              <a:spcAft>
+                <a:spcPts val="200"/>
+              </a:spcAft>
+              <a:buClr>
+                <a:schemeClr val="accent2"/>
+              </a:buClr>
+              <a:buSzPct val="85000"/>
+              <a:buFont typeface="Wingdings" pitchFamily="2" charset="2"/>
+              <a:buChar char="§"/>
+              <a:defRPr sz="1600" kern="1200">
+                <a:solidFill>
+                  <a:schemeClr val="tx1"/>
+                </a:solidFill>
+                <a:latin typeface="+mn-lt"/>
+                <a:ea typeface="+mn-ea"/>
+                <a:cs typeface="+mn-cs"/>
+              </a:defRPr>
+            </a:lvl3pPr>
+            <a:lvl4pPr marL="1005840" indent="-182880" algn="l" defTabSz="914400" rtl="0" eaLnBrk="1" latinLnBrk="0" hangingPunct="1">
+              <a:lnSpc>
+                <a:spcPct val="90000"/>
+              </a:lnSpc>
+              <a:spcBef>
+                <a:spcPts val="400"/>
+              </a:spcBef>
+              <a:spcAft>
+                <a:spcPts val="200"/>
+              </a:spcAft>
+              <a:buClr>
+                <a:schemeClr val="accent2"/>
+              </a:buClr>
+              <a:buSzPct val="85000"/>
+              <a:buFont typeface="Wingdings" pitchFamily="2" charset="2"/>
+              <a:buChar char="§"/>
+              <a:defRPr sz="1600" kern="1200">
+                <a:solidFill>
+                  <a:schemeClr val="tx1"/>
+                </a:solidFill>
+                <a:latin typeface="+mn-lt"/>
+                <a:ea typeface="+mn-ea"/>
+                <a:cs typeface="+mn-cs"/>
+              </a:defRPr>
+            </a:lvl4pPr>
+            <a:lvl5pPr marL="1280160" indent="-182880" algn="l" defTabSz="914400" rtl="0" eaLnBrk="1" latinLnBrk="0" hangingPunct="1">
+              <a:lnSpc>
+                <a:spcPct val="90000"/>
+              </a:lnSpc>
+              <a:spcBef>
+                <a:spcPts val="400"/>
+              </a:spcBef>
+              <a:spcAft>
+                <a:spcPts val="200"/>
+              </a:spcAft>
+              <a:buClr>
+                <a:schemeClr val="accent2"/>
+              </a:buClr>
+              <a:buSzPct val="85000"/>
+              <a:buFont typeface="Wingdings" pitchFamily="2" charset="2"/>
+              <a:buChar char="§"/>
+              <a:defRPr sz="1600" kern="1200">
+                <a:solidFill>
+                  <a:schemeClr val="tx1"/>
+                </a:solidFill>
+                <a:latin typeface="+mn-lt"/>
+                <a:ea typeface="+mn-ea"/>
+                <a:cs typeface="+mn-cs"/>
+              </a:defRPr>
+            </a:lvl5pPr>
+            <a:lvl6pPr marL="1600000" indent="-228600" algn="l" defTabSz="914400" rtl="0" eaLnBrk="1" latinLnBrk="0" hangingPunct="1">
+              <a:lnSpc>
+                <a:spcPct val="90000"/>
+              </a:lnSpc>
+              <a:spcBef>
+                <a:spcPts val="400"/>
+              </a:spcBef>
+              <a:spcAft>
+                <a:spcPts val="200"/>
+              </a:spcAft>
+              <a:buClr>
+                <a:schemeClr val="accent2"/>
+              </a:buClr>
+              <a:buSzPct val="85000"/>
+              <a:buFont typeface="Wingdings" pitchFamily="2" charset="2"/>
+              <a:buChar char="§"/>
+              <a:defRPr sz="1600" kern="1200">
+                <a:solidFill>
+                  <a:schemeClr val="tx1"/>
+                </a:solidFill>
+                <a:latin typeface="+mn-lt"/>
+                <a:ea typeface="+mn-ea"/>
+                <a:cs typeface="+mn-cs"/>
+              </a:defRPr>
+            </a:lvl6pPr>
+            <a:lvl7pPr marL="1900000" indent="-228600" algn="l" defTabSz="914400" rtl="0" eaLnBrk="1" latinLnBrk="0" hangingPunct="1">
+              <a:lnSpc>
+                <a:spcPct val="90000"/>
+              </a:lnSpc>
+              <a:spcBef>
+                <a:spcPts val="400"/>
+              </a:spcBef>
+              <a:spcAft>
+                <a:spcPts val="200"/>
+              </a:spcAft>
+              <a:buClr>
+                <a:schemeClr val="accent2"/>
+              </a:buClr>
+              <a:buSzPct val="85000"/>
+              <a:buFont typeface="Wingdings" pitchFamily="2" charset="2"/>
+              <a:buChar char="§"/>
+              <a:defRPr sz="1600" kern="1200">
+                <a:solidFill>
+                  <a:schemeClr val="tx1"/>
+                </a:solidFill>
+                <a:latin typeface="+mn-lt"/>
+                <a:ea typeface="+mn-ea"/>
+                <a:cs typeface="+mn-cs"/>
+              </a:defRPr>
+            </a:lvl7pPr>
+            <a:lvl8pPr marL="2200000" indent="-228600" algn="l" defTabSz="914400" rtl="0" eaLnBrk="1" latinLnBrk="0" hangingPunct="1">
+              <a:lnSpc>
+                <a:spcPct val="90000"/>
+              </a:lnSpc>
+              <a:spcBef>
+                <a:spcPts val="400"/>
+              </a:spcBef>
+              <a:spcAft>
+                <a:spcPts val="200"/>
+              </a:spcAft>
+              <a:buClr>
+                <a:schemeClr val="accent2"/>
+              </a:buClr>
+              <a:buSzPct val="85000"/>
+              <a:buFont typeface="Wingdings" pitchFamily="2" charset="2"/>
+              <a:buChar char="§"/>
+              <a:defRPr sz="1600" kern="1200">
+                <a:solidFill>
+                  <a:schemeClr val="tx1"/>
+                </a:solidFill>
+                <a:latin typeface="+mn-lt"/>
+                <a:ea typeface="+mn-ea"/>
+                <a:cs typeface="+mn-cs"/>
+              </a:defRPr>
+            </a:lvl8pPr>
+            <a:lvl9pPr marL="2500000" indent="-228600" algn="l" defTabSz="914400" rtl="0" eaLnBrk="1" latinLnBrk="0" hangingPunct="1">
+              <a:lnSpc>
+                <a:spcPct val="90000"/>
+              </a:lnSpc>
+              <a:spcBef>
+                <a:spcPts val="400"/>
+              </a:spcBef>
+              <a:spcAft>
+                <a:spcPts val="200"/>
+              </a:spcAft>
+              <a:buClr>
+                <a:schemeClr val="accent2"/>
+              </a:buClr>
+              <a:buSzPct val="85000"/>
+              <a:buFont typeface="Wingdings" pitchFamily="2" charset="2"/>
+              <a:buChar char="§"/>
+              <a:defRPr sz="1600" kern="1200">
+                <a:solidFill>
+                  <a:schemeClr val="tx1"/>
+                </a:solidFill>
+                <a:latin typeface="+mn-lt"/>
+                <a:ea typeface="+mn-ea"/>
+                <a:cs typeface="+mn-cs"/>
+              </a:defRPr>
+            </a:lvl9pPr>
+          </a:lstStyle>
+          <a:p>
+            <a:r>
+              <a:rPr lang="en-US" dirty="0"/>
+              <a:t>A more linear trend in PPG is noticeable from Rounds 1 – 4 among Forwards; after Rd 4 there is no clear pattern</a:t>
+            </a:r>
+          </a:p>
+          <a:p>
+            <a:endParaRPr lang="en-US" dirty="0"/>
+          </a:p>
+        </p:txBody>
+      </p:sp>
+      <p:sp>
+        <p:nvSpPr>
+          <p:cNvPr id="9" name="Content Placeholder 9">
+            <a:extLst>
+              <a:ext uri="{FF2B5EF4-FFF2-40B4-BE49-F238E27FC236}">
+                <a16:creationId xmlns:a16="http://schemas.microsoft.com/office/drawing/2014/main" id="{A6CD542F-A0E1-4578-99BD-38DAAEF33618}"/>
+              </a:ext>
+            </a:extLst>
+          </p:cNvPr>
+          <p:cNvSpPr txBox="1">
+            <a:spLocks/>
+          </p:cNvSpPr>
+          <p:nvPr/>
+        </p:nvSpPr>
+        <p:spPr>
+          <a:xfrm>
+            <a:off x="6364224" y="4845772"/>
+            <a:ext cx="4754880" cy="1367949"/>
+          </a:xfrm>
+          <a:prstGeom prst="rect">
+            <a:avLst/>
+          </a:prstGeom>
+        </p:spPr>
+        <p:txBody>
+          <a:bodyPr vert="horz" lIns="91440" tIns="45720" rIns="91440" bIns="45720" rtlCol="0">
+            <a:normAutofit/>
+          </a:bodyPr>
+          <a:lstStyle>
+            <a:lvl1pPr marL="182880" indent="-182880" algn="l" defTabSz="914400" rtl="0" eaLnBrk="1" latinLnBrk="0" hangingPunct="1">
+              <a:lnSpc>
+                <a:spcPct val="90000"/>
+              </a:lnSpc>
+              <a:spcBef>
+                <a:spcPts val="1200"/>
+              </a:spcBef>
+              <a:buClr>
+                <a:schemeClr val="accent2"/>
+              </a:buClr>
+              <a:buSzPct val="85000"/>
+              <a:buFont typeface="Wingdings" pitchFamily="2" charset="2"/>
+              <a:buChar char="§"/>
+              <a:defRPr sz="2000" kern="1200">
+                <a:solidFill>
+                  <a:schemeClr val="tx1"/>
+                </a:solidFill>
+                <a:latin typeface="+mn-lt"/>
+                <a:ea typeface="+mn-ea"/>
+                <a:cs typeface="+mn-cs"/>
+              </a:defRPr>
+            </a:lvl1pPr>
+            <a:lvl2pPr marL="457200" indent="-182880" algn="l" defTabSz="914400" rtl="0" eaLnBrk="1" latinLnBrk="0" hangingPunct="1">
+              <a:lnSpc>
+                <a:spcPct val="90000"/>
+              </a:lnSpc>
+              <a:spcBef>
+                <a:spcPts val="400"/>
+              </a:spcBef>
+              <a:spcAft>
+                <a:spcPts val="200"/>
+              </a:spcAft>
+              <a:buClr>
+                <a:schemeClr val="accent2"/>
+              </a:buClr>
+              <a:buSzPct val="85000"/>
+              <a:buFont typeface="Wingdings" pitchFamily="2" charset="2"/>
+              <a:buChar char="§"/>
+              <a:defRPr sz="1800" kern="1200">
+                <a:solidFill>
+                  <a:schemeClr val="tx1"/>
+                </a:solidFill>
+                <a:latin typeface="+mn-lt"/>
+                <a:ea typeface="+mn-ea"/>
+                <a:cs typeface="+mn-cs"/>
+              </a:defRPr>
+            </a:lvl2pPr>
+            <a:lvl3pPr marL="731520" indent="-182880" algn="l" defTabSz="914400" rtl="0" eaLnBrk="1" latinLnBrk="0" hangingPunct="1">
+              <a:lnSpc>
+                <a:spcPct val="90000"/>
+              </a:lnSpc>
+              <a:spcBef>
+                <a:spcPts val="400"/>
+              </a:spcBef>
+              <a:spcAft>
+                <a:spcPts val="200"/>
+              </a:spcAft>
+              <a:buClr>
+                <a:schemeClr val="accent2"/>
+              </a:buClr>
+              <a:buSzPct val="85000"/>
+              <a:buFont typeface="Wingdings" pitchFamily="2" charset="2"/>
+              <a:buChar char="§"/>
+              <a:defRPr sz="1600" kern="1200">
+                <a:solidFill>
+                  <a:schemeClr val="tx1"/>
+                </a:solidFill>
+                <a:latin typeface="+mn-lt"/>
+                <a:ea typeface="+mn-ea"/>
+                <a:cs typeface="+mn-cs"/>
+              </a:defRPr>
+            </a:lvl3pPr>
+            <a:lvl4pPr marL="1005840" indent="-182880" algn="l" defTabSz="914400" rtl="0" eaLnBrk="1" latinLnBrk="0" hangingPunct="1">
+              <a:lnSpc>
+                <a:spcPct val="90000"/>
+              </a:lnSpc>
+              <a:spcBef>
+                <a:spcPts val="400"/>
+              </a:spcBef>
+              <a:spcAft>
+                <a:spcPts val="200"/>
+              </a:spcAft>
+              <a:buClr>
+                <a:schemeClr val="accent2"/>
+              </a:buClr>
+              <a:buSzPct val="85000"/>
+              <a:buFont typeface="Wingdings" pitchFamily="2" charset="2"/>
+              <a:buChar char="§"/>
+              <a:defRPr sz="1600" kern="1200">
+                <a:solidFill>
+                  <a:schemeClr val="tx1"/>
+                </a:solidFill>
+                <a:latin typeface="+mn-lt"/>
+                <a:ea typeface="+mn-ea"/>
+                <a:cs typeface="+mn-cs"/>
+              </a:defRPr>
+            </a:lvl4pPr>
+            <a:lvl5pPr marL="1280160" indent="-182880" algn="l" defTabSz="914400" rtl="0" eaLnBrk="1" latinLnBrk="0" hangingPunct="1">
+              <a:lnSpc>
+                <a:spcPct val="90000"/>
+              </a:lnSpc>
+              <a:spcBef>
+                <a:spcPts val="400"/>
+              </a:spcBef>
+              <a:spcAft>
+                <a:spcPts val="200"/>
+              </a:spcAft>
+              <a:buClr>
+                <a:schemeClr val="accent2"/>
+              </a:buClr>
+              <a:buSzPct val="85000"/>
+              <a:buFont typeface="Wingdings" pitchFamily="2" charset="2"/>
+              <a:buChar char="§"/>
+              <a:defRPr sz="1600" kern="1200">
+                <a:solidFill>
+                  <a:schemeClr val="tx1"/>
+                </a:solidFill>
+                <a:latin typeface="+mn-lt"/>
+                <a:ea typeface="+mn-ea"/>
+                <a:cs typeface="+mn-cs"/>
+              </a:defRPr>
+            </a:lvl5pPr>
+            <a:lvl6pPr marL="1600000" indent="-228600" algn="l" defTabSz="914400" rtl="0" eaLnBrk="1" latinLnBrk="0" hangingPunct="1">
+              <a:lnSpc>
+                <a:spcPct val="90000"/>
+              </a:lnSpc>
+              <a:spcBef>
+                <a:spcPts val="400"/>
+              </a:spcBef>
+              <a:spcAft>
+                <a:spcPts val="200"/>
+              </a:spcAft>
+              <a:buClr>
+                <a:schemeClr val="accent2"/>
+              </a:buClr>
+              <a:buSzPct val="85000"/>
+              <a:buFont typeface="Wingdings" pitchFamily="2" charset="2"/>
+              <a:buChar char="§"/>
+              <a:defRPr sz="1600" kern="1200">
+                <a:solidFill>
+                  <a:schemeClr val="tx1"/>
+                </a:solidFill>
+                <a:latin typeface="+mn-lt"/>
+                <a:ea typeface="+mn-ea"/>
+                <a:cs typeface="+mn-cs"/>
+              </a:defRPr>
+            </a:lvl6pPr>
+            <a:lvl7pPr marL="1900000" indent="-228600" algn="l" defTabSz="914400" rtl="0" eaLnBrk="1" latinLnBrk="0" hangingPunct="1">
+              <a:lnSpc>
+                <a:spcPct val="90000"/>
+              </a:lnSpc>
+              <a:spcBef>
+                <a:spcPts val="400"/>
+              </a:spcBef>
+              <a:spcAft>
+                <a:spcPts val="200"/>
+              </a:spcAft>
+              <a:buClr>
+                <a:schemeClr val="accent2"/>
+              </a:buClr>
+              <a:buSzPct val="85000"/>
+              <a:buFont typeface="Wingdings" pitchFamily="2" charset="2"/>
+              <a:buChar char="§"/>
+              <a:defRPr sz="1600" kern="1200">
+                <a:solidFill>
+                  <a:schemeClr val="tx1"/>
+                </a:solidFill>
+                <a:latin typeface="+mn-lt"/>
+                <a:ea typeface="+mn-ea"/>
+                <a:cs typeface="+mn-cs"/>
+              </a:defRPr>
+            </a:lvl7pPr>
+            <a:lvl8pPr marL="2200000" indent="-228600" algn="l" defTabSz="914400" rtl="0" eaLnBrk="1" latinLnBrk="0" hangingPunct="1">
+              <a:lnSpc>
+                <a:spcPct val="90000"/>
+              </a:lnSpc>
+              <a:spcBef>
+                <a:spcPts val="400"/>
+              </a:spcBef>
+              <a:spcAft>
+                <a:spcPts val="200"/>
+              </a:spcAft>
+              <a:buClr>
+                <a:schemeClr val="accent2"/>
+              </a:buClr>
+              <a:buSzPct val="85000"/>
+              <a:buFont typeface="Wingdings" pitchFamily="2" charset="2"/>
+              <a:buChar char="§"/>
+              <a:defRPr sz="1600" kern="1200">
+                <a:solidFill>
+                  <a:schemeClr val="tx1"/>
+                </a:solidFill>
+                <a:latin typeface="+mn-lt"/>
+                <a:ea typeface="+mn-ea"/>
+                <a:cs typeface="+mn-cs"/>
+              </a:defRPr>
+            </a:lvl8pPr>
+            <a:lvl9pPr marL="2500000" indent="-228600" algn="l" defTabSz="914400" rtl="0" eaLnBrk="1" latinLnBrk="0" hangingPunct="1">
+              <a:lnSpc>
+                <a:spcPct val="90000"/>
+              </a:lnSpc>
+              <a:spcBef>
+                <a:spcPts val="400"/>
+              </a:spcBef>
+              <a:spcAft>
+                <a:spcPts val="200"/>
+              </a:spcAft>
+              <a:buClr>
+                <a:schemeClr val="accent2"/>
+              </a:buClr>
+              <a:buSzPct val="85000"/>
+              <a:buFont typeface="Wingdings" pitchFamily="2" charset="2"/>
+              <a:buChar char="§"/>
+              <a:defRPr sz="1600" kern="1200">
+                <a:solidFill>
+                  <a:schemeClr val="tx1"/>
+                </a:solidFill>
+                <a:latin typeface="+mn-lt"/>
+                <a:ea typeface="+mn-ea"/>
+                <a:cs typeface="+mn-cs"/>
+              </a:defRPr>
+            </a:lvl9pPr>
+          </a:lstStyle>
+          <a:p>
+            <a:r>
+              <a:rPr lang="en-US" dirty="0"/>
+              <a:t>The PPG trend among defensemen is flatter, having no evident linear relationship with a player’s Draft Round</a:t>
             </a:r>
           </a:p>
         </p:txBody>
@@ -6323,6 +7913,41 @@
                                   </p:childTnLst>
                                 </p:cTn>
                               </p:par>
+                              <p:par>
+                                <p:cTn id="8" presetID="10" presetClass="entr" presetSubtype="0" fill="hold" grpId="0" nodeType="withEffect">
+                                  <p:stCondLst>
+                                    <p:cond delay="0"/>
+                                  </p:stCondLst>
+                                  <p:childTnLst>
+                                    <p:set>
+                                      <p:cBhvr>
+                                        <p:cTn id="9" dur="1" fill="hold">
+                                          <p:stCondLst>
+                                            <p:cond delay="0"/>
+                                          </p:stCondLst>
+                                        </p:cTn>
+                                        <p:tgtEl>
+                                          <p:spTgt spid="8"/>
+                                        </p:tgtEl>
+                                        <p:attrNameLst>
+                                          <p:attrName>style.visibility</p:attrName>
+                                        </p:attrNameLst>
+                                      </p:cBhvr>
+                                      <p:to>
+                                        <p:strVal val="visible"/>
+                                      </p:to>
+                                    </p:set>
+                                    <p:animEffect transition="in" filter="fade">
+                                      <p:cBhvr>
+                                        <p:cTn id="10" dur="500"/>
+                                        <p:tgtEl>
+                                          <p:spTgt spid="8"/>
+                                        </p:tgtEl>
+                                      </p:cBhvr>
+                                    </p:animEffect>
+                                  </p:childTnLst>
+                                </p:cTn>
+                              </p:par>
                             </p:childTnLst>
                           </p:cTn>
                         </p:par>
@@ -6330,26 +7955,26 @@
                     </p:cTn>
                   </p:par>
                   <p:par>
-                    <p:cTn id="8" fill="hold">
+                    <p:cTn id="11" fill="hold">
                       <p:stCondLst>
                         <p:cond delay="indefinite"/>
                       </p:stCondLst>
                       <p:childTnLst>
                         <p:par>
-                          <p:cTn id="9" fill="hold">
+                          <p:cTn id="12" fill="hold">
                             <p:stCondLst>
                               <p:cond delay="0"/>
                             </p:stCondLst>
                             <p:childTnLst>
                               <p:par>
-                                <p:cTn id="10" presetID="10" presetClass="entr" presetSubtype="0" fill="hold" nodeType="clickEffect">
+                                <p:cTn id="13" presetID="10" presetClass="entr" presetSubtype="0" fill="hold" nodeType="clickEffect">
                                   <p:stCondLst>
                                     <p:cond delay="0"/>
                                   </p:stCondLst>
                                   <p:childTnLst>
                                     <p:set>
                                       <p:cBhvr>
-                                        <p:cTn id="11" dur="1" fill="hold">
+                                        <p:cTn id="14" dur="1" fill="hold">
                                           <p:stCondLst>
                                             <p:cond delay="0"/>
                                           </p:stCondLst>
@@ -6367,9 +7992,44 @@
                                     </p:set>
                                     <p:animEffect transition="in" filter="fade">
                                       <p:cBhvr>
-                                        <p:cTn id="12" dur="500"/>
+                                        <p:cTn id="15" dur="500"/>
                                         <p:tgtEl>
                                           <p:spTgt spid="12"/>
+                                        </p:tgtEl>
+                                      </p:cBhvr>
+                                    </p:animEffect>
+                                  </p:childTnLst>
+                                </p:cTn>
+                              </p:par>
+                              <p:par>
+                                <p:cTn id="16" presetID="10" presetClass="entr" presetSubtype="0" fill="hold" grpId="0" nodeType="withEffect">
+                                  <p:stCondLst>
+                                    <p:cond delay="0"/>
+                                  </p:stCondLst>
+                                  <p:childTnLst>
+                                    <p:set>
+                                      <p:cBhvr>
+                                        <p:cTn id="17" dur="1" fill="hold">
+                                          <p:stCondLst>
+                                            <p:cond delay="0"/>
+                                          </p:stCondLst>
+                                        </p:cTn>
+                                        <p:tgtEl>
+                                          <p:spTgt spid="9"/>
+                                        </p:tgtEl>
+                                        <p:attrNameLst>
+                                          <p:attrName>style.visibility</p:attrName>
+                                        </p:attrNameLst>
+                                      </p:cBhvr>
+                                      <p:to>
+                                        <p:strVal val="visible"/>
+                                      </p:to>
+                                    </p:set>
+                                    <p:animEffect transition="in" filter="fade">
+                                      <p:cBhvr>
+                                        <p:cTn id="18" dur="500"/>
+                                        <p:tgtEl>
+                                          <p:spTgt spid="9"/>
                                         </p:tgtEl>
                                       </p:cBhvr>
                                     </p:animEffect>
@@ -6403,11 +8063,15 @@
         </p:cTn>
       </p:par>
     </p:tnLst>
+    <p:bldLst>
+      <p:bldP spid="8" grpId="0"/>
+      <p:bldP spid="9" grpId="0"/>
+    </p:bldLst>
   </p:timing>
 </p:sld>
 </file>
 
-<file path=ppt/slides/slide17.xml><?xml version="1.0" encoding="utf-8"?>
+<file path=ppt/slides/slide21.xml><?xml version="1.0" encoding="utf-8"?>
 <p:sld xmlns:a="http://schemas.openxmlformats.org/drawingml/2006/main" xmlns:r="http://schemas.openxmlformats.org/officeDocument/2006/relationships" xmlns:p="http://schemas.openxmlformats.org/presentationml/2006/main">
   <p:cSld>
     <p:spTree>
@@ -6480,19 +8144,19 @@
           <a:p>
             <a:r>
               <a:rPr lang="en-US" dirty="0"/>
-              <a:t>There are clearly, positive linear trends between a player’s cap hit and their PPG.</a:t>
+              <a:t>There are positive linear trends between a player’s cap hit and their PPG.</a:t>
             </a:r>
           </a:p>
           <a:p>
             <a:r>
               <a:rPr lang="en-US" dirty="0"/>
-              <a:t>As expected, forward have a higher average PPG than defensemen</a:t>
+              <a:t>As expected, forwards tend to have higher PPG averages than defensemen; this is also evident by the steeper slope of the Forward (blue) trend line</a:t>
             </a:r>
           </a:p>
           <a:p>
             <a:r>
               <a:rPr lang="en-US" dirty="0"/>
-              <a:t>There also appears to be less variability in the PPG vs. Cap Hit relationship among forwards compared to defensemen</a:t>
+              <a:t>There appears to be more variability in the PPG vs. Cap Hit relationship among defensemen compared to forwards</a:t>
             </a:r>
           </a:p>
         </p:txBody>
@@ -6552,7 +8216,7 @@
 </p:sld>
 </file>
 
-<file path=ppt/slides/slide18.xml><?xml version="1.0" encoding="utf-8"?>
+<file path=ppt/slides/slide22.xml><?xml version="1.0" encoding="utf-8"?>
 <p:sld xmlns:a="http://schemas.openxmlformats.org/drawingml/2006/main" xmlns:r="http://schemas.openxmlformats.org/officeDocument/2006/relationships" xmlns:p="http://schemas.openxmlformats.org/presentationml/2006/main">
   <p:cSld>
     <p:spTree>
@@ -6624,10 +8288,15 @@
           <a:lstStyle/>
           <a:p>
             <a:r>
-              <a:rPr lang="en-US" dirty="0" err="1"/>
-              <a:t>asdf</a:t>
-            </a:r>
-            <a:endParaRPr lang="en-US" dirty="0"/>
+              <a:rPr lang="en-US" dirty="0"/>
+              <a:t>Examining the relationship between Goals For and Goals Against can indicate how well a player is performing</a:t>
+            </a:r>
+          </a:p>
+          <a:p>
+            <a:r>
+              <a:rPr lang="en-US" dirty="0"/>
+              <a:t>Separating by Forwards vs. Defensemen, there is perhaps a slight difference in the trends, with the top D-men being on the ice for a slightly higher percentage of Goals For</a:t>
+            </a:r>
           </a:p>
         </p:txBody>
       </p:sp>
@@ -6686,7 +8355,7 @@
 </p:sld>
 </file>
 
-<file path=ppt/slides/slide19.xml><?xml version="1.0" encoding="utf-8"?>
+<file path=ppt/slides/slide23.xml><?xml version="1.0" encoding="utf-8"?>
 <p:sld xmlns:a="http://schemas.openxmlformats.org/drawingml/2006/main" xmlns:r="http://schemas.openxmlformats.org/officeDocument/2006/relationships" xmlns:p="http://schemas.openxmlformats.org/presentationml/2006/main">
   <p:cSld>
     <p:spTree>
@@ -6754,24 +8423,51 @@
           </a:xfrm>
         </p:spPr>
         <p:txBody>
-          <a:bodyPr/>
+          <a:bodyPr>
+            <a:normAutofit/>
+          </a:bodyPr>
           <a:lstStyle/>
           <a:p>
             <a:r>
               <a:rPr lang="en-US" dirty="0"/>
-              <a:t>Same data as the previous slide, but using </a:t>
-            </a:r>
-            <a:r>
-              <a:rPr lang="en-US" dirty="0" err="1"/>
-              <a:t>Plotly</a:t>
-            </a:r>
+              <a:t>Examining that trend on a standard scatterplot is interesting, but without labeling the dots, it’s not very helpful…</a:t>
+            </a:r>
+          </a:p>
+          <a:p>
             <a:endParaRPr lang="en-US" dirty="0"/>
+          </a:p>
+          <a:p>
+            <a:r>
+              <a:rPr lang="en-US" dirty="0"/>
+              <a:t>We </a:t>
+            </a:r>
+            <a:r>
+              <a:rPr lang="en-US" i="1" dirty="0"/>
+              <a:t>tried </a:t>
+            </a:r>
+            <a:r>
+              <a:rPr lang="en-US" dirty="0"/>
+              <a:t>using the </a:t>
+            </a:r>
+            <a:r>
+              <a:rPr lang="en-US" b="1" dirty="0" err="1"/>
+              <a:t>plotly</a:t>
+            </a:r>
+            <a:r>
+              <a:rPr lang="en-US" b="1" dirty="0"/>
+              <a:t> </a:t>
+            </a:r>
+            <a:r>
+              <a:rPr lang="en-US" dirty="0"/>
+              <a:t>library to create an interactive chart</a:t>
+            </a:r>
           </a:p>
         </p:txBody>
       </p:sp>
       <p:pic>
         <p:nvPicPr>
           <p:cNvPr id="12" name="Picture 11">
+            <a:hlinkClick r:id="rId3"/>
             <a:extLst>
               <a:ext uri="{FF2B5EF4-FFF2-40B4-BE49-F238E27FC236}">
                 <a16:creationId xmlns:a16="http://schemas.microsoft.com/office/drawing/2014/main" id="{B7FDF295-515C-4F59-B209-5BA2CD3A08EF}"/>
@@ -6784,7 +8480,7 @@
           <p:nvPr/>
         </p:nvPicPr>
         <p:blipFill>
-          <a:blip r:embed="rId3">
+          <a:blip r:embed="rId4">
             <a:extLst>
               <a:ext uri="{28A0092B-C50C-407E-A947-70E740481C1C}">
                 <a14:useLocalDpi xmlns:a14="http://schemas.microsoft.com/office/drawing/2010/main" val="0"/>
@@ -6830,264 +8526,7 @@
 </p:sld>
 </file>
 
-<file path=ppt/slides/slide2.xml><?xml version="1.0" encoding="utf-8"?>
-<p:sld xmlns:a="http://schemas.openxmlformats.org/drawingml/2006/main" xmlns:r="http://schemas.openxmlformats.org/officeDocument/2006/relationships" xmlns:p="http://schemas.openxmlformats.org/presentationml/2006/main">
-  <p:cSld>
-    <p:spTree>
-      <p:nvGrpSpPr>
-        <p:cNvPr id="1" name=""/>
-        <p:cNvGrpSpPr/>
-        <p:nvPr/>
-      </p:nvGrpSpPr>
-      <p:grpSpPr>
-        <a:xfrm>
-          <a:off x="0" y="0"/>
-          <a:ext cx="0" cy="0"/>
-          <a:chOff x="0" y="0"/>
-          <a:chExt cx="0" cy="0"/>
-        </a:xfrm>
-      </p:grpSpPr>
-      <p:sp>
-        <p:nvSpPr>
-          <p:cNvPr id="2" name="Title 1">
-            <a:extLst>
-              <a:ext uri="{FF2B5EF4-FFF2-40B4-BE49-F238E27FC236}">
-                <a16:creationId xmlns:a16="http://schemas.microsoft.com/office/drawing/2014/main" id="{57EDA6F7-08C8-4E8B-8EE6-4A46D6D22E61}"/>
-              </a:ext>
-            </a:extLst>
-          </p:cNvPr>
-          <p:cNvSpPr>
-            <a:spLocks noGrp="1"/>
-          </p:cNvSpPr>
-          <p:nvPr>
-            <p:ph type="title"/>
-          </p:nvPr>
-        </p:nvSpPr>
-        <p:spPr/>
-        <p:txBody>
-          <a:bodyPr/>
-          <a:lstStyle/>
-          <a:p>
-            <a:r>
-              <a:rPr lang="en-US" dirty="0"/>
-              <a:t>AGENDA</a:t>
-            </a:r>
-          </a:p>
-        </p:txBody>
-      </p:sp>
-      <p:sp>
-        <p:nvSpPr>
-          <p:cNvPr id="3" name="Content Placeholder 2">
-            <a:extLst>
-              <a:ext uri="{FF2B5EF4-FFF2-40B4-BE49-F238E27FC236}">
-                <a16:creationId xmlns:a16="http://schemas.microsoft.com/office/drawing/2014/main" id="{D4402552-6EC2-472B-BCAB-410755ED3ED5}"/>
-              </a:ext>
-            </a:extLst>
-          </p:cNvPr>
-          <p:cNvSpPr>
-            <a:spLocks noGrp="1"/>
-          </p:cNvSpPr>
-          <p:nvPr>
-            <p:ph idx="1"/>
-          </p:nvPr>
-        </p:nvSpPr>
-        <p:spPr/>
-        <p:txBody>
-          <a:bodyPr>
-            <a:normAutofit/>
-          </a:bodyPr>
-          <a:lstStyle/>
-          <a:p>
-            <a:r>
-              <a:rPr lang="en-US" dirty="0"/>
-              <a:t>Project Description</a:t>
-            </a:r>
-          </a:p>
-          <a:p>
-            <a:endParaRPr lang="en-US" dirty="0"/>
-          </a:p>
-          <a:p>
-            <a:r>
-              <a:rPr lang="en-US" dirty="0"/>
-              <a:t>Hockey 101</a:t>
-            </a:r>
-          </a:p>
-          <a:p>
-            <a:endParaRPr lang="en-US" dirty="0"/>
-          </a:p>
-          <a:p>
-            <a:r>
-              <a:rPr lang="en-US" dirty="0"/>
-              <a:t>Data Collection &amp; Validation</a:t>
-            </a:r>
-          </a:p>
-          <a:p>
-            <a:endParaRPr lang="en-US" dirty="0"/>
-          </a:p>
-          <a:p>
-            <a:r>
-              <a:rPr lang="en-US" dirty="0"/>
-              <a:t>Data Analysis</a:t>
-            </a:r>
-          </a:p>
-          <a:p>
-            <a:endParaRPr lang="en-US" dirty="0"/>
-          </a:p>
-          <a:p>
-            <a:r>
-              <a:rPr lang="en-US" dirty="0"/>
-              <a:t>Results</a:t>
-            </a:r>
-          </a:p>
-        </p:txBody>
-      </p:sp>
-    </p:spTree>
-    <p:extLst>
-      <p:ext uri="{BB962C8B-B14F-4D97-AF65-F5344CB8AC3E}">
-        <p14:creationId xmlns:p14="http://schemas.microsoft.com/office/powerpoint/2010/main" val="232729393"/>
-      </p:ext>
-    </p:extLst>
-  </p:cSld>
-  <p:clrMapOvr>
-    <a:masterClrMapping/>
-  </p:clrMapOvr>
-</p:sld>
-</file>
-
-<file path=ppt/slides/slide20.xml><?xml version="1.0" encoding="utf-8"?>
-<p:sld xmlns:a="http://schemas.openxmlformats.org/drawingml/2006/main" xmlns:r="http://schemas.openxmlformats.org/officeDocument/2006/relationships" xmlns:p="http://schemas.openxmlformats.org/presentationml/2006/main">
-  <p:cSld>
-    <p:spTree>
-      <p:nvGrpSpPr>
-        <p:cNvPr id="1" name=""/>
-        <p:cNvGrpSpPr/>
-        <p:nvPr/>
-      </p:nvGrpSpPr>
-      <p:grpSpPr>
-        <a:xfrm>
-          <a:off x="0" y="0"/>
-          <a:ext cx="0" cy="0"/>
-          <a:chOff x="0" y="0"/>
-          <a:chExt cx="0" cy="0"/>
-        </a:xfrm>
-      </p:grpSpPr>
-      <p:pic>
-        <p:nvPicPr>
-          <p:cNvPr id="6" name="Picture 5">
-            <a:extLst>
-              <a:ext uri="{FF2B5EF4-FFF2-40B4-BE49-F238E27FC236}">
-                <a16:creationId xmlns:a16="http://schemas.microsoft.com/office/drawing/2014/main" id="{E3B88800-FBC2-40D6-BC55-C92AA676DE58}"/>
-              </a:ext>
-            </a:extLst>
-          </p:cNvPr>
-          <p:cNvPicPr>
-            <a:picLocks noChangeAspect="1"/>
-          </p:cNvPicPr>
-          <p:nvPr/>
-        </p:nvPicPr>
-        <p:blipFill>
-          <a:blip r:embed="rId2"/>
-          <a:stretch>
-            <a:fillRect/>
-          </a:stretch>
-        </p:blipFill>
-        <p:spPr>
-          <a:xfrm>
-            <a:off x="685800" y="2194559"/>
-            <a:ext cx="5486400" cy="3754582"/>
-          </a:xfrm>
-          <a:prstGeom prst="rect">
-            <a:avLst/>
-          </a:prstGeom>
-          <a:ln w="19050">
-            <a:solidFill>
-              <a:schemeClr val="tx1"/>
-            </a:solidFill>
-          </a:ln>
-          <a:effectLst>
-            <a:outerShdw blurRad="50800" dist="38100" dir="2700000" algn="tl" rotWithShape="0">
-              <a:prstClr val="black">
-                <a:alpha val="40000"/>
-              </a:prstClr>
-            </a:outerShdw>
-          </a:effectLst>
-        </p:spPr>
-      </p:pic>
-      <p:sp>
-        <p:nvSpPr>
-          <p:cNvPr id="2" name="Title 1">
-            <a:extLst>
-              <a:ext uri="{FF2B5EF4-FFF2-40B4-BE49-F238E27FC236}">
-                <a16:creationId xmlns:a16="http://schemas.microsoft.com/office/drawing/2014/main" id="{B3AB90C6-0B17-4A5A-8E71-6FD690579406}"/>
-              </a:ext>
-            </a:extLst>
-          </p:cNvPr>
-          <p:cNvSpPr>
-            <a:spLocks noGrp="1"/>
-          </p:cNvSpPr>
-          <p:nvPr>
-            <p:ph type="title"/>
-          </p:nvPr>
-        </p:nvSpPr>
-        <p:spPr/>
-        <p:txBody>
-          <a:bodyPr/>
-          <a:lstStyle/>
-          <a:p>
-            <a:r>
-              <a:rPr lang="en-US" dirty="0"/>
-              <a:t>Dangerous Shots Against (D only)</a:t>
-            </a:r>
-          </a:p>
-        </p:txBody>
-      </p:sp>
-      <p:sp>
-        <p:nvSpPr>
-          <p:cNvPr id="4" name="Content Placeholder 3">
-            <a:extLst>
-              <a:ext uri="{FF2B5EF4-FFF2-40B4-BE49-F238E27FC236}">
-                <a16:creationId xmlns:a16="http://schemas.microsoft.com/office/drawing/2014/main" id="{F66033F3-5F16-4F57-A1FD-727E76310925}"/>
-              </a:ext>
-            </a:extLst>
-          </p:cNvPr>
-          <p:cNvSpPr>
-            <a:spLocks noGrp="1"/>
-          </p:cNvSpPr>
-          <p:nvPr>
-            <p:ph sz="half" idx="1"/>
-          </p:nvPr>
-        </p:nvSpPr>
-        <p:spPr>
-          <a:xfrm>
-            <a:off x="6364224" y="2194560"/>
-            <a:ext cx="4754880" cy="3977640"/>
-          </a:xfrm>
-        </p:spPr>
-        <p:txBody>
-          <a:bodyPr/>
-          <a:lstStyle/>
-          <a:p>
-            <a:r>
-              <a:rPr lang="en-US" dirty="0"/>
-              <a:t>Is there a relationship between team spending on defense and Dangerous Shots Against?</a:t>
-            </a:r>
-          </a:p>
-        </p:txBody>
-      </p:sp>
-    </p:spTree>
-    <p:extLst>
-      <p:ext uri="{BB962C8B-B14F-4D97-AF65-F5344CB8AC3E}">
-        <p14:creationId xmlns:p14="http://schemas.microsoft.com/office/powerpoint/2010/main" val="3454482143"/>
-      </p:ext>
-    </p:extLst>
-  </p:cSld>
-  <p:clrMapOvr>
-    <a:masterClrMapping/>
-  </p:clrMapOvr>
-</p:sld>
-</file>
-
-<file path=ppt/slides/slide21.xml><?xml version="1.0" encoding="utf-8"?>
+<file path=ppt/slides/slide24.xml><?xml version="1.0" encoding="utf-8"?>
 <p:sld xmlns:a="http://schemas.openxmlformats.org/drawingml/2006/main" xmlns:r="http://schemas.openxmlformats.org/officeDocument/2006/relationships" xmlns:p="http://schemas.openxmlformats.org/presentationml/2006/main">
   <p:cSld>
     <p:spTree>
@@ -7278,7 +8717,7 @@
         <p:spPr>
           <a:xfrm>
             <a:off x="6901202" y="2194559"/>
-            <a:ext cx="4754880" cy="3977640"/>
+            <a:ext cx="4754880" cy="959300"/>
           </a:xfrm>
         </p:spPr>
         <p:txBody>
@@ -7286,10 +8725,9 @@
           <a:lstStyle/>
           <a:p>
             <a:r>
-              <a:rPr lang="en-US" dirty="0" err="1"/>
-              <a:t>asdf</a:t>
-            </a:r>
-            <a:endParaRPr lang="en-US" dirty="0"/>
+              <a:rPr lang="en-US" dirty="0"/>
+              <a:t>Shooting the puck is key to scoring goals, but which type of shot is the most effective?</a:t>
+            </a:r>
           </a:p>
         </p:txBody>
       </p:sp>
@@ -7335,6 +8773,786 @@
           </a:effectLst>
         </p:spPr>
       </p:pic>
+      <p:sp>
+        <p:nvSpPr>
+          <p:cNvPr id="8" name="Content Placeholder 3">
+            <a:extLst>
+              <a:ext uri="{FF2B5EF4-FFF2-40B4-BE49-F238E27FC236}">
+                <a16:creationId xmlns:a16="http://schemas.microsoft.com/office/drawing/2014/main" id="{5E5DDB7E-FF61-41B7-8597-61CC54272D0C}"/>
+              </a:ext>
+            </a:extLst>
+          </p:cNvPr>
+          <p:cNvSpPr txBox="1">
+            <a:spLocks/>
+          </p:cNvSpPr>
+          <p:nvPr/>
+        </p:nvSpPr>
+        <p:spPr>
+          <a:xfrm>
+            <a:off x="6901202" y="3156208"/>
+            <a:ext cx="4754880" cy="769689"/>
+          </a:xfrm>
+          <a:prstGeom prst="rect">
+            <a:avLst/>
+          </a:prstGeom>
+        </p:spPr>
+        <p:txBody>
+          <a:bodyPr vert="horz" lIns="91440" tIns="45720" rIns="91440" bIns="45720" rtlCol="0">
+            <a:normAutofit/>
+          </a:bodyPr>
+          <a:lstStyle>
+            <a:lvl1pPr marL="182880" indent="-182880" algn="l" defTabSz="914400" rtl="0" eaLnBrk="1" latinLnBrk="0" hangingPunct="1">
+              <a:lnSpc>
+                <a:spcPct val="90000"/>
+              </a:lnSpc>
+              <a:spcBef>
+                <a:spcPts val="1200"/>
+              </a:spcBef>
+              <a:buClr>
+                <a:schemeClr val="accent2"/>
+              </a:buClr>
+              <a:buSzPct val="85000"/>
+              <a:buFont typeface="Wingdings" pitchFamily="2" charset="2"/>
+              <a:buChar char="§"/>
+              <a:defRPr sz="2000" kern="1200">
+                <a:solidFill>
+                  <a:schemeClr val="tx1"/>
+                </a:solidFill>
+                <a:latin typeface="+mn-lt"/>
+                <a:ea typeface="+mn-ea"/>
+                <a:cs typeface="+mn-cs"/>
+              </a:defRPr>
+            </a:lvl1pPr>
+            <a:lvl2pPr marL="457200" indent="-182880" algn="l" defTabSz="914400" rtl="0" eaLnBrk="1" latinLnBrk="0" hangingPunct="1">
+              <a:lnSpc>
+                <a:spcPct val="90000"/>
+              </a:lnSpc>
+              <a:spcBef>
+                <a:spcPts val="400"/>
+              </a:spcBef>
+              <a:spcAft>
+                <a:spcPts val="200"/>
+              </a:spcAft>
+              <a:buClr>
+                <a:schemeClr val="accent2"/>
+              </a:buClr>
+              <a:buSzPct val="85000"/>
+              <a:buFont typeface="Wingdings" pitchFamily="2" charset="2"/>
+              <a:buChar char="§"/>
+              <a:defRPr sz="1800" kern="1200">
+                <a:solidFill>
+                  <a:schemeClr val="tx1"/>
+                </a:solidFill>
+                <a:latin typeface="+mn-lt"/>
+                <a:ea typeface="+mn-ea"/>
+                <a:cs typeface="+mn-cs"/>
+              </a:defRPr>
+            </a:lvl2pPr>
+            <a:lvl3pPr marL="731520" indent="-182880" algn="l" defTabSz="914400" rtl="0" eaLnBrk="1" latinLnBrk="0" hangingPunct="1">
+              <a:lnSpc>
+                <a:spcPct val="90000"/>
+              </a:lnSpc>
+              <a:spcBef>
+                <a:spcPts val="400"/>
+              </a:spcBef>
+              <a:spcAft>
+                <a:spcPts val="200"/>
+              </a:spcAft>
+              <a:buClr>
+                <a:schemeClr val="accent2"/>
+              </a:buClr>
+              <a:buSzPct val="85000"/>
+              <a:buFont typeface="Wingdings" pitchFamily="2" charset="2"/>
+              <a:buChar char="§"/>
+              <a:defRPr sz="1600" kern="1200">
+                <a:solidFill>
+                  <a:schemeClr val="tx1"/>
+                </a:solidFill>
+                <a:latin typeface="+mn-lt"/>
+                <a:ea typeface="+mn-ea"/>
+                <a:cs typeface="+mn-cs"/>
+              </a:defRPr>
+            </a:lvl3pPr>
+            <a:lvl4pPr marL="1005840" indent="-182880" algn="l" defTabSz="914400" rtl="0" eaLnBrk="1" latinLnBrk="0" hangingPunct="1">
+              <a:lnSpc>
+                <a:spcPct val="90000"/>
+              </a:lnSpc>
+              <a:spcBef>
+                <a:spcPts val="400"/>
+              </a:spcBef>
+              <a:spcAft>
+                <a:spcPts val="200"/>
+              </a:spcAft>
+              <a:buClr>
+                <a:schemeClr val="accent2"/>
+              </a:buClr>
+              <a:buSzPct val="85000"/>
+              <a:buFont typeface="Wingdings" pitchFamily="2" charset="2"/>
+              <a:buChar char="§"/>
+              <a:defRPr sz="1600" kern="1200">
+                <a:solidFill>
+                  <a:schemeClr val="tx1"/>
+                </a:solidFill>
+                <a:latin typeface="+mn-lt"/>
+                <a:ea typeface="+mn-ea"/>
+                <a:cs typeface="+mn-cs"/>
+              </a:defRPr>
+            </a:lvl4pPr>
+            <a:lvl5pPr marL="1280160" indent="-182880" algn="l" defTabSz="914400" rtl="0" eaLnBrk="1" latinLnBrk="0" hangingPunct="1">
+              <a:lnSpc>
+                <a:spcPct val="90000"/>
+              </a:lnSpc>
+              <a:spcBef>
+                <a:spcPts val="400"/>
+              </a:spcBef>
+              <a:spcAft>
+                <a:spcPts val="200"/>
+              </a:spcAft>
+              <a:buClr>
+                <a:schemeClr val="accent2"/>
+              </a:buClr>
+              <a:buSzPct val="85000"/>
+              <a:buFont typeface="Wingdings" pitchFamily="2" charset="2"/>
+              <a:buChar char="§"/>
+              <a:defRPr sz="1600" kern="1200">
+                <a:solidFill>
+                  <a:schemeClr val="tx1"/>
+                </a:solidFill>
+                <a:latin typeface="+mn-lt"/>
+                <a:ea typeface="+mn-ea"/>
+                <a:cs typeface="+mn-cs"/>
+              </a:defRPr>
+            </a:lvl5pPr>
+            <a:lvl6pPr marL="1600000" indent="-228600" algn="l" defTabSz="914400" rtl="0" eaLnBrk="1" latinLnBrk="0" hangingPunct="1">
+              <a:lnSpc>
+                <a:spcPct val="90000"/>
+              </a:lnSpc>
+              <a:spcBef>
+                <a:spcPts val="400"/>
+              </a:spcBef>
+              <a:spcAft>
+                <a:spcPts val="200"/>
+              </a:spcAft>
+              <a:buClr>
+                <a:schemeClr val="accent2"/>
+              </a:buClr>
+              <a:buSzPct val="85000"/>
+              <a:buFont typeface="Wingdings" pitchFamily="2" charset="2"/>
+              <a:buChar char="§"/>
+              <a:defRPr sz="1600" kern="1200">
+                <a:solidFill>
+                  <a:schemeClr val="tx1"/>
+                </a:solidFill>
+                <a:latin typeface="+mn-lt"/>
+                <a:ea typeface="+mn-ea"/>
+                <a:cs typeface="+mn-cs"/>
+              </a:defRPr>
+            </a:lvl6pPr>
+            <a:lvl7pPr marL="1900000" indent="-228600" algn="l" defTabSz="914400" rtl="0" eaLnBrk="1" latinLnBrk="0" hangingPunct="1">
+              <a:lnSpc>
+                <a:spcPct val="90000"/>
+              </a:lnSpc>
+              <a:spcBef>
+                <a:spcPts val="400"/>
+              </a:spcBef>
+              <a:spcAft>
+                <a:spcPts val="200"/>
+              </a:spcAft>
+              <a:buClr>
+                <a:schemeClr val="accent2"/>
+              </a:buClr>
+              <a:buSzPct val="85000"/>
+              <a:buFont typeface="Wingdings" pitchFamily="2" charset="2"/>
+              <a:buChar char="§"/>
+              <a:defRPr sz="1600" kern="1200">
+                <a:solidFill>
+                  <a:schemeClr val="tx1"/>
+                </a:solidFill>
+                <a:latin typeface="+mn-lt"/>
+                <a:ea typeface="+mn-ea"/>
+                <a:cs typeface="+mn-cs"/>
+              </a:defRPr>
+            </a:lvl7pPr>
+            <a:lvl8pPr marL="2200000" indent="-228600" algn="l" defTabSz="914400" rtl="0" eaLnBrk="1" latinLnBrk="0" hangingPunct="1">
+              <a:lnSpc>
+                <a:spcPct val="90000"/>
+              </a:lnSpc>
+              <a:spcBef>
+                <a:spcPts val="400"/>
+              </a:spcBef>
+              <a:spcAft>
+                <a:spcPts val="200"/>
+              </a:spcAft>
+              <a:buClr>
+                <a:schemeClr val="accent2"/>
+              </a:buClr>
+              <a:buSzPct val="85000"/>
+              <a:buFont typeface="Wingdings" pitchFamily="2" charset="2"/>
+              <a:buChar char="§"/>
+              <a:defRPr sz="1600" kern="1200">
+                <a:solidFill>
+                  <a:schemeClr val="tx1"/>
+                </a:solidFill>
+                <a:latin typeface="+mn-lt"/>
+                <a:ea typeface="+mn-ea"/>
+                <a:cs typeface="+mn-cs"/>
+              </a:defRPr>
+            </a:lvl8pPr>
+            <a:lvl9pPr marL="2500000" indent="-228600" algn="l" defTabSz="914400" rtl="0" eaLnBrk="1" latinLnBrk="0" hangingPunct="1">
+              <a:lnSpc>
+                <a:spcPct val="90000"/>
+              </a:lnSpc>
+              <a:spcBef>
+                <a:spcPts val="400"/>
+              </a:spcBef>
+              <a:spcAft>
+                <a:spcPts val="200"/>
+              </a:spcAft>
+              <a:buClr>
+                <a:schemeClr val="accent2"/>
+              </a:buClr>
+              <a:buSzPct val="85000"/>
+              <a:buFont typeface="Wingdings" pitchFamily="2" charset="2"/>
+              <a:buChar char="§"/>
+              <a:defRPr sz="1600" kern="1200">
+                <a:solidFill>
+                  <a:schemeClr val="tx1"/>
+                </a:solidFill>
+                <a:latin typeface="+mn-lt"/>
+                <a:ea typeface="+mn-ea"/>
+                <a:cs typeface="+mn-cs"/>
+              </a:defRPr>
+            </a:lvl9pPr>
+          </a:lstStyle>
+          <a:p>
+            <a:r>
+              <a:rPr lang="en-US" dirty="0"/>
+              <a:t>More goals have been scored via wrist shots than any other type…</a:t>
+            </a:r>
+          </a:p>
+        </p:txBody>
+      </p:sp>
+      <p:sp>
+        <p:nvSpPr>
+          <p:cNvPr id="10" name="Content Placeholder 3">
+            <a:extLst>
+              <a:ext uri="{FF2B5EF4-FFF2-40B4-BE49-F238E27FC236}">
+                <a16:creationId xmlns:a16="http://schemas.microsoft.com/office/drawing/2014/main" id="{F8007A42-750F-432D-9BE0-7B1766006C18}"/>
+              </a:ext>
+            </a:extLst>
+          </p:cNvPr>
+          <p:cNvSpPr txBox="1">
+            <a:spLocks/>
+          </p:cNvSpPr>
+          <p:nvPr/>
+        </p:nvSpPr>
+        <p:spPr>
+          <a:xfrm>
+            <a:off x="6901202" y="3878054"/>
+            <a:ext cx="4754880" cy="769689"/>
+          </a:xfrm>
+          <a:prstGeom prst="rect">
+            <a:avLst/>
+          </a:prstGeom>
+        </p:spPr>
+        <p:txBody>
+          <a:bodyPr vert="horz" lIns="91440" tIns="45720" rIns="91440" bIns="45720" rtlCol="0">
+            <a:normAutofit/>
+          </a:bodyPr>
+          <a:lstStyle>
+            <a:lvl1pPr marL="182880" indent="-182880" algn="l" defTabSz="914400" rtl="0" eaLnBrk="1" latinLnBrk="0" hangingPunct="1">
+              <a:lnSpc>
+                <a:spcPct val="90000"/>
+              </a:lnSpc>
+              <a:spcBef>
+                <a:spcPts val="1200"/>
+              </a:spcBef>
+              <a:buClr>
+                <a:schemeClr val="accent2"/>
+              </a:buClr>
+              <a:buSzPct val="85000"/>
+              <a:buFont typeface="Wingdings" pitchFamily="2" charset="2"/>
+              <a:buChar char="§"/>
+              <a:defRPr sz="2000" kern="1200">
+                <a:solidFill>
+                  <a:schemeClr val="tx1"/>
+                </a:solidFill>
+                <a:latin typeface="+mn-lt"/>
+                <a:ea typeface="+mn-ea"/>
+                <a:cs typeface="+mn-cs"/>
+              </a:defRPr>
+            </a:lvl1pPr>
+            <a:lvl2pPr marL="457200" indent="-182880" algn="l" defTabSz="914400" rtl="0" eaLnBrk="1" latinLnBrk="0" hangingPunct="1">
+              <a:lnSpc>
+                <a:spcPct val="90000"/>
+              </a:lnSpc>
+              <a:spcBef>
+                <a:spcPts val="400"/>
+              </a:spcBef>
+              <a:spcAft>
+                <a:spcPts val="200"/>
+              </a:spcAft>
+              <a:buClr>
+                <a:schemeClr val="accent2"/>
+              </a:buClr>
+              <a:buSzPct val="85000"/>
+              <a:buFont typeface="Wingdings" pitchFamily="2" charset="2"/>
+              <a:buChar char="§"/>
+              <a:defRPr sz="1800" kern="1200">
+                <a:solidFill>
+                  <a:schemeClr val="tx1"/>
+                </a:solidFill>
+                <a:latin typeface="+mn-lt"/>
+                <a:ea typeface="+mn-ea"/>
+                <a:cs typeface="+mn-cs"/>
+              </a:defRPr>
+            </a:lvl2pPr>
+            <a:lvl3pPr marL="731520" indent="-182880" algn="l" defTabSz="914400" rtl="0" eaLnBrk="1" latinLnBrk="0" hangingPunct="1">
+              <a:lnSpc>
+                <a:spcPct val="90000"/>
+              </a:lnSpc>
+              <a:spcBef>
+                <a:spcPts val="400"/>
+              </a:spcBef>
+              <a:spcAft>
+                <a:spcPts val="200"/>
+              </a:spcAft>
+              <a:buClr>
+                <a:schemeClr val="accent2"/>
+              </a:buClr>
+              <a:buSzPct val="85000"/>
+              <a:buFont typeface="Wingdings" pitchFamily="2" charset="2"/>
+              <a:buChar char="§"/>
+              <a:defRPr sz="1600" kern="1200">
+                <a:solidFill>
+                  <a:schemeClr val="tx1"/>
+                </a:solidFill>
+                <a:latin typeface="+mn-lt"/>
+                <a:ea typeface="+mn-ea"/>
+                <a:cs typeface="+mn-cs"/>
+              </a:defRPr>
+            </a:lvl3pPr>
+            <a:lvl4pPr marL="1005840" indent="-182880" algn="l" defTabSz="914400" rtl="0" eaLnBrk="1" latinLnBrk="0" hangingPunct="1">
+              <a:lnSpc>
+                <a:spcPct val="90000"/>
+              </a:lnSpc>
+              <a:spcBef>
+                <a:spcPts val="400"/>
+              </a:spcBef>
+              <a:spcAft>
+                <a:spcPts val="200"/>
+              </a:spcAft>
+              <a:buClr>
+                <a:schemeClr val="accent2"/>
+              </a:buClr>
+              <a:buSzPct val="85000"/>
+              <a:buFont typeface="Wingdings" pitchFamily="2" charset="2"/>
+              <a:buChar char="§"/>
+              <a:defRPr sz="1600" kern="1200">
+                <a:solidFill>
+                  <a:schemeClr val="tx1"/>
+                </a:solidFill>
+                <a:latin typeface="+mn-lt"/>
+                <a:ea typeface="+mn-ea"/>
+                <a:cs typeface="+mn-cs"/>
+              </a:defRPr>
+            </a:lvl4pPr>
+            <a:lvl5pPr marL="1280160" indent="-182880" algn="l" defTabSz="914400" rtl="0" eaLnBrk="1" latinLnBrk="0" hangingPunct="1">
+              <a:lnSpc>
+                <a:spcPct val="90000"/>
+              </a:lnSpc>
+              <a:spcBef>
+                <a:spcPts val="400"/>
+              </a:spcBef>
+              <a:spcAft>
+                <a:spcPts val="200"/>
+              </a:spcAft>
+              <a:buClr>
+                <a:schemeClr val="accent2"/>
+              </a:buClr>
+              <a:buSzPct val="85000"/>
+              <a:buFont typeface="Wingdings" pitchFamily="2" charset="2"/>
+              <a:buChar char="§"/>
+              <a:defRPr sz="1600" kern="1200">
+                <a:solidFill>
+                  <a:schemeClr val="tx1"/>
+                </a:solidFill>
+                <a:latin typeface="+mn-lt"/>
+                <a:ea typeface="+mn-ea"/>
+                <a:cs typeface="+mn-cs"/>
+              </a:defRPr>
+            </a:lvl5pPr>
+            <a:lvl6pPr marL="1600000" indent="-228600" algn="l" defTabSz="914400" rtl="0" eaLnBrk="1" latinLnBrk="0" hangingPunct="1">
+              <a:lnSpc>
+                <a:spcPct val="90000"/>
+              </a:lnSpc>
+              <a:spcBef>
+                <a:spcPts val="400"/>
+              </a:spcBef>
+              <a:spcAft>
+                <a:spcPts val="200"/>
+              </a:spcAft>
+              <a:buClr>
+                <a:schemeClr val="accent2"/>
+              </a:buClr>
+              <a:buSzPct val="85000"/>
+              <a:buFont typeface="Wingdings" pitchFamily="2" charset="2"/>
+              <a:buChar char="§"/>
+              <a:defRPr sz="1600" kern="1200">
+                <a:solidFill>
+                  <a:schemeClr val="tx1"/>
+                </a:solidFill>
+                <a:latin typeface="+mn-lt"/>
+                <a:ea typeface="+mn-ea"/>
+                <a:cs typeface="+mn-cs"/>
+              </a:defRPr>
+            </a:lvl6pPr>
+            <a:lvl7pPr marL="1900000" indent="-228600" algn="l" defTabSz="914400" rtl="0" eaLnBrk="1" latinLnBrk="0" hangingPunct="1">
+              <a:lnSpc>
+                <a:spcPct val="90000"/>
+              </a:lnSpc>
+              <a:spcBef>
+                <a:spcPts val="400"/>
+              </a:spcBef>
+              <a:spcAft>
+                <a:spcPts val="200"/>
+              </a:spcAft>
+              <a:buClr>
+                <a:schemeClr val="accent2"/>
+              </a:buClr>
+              <a:buSzPct val="85000"/>
+              <a:buFont typeface="Wingdings" pitchFamily="2" charset="2"/>
+              <a:buChar char="§"/>
+              <a:defRPr sz="1600" kern="1200">
+                <a:solidFill>
+                  <a:schemeClr val="tx1"/>
+                </a:solidFill>
+                <a:latin typeface="+mn-lt"/>
+                <a:ea typeface="+mn-ea"/>
+                <a:cs typeface="+mn-cs"/>
+              </a:defRPr>
+            </a:lvl7pPr>
+            <a:lvl8pPr marL="2200000" indent="-228600" algn="l" defTabSz="914400" rtl="0" eaLnBrk="1" latinLnBrk="0" hangingPunct="1">
+              <a:lnSpc>
+                <a:spcPct val="90000"/>
+              </a:lnSpc>
+              <a:spcBef>
+                <a:spcPts val="400"/>
+              </a:spcBef>
+              <a:spcAft>
+                <a:spcPts val="200"/>
+              </a:spcAft>
+              <a:buClr>
+                <a:schemeClr val="accent2"/>
+              </a:buClr>
+              <a:buSzPct val="85000"/>
+              <a:buFont typeface="Wingdings" pitchFamily="2" charset="2"/>
+              <a:buChar char="§"/>
+              <a:defRPr sz="1600" kern="1200">
+                <a:solidFill>
+                  <a:schemeClr val="tx1"/>
+                </a:solidFill>
+                <a:latin typeface="+mn-lt"/>
+                <a:ea typeface="+mn-ea"/>
+                <a:cs typeface="+mn-cs"/>
+              </a:defRPr>
+            </a:lvl8pPr>
+            <a:lvl9pPr marL="2500000" indent="-228600" algn="l" defTabSz="914400" rtl="0" eaLnBrk="1" latinLnBrk="0" hangingPunct="1">
+              <a:lnSpc>
+                <a:spcPct val="90000"/>
+              </a:lnSpc>
+              <a:spcBef>
+                <a:spcPts val="400"/>
+              </a:spcBef>
+              <a:spcAft>
+                <a:spcPts val="200"/>
+              </a:spcAft>
+              <a:buClr>
+                <a:schemeClr val="accent2"/>
+              </a:buClr>
+              <a:buSzPct val="85000"/>
+              <a:buFont typeface="Wingdings" pitchFamily="2" charset="2"/>
+              <a:buChar char="§"/>
+              <a:defRPr sz="1600" kern="1200">
+                <a:solidFill>
+                  <a:schemeClr val="tx1"/>
+                </a:solidFill>
+                <a:latin typeface="+mn-lt"/>
+                <a:ea typeface="+mn-ea"/>
+                <a:cs typeface="+mn-cs"/>
+              </a:defRPr>
+            </a:lvl9pPr>
+          </a:lstStyle>
+          <a:p>
+            <a:r>
+              <a:rPr lang="en-US" dirty="0"/>
+              <a:t>But it is also the most common type of shot taken by far</a:t>
+            </a:r>
+          </a:p>
+        </p:txBody>
+      </p:sp>
+      <p:sp>
+        <p:nvSpPr>
+          <p:cNvPr id="12" name="Content Placeholder 3">
+            <a:extLst>
+              <a:ext uri="{FF2B5EF4-FFF2-40B4-BE49-F238E27FC236}">
+                <a16:creationId xmlns:a16="http://schemas.microsoft.com/office/drawing/2014/main" id="{816A0C7E-DBB0-4434-AD67-07BE04CA9C21}"/>
+              </a:ext>
+            </a:extLst>
+          </p:cNvPr>
+          <p:cNvSpPr txBox="1">
+            <a:spLocks/>
+          </p:cNvSpPr>
+          <p:nvPr/>
+        </p:nvSpPr>
+        <p:spPr>
+          <a:xfrm>
+            <a:off x="6901201" y="4647742"/>
+            <a:ext cx="4754880" cy="1676401"/>
+          </a:xfrm>
+          <a:prstGeom prst="rect">
+            <a:avLst/>
+          </a:prstGeom>
+        </p:spPr>
+        <p:txBody>
+          <a:bodyPr vert="horz" lIns="91440" tIns="45720" rIns="91440" bIns="45720" rtlCol="0">
+            <a:normAutofit/>
+          </a:bodyPr>
+          <a:lstStyle>
+            <a:lvl1pPr marL="182880" indent="-182880" algn="l" defTabSz="914400" rtl="0" eaLnBrk="1" latinLnBrk="0" hangingPunct="1">
+              <a:lnSpc>
+                <a:spcPct val="90000"/>
+              </a:lnSpc>
+              <a:spcBef>
+                <a:spcPts val="1200"/>
+              </a:spcBef>
+              <a:buClr>
+                <a:schemeClr val="accent2"/>
+              </a:buClr>
+              <a:buSzPct val="85000"/>
+              <a:buFont typeface="Wingdings" pitchFamily="2" charset="2"/>
+              <a:buChar char="§"/>
+              <a:defRPr sz="2000" kern="1200">
+                <a:solidFill>
+                  <a:schemeClr val="tx1"/>
+                </a:solidFill>
+                <a:latin typeface="+mn-lt"/>
+                <a:ea typeface="+mn-ea"/>
+                <a:cs typeface="+mn-cs"/>
+              </a:defRPr>
+            </a:lvl1pPr>
+            <a:lvl2pPr marL="457200" indent="-182880" algn="l" defTabSz="914400" rtl="0" eaLnBrk="1" latinLnBrk="0" hangingPunct="1">
+              <a:lnSpc>
+                <a:spcPct val="90000"/>
+              </a:lnSpc>
+              <a:spcBef>
+                <a:spcPts val="400"/>
+              </a:spcBef>
+              <a:spcAft>
+                <a:spcPts val="200"/>
+              </a:spcAft>
+              <a:buClr>
+                <a:schemeClr val="accent2"/>
+              </a:buClr>
+              <a:buSzPct val="85000"/>
+              <a:buFont typeface="Wingdings" pitchFamily="2" charset="2"/>
+              <a:buChar char="§"/>
+              <a:defRPr sz="1800" kern="1200">
+                <a:solidFill>
+                  <a:schemeClr val="tx1"/>
+                </a:solidFill>
+                <a:latin typeface="+mn-lt"/>
+                <a:ea typeface="+mn-ea"/>
+                <a:cs typeface="+mn-cs"/>
+              </a:defRPr>
+            </a:lvl2pPr>
+            <a:lvl3pPr marL="731520" indent="-182880" algn="l" defTabSz="914400" rtl="0" eaLnBrk="1" latinLnBrk="0" hangingPunct="1">
+              <a:lnSpc>
+                <a:spcPct val="90000"/>
+              </a:lnSpc>
+              <a:spcBef>
+                <a:spcPts val="400"/>
+              </a:spcBef>
+              <a:spcAft>
+                <a:spcPts val="200"/>
+              </a:spcAft>
+              <a:buClr>
+                <a:schemeClr val="accent2"/>
+              </a:buClr>
+              <a:buSzPct val="85000"/>
+              <a:buFont typeface="Wingdings" pitchFamily="2" charset="2"/>
+              <a:buChar char="§"/>
+              <a:defRPr sz="1600" kern="1200">
+                <a:solidFill>
+                  <a:schemeClr val="tx1"/>
+                </a:solidFill>
+                <a:latin typeface="+mn-lt"/>
+                <a:ea typeface="+mn-ea"/>
+                <a:cs typeface="+mn-cs"/>
+              </a:defRPr>
+            </a:lvl3pPr>
+            <a:lvl4pPr marL="1005840" indent="-182880" algn="l" defTabSz="914400" rtl="0" eaLnBrk="1" latinLnBrk="0" hangingPunct="1">
+              <a:lnSpc>
+                <a:spcPct val="90000"/>
+              </a:lnSpc>
+              <a:spcBef>
+                <a:spcPts val="400"/>
+              </a:spcBef>
+              <a:spcAft>
+                <a:spcPts val="200"/>
+              </a:spcAft>
+              <a:buClr>
+                <a:schemeClr val="accent2"/>
+              </a:buClr>
+              <a:buSzPct val="85000"/>
+              <a:buFont typeface="Wingdings" pitchFamily="2" charset="2"/>
+              <a:buChar char="§"/>
+              <a:defRPr sz="1600" kern="1200">
+                <a:solidFill>
+                  <a:schemeClr val="tx1"/>
+                </a:solidFill>
+                <a:latin typeface="+mn-lt"/>
+                <a:ea typeface="+mn-ea"/>
+                <a:cs typeface="+mn-cs"/>
+              </a:defRPr>
+            </a:lvl4pPr>
+            <a:lvl5pPr marL="1280160" indent="-182880" algn="l" defTabSz="914400" rtl="0" eaLnBrk="1" latinLnBrk="0" hangingPunct="1">
+              <a:lnSpc>
+                <a:spcPct val="90000"/>
+              </a:lnSpc>
+              <a:spcBef>
+                <a:spcPts val="400"/>
+              </a:spcBef>
+              <a:spcAft>
+                <a:spcPts val="200"/>
+              </a:spcAft>
+              <a:buClr>
+                <a:schemeClr val="accent2"/>
+              </a:buClr>
+              <a:buSzPct val="85000"/>
+              <a:buFont typeface="Wingdings" pitchFamily="2" charset="2"/>
+              <a:buChar char="§"/>
+              <a:defRPr sz="1600" kern="1200">
+                <a:solidFill>
+                  <a:schemeClr val="tx1"/>
+                </a:solidFill>
+                <a:latin typeface="+mn-lt"/>
+                <a:ea typeface="+mn-ea"/>
+                <a:cs typeface="+mn-cs"/>
+              </a:defRPr>
+            </a:lvl5pPr>
+            <a:lvl6pPr marL="1600000" indent="-228600" algn="l" defTabSz="914400" rtl="0" eaLnBrk="1" latinLnBrk="0" hangingPunct="1">
+              <a:lnSpc>
+                <a:spcPct val="90000"/>
+              </a:lnSpc>
+              <a:spcBef>
+                <a:spcPts val="400"/>
+              </a:spcBef>
+              <a:spcAft>
+                <a:spcPts val="200"/>
+              </a:spcAft>
+              <a:buClr>
+                <a:schemeClr val="accent2"/>
+              </a:buClr>
+              <a:buSzPct val="85000"/>
+              <a:buFont typeface="Wingdings" pitchFamily="2" charset="2"/>
+              <a:buChar char="§"/>
+              <a:defRPr sz="1600" kern="1200">
+                <a:solidFill>
+                  <a:schemeClr val="tx1"/>
+                </a:solidFill>
+                <a:latin typeface="+mn-lt"/>
+                <a:ea typeface="+mn-ea"/>
+                <a:cs typeface="+mn-cs"/>
+              </a:defRPr>
+            </a:lvl6pPr>
+            <a:lvl7pPr marL="1900000" indent="-228600" algn="l" defTabSz="914400" rtl="0" eaLnBrk="1" latinLnBrk="0" hangingPunct="1">
+              <a:lnSpc>
+                <a:spcPct val="90000"/>
+              </a:lnSpc>
+              <a:spcBef>
+                <a:spcPts val="400"/>
+              </a:spcBef>
+              <a:spcAft>
+                <a:spcPts val="200"/>
+              </a:spcAft>
+              <a:buClr>
+                <a:schemeClr val="accent2"/>
+              </a:buClr>
+              <a:buSzPct val="85000"/>
+              <a:buFont typeface="Wingdings" pitchFamily="2" charset="2"/>
+              <a:buChar char="§"/>
+              <a:defRPr sz="1600" kern="1200">
+                <a:solidFill>
+                  <a:schemeClr val="tx1"/>
+                </a:solidFill>
+                <a:latin typeface="+mn-lt"/>
+                <a:ea typeface="+mn-ea"/>
+                <a:cs typeface="+mn-cs"/>
+              </a:defRPr>
+            </a:lvl7pPr>
+            <a:lvl8pPr marL="2200000" indent="-228600" algn="l" defTabSz="914400" rtl="0" eaLnBrk="1" latinLnBrk="0" hangingPunct="1">
+              <a:lnSpc>
+                <a:spcPct val="90000"/>
+              </a:lnSpc>
+              <a:spcBef>
+                <a:spcPts val="400"/>
+              </a:spcBef>
+              <a:spcAft>
+                <a:spcPts val="200"/>
+              </a:spcAft>
+              <a:buClr>
+                <a:schemeClr val="accent2"/>
+              </a:buClr>
+              <a:buSzPct val="85000"/>
+              <a:buFont typeface="Wingdings" pitchFamily="2" charset="2"/>
+              <a:buChar char="§"/>
+              <a:defRPr sz="1600" kern="1200">
+                <a:solidFill>
+                  <a:schemeClr val="tx1"/>
+                </a:solidFill>
+                <a:latin typeface="+mn-lt"/>
+                <a:ea typeface="+mn-ea"/>
+                <a:cs typeface="+mn-cs"/>
+              </a:defRPr>
+            </a:lvl8pPr>
+            <a:lvl9pPr marL="2500000" indent="-228600" algn="l" defTabSz="914400" rtl="0" eaLnBrk="1" latinLnBrk="0" hangingPunct="1">
+              <a:lnSpc>
+                <a:spcPct val="90000"/>
+              </a:lnSpc>
+              <a:spcBef>
+                <a:spcPts val="400"/>
+              </a:spcBef>
+              <a:spcAft>
+                <a:spcPts val="200"/>
+              </a:spcAft>
+              <a:buClr>
+                <a:schemeClr val="accent2"/>
+              </a:buClr>
+              <a:buSzPct val="85000"/>
+              <a:buFont typeface="Wingdings" pitchFamily="2" charset="2"/>
+              <a:buChar char="§"/>
+              <a:defRPr sz="1600" kern="1200">
+                <a:solidFill>
+                  <a:schemeClr val="tx1"/>
+                </a:solidFill>
+                <a:latin typeface="+mn-lt"/>
+                <a:ea typeface="+mn-ea"/>
+                <a:cs typeface="+mn-cs"/>
+              </a:defRPr>
+            </a:lvl9pPr>
+          </a:lstStyle>
+          <a:p>
+            <a:r>
+              <a:rPr lang="en-US" dirty="0"/>
+              <a:t>Looking at the scoring percentage, we can see that Deflections are the most efficient shot.</a:t>
+            </a:r>
+          </a:p>
+          <a:p>
+            <a:endParaRPr lang="en-US" dirty="0"/>
+          </a:p>
+        </p:txBody>
+      </p:sp>
     </p:spTree>
     <p:extLst>
       <p:ext uri="{BB962C8B-B14F-4D97-AF65-F5344CB8AC3E}">
@@ -7366,7 +9584,7 @@
                             </p:stCondLst>
                             <p:childTnLst>
                               <p:par>
-                                <p:cTn id="5" presetID="10" presetClass="entr" presetSubtype="0" fill="hold" nodeType="clickEffect">
+                                <p:cTn id="5" presetID="10" presetClass="entr" presetSubtype="0" fill="hold" grpId="0" nodeType="clickEffect">
                                   <p:stCondLst>
                                     <p:cond delay="0"/>
                                   </p:stCondLst>
@@ -7379,7 +9597,7 @@
                                           </p:stCondLst>
                                         </p:cTn>
                                         <p:tgtEl>
-                                          <p:spTgt spid="9"/>
+                                          <p:spTgt spid="8"/>
                                         </p:tgtEl>
                                         <p:attrNameLst>
                                           <p:attrName>style.visibility</p:attrName>
@@ -7393,7 +9611,7 @@
                                       <p:cBhvr>
                                         <p:cTn id="7" dur="500"/>
                                         <p:tgtEl>
-                                          <p:spTgt spid="9"/>
+                                          <p:spTgt spid="8"/>
                                         </p:tgtEl>
                                       </p:cBhvr>
                                     </p:animEffect>
@@ -7432,6 +9650,94 @@
                                           </p:stCondLst>
                                         </p:cTn>
                                         <p:tgtEl>
+                                          <p:spTgt spid="9"/>
+                                        </p:tgtEl>
+                                        <p:attrNameLst>
+                                          <p:attrName>style.visibility</p:attrName>
+                                        </p:attrNameLst>
+                                      </p:cBhvr>
+                                      <p:to>
+                                        <p:strVal val="visible"/>
+                                      </p:to>
+                                    </p:set>
+                                    <p:animEffect transition="in" filter="fade">
+                                      <p:cBhvr>
+                                        <p:cTn id="12" dur="500"/>
+                                        <p:tgtEl>
+                                          <p:spTgt spid="9"/>
+                                        </p:tgtEl>
+                                      </p:cBhvr>
+                                    </p:animEffect>
+                                  </p:childTnLst>
+                                </p:cTn>
+                              </p:par>
+                              <p:par>
+                                <p:cTn id="13" presetID="10" presetClass="entr" presetSubtype="0" fill="hold" grpId="0" nodeType="withEffect">
+                                  <p:stCondLst>
+                                    <p:cond delay="0"/>
+                                  </p:stCondLst>
+                                  <p:childTnLst>
+                                    <p:set>
+                                      <p:cBhvr>
+                                        <p:cTn id="14" dur="1" fill="hold">
+                                          <p:stCondLst>
+                                            <p:cond delay="0"/>
+                                          </p:stCondLst>
+                                        </p:cTn>
+                                        <p:tgtEl>
+                                          <p:spTgt spid="10"/>
+                                        </p:tgtEl>
+                                        <p:attrNameLst>
+                                          <p:attrName>style.visibility</p:attrName>
+                                        </p:attrNameLst>
+                                      </p:cBhvr>
+                                      <p:to>
+                                        <p:strVal val="visible"/>
+                                      </p:to>
+                                    </p:set>
+                                    <p:animEffect transition="in" filter="fade">
+                                      <p:cBhvr>
+                                        <p:cTn id="15" dur="500"/>
+                                        <p:tgtEl>
+                                          <p:spTgt spid="10"/>
+                                        </p:tgtEl>
+                                      </p:cBhvr>
+                                    </p:animEffect>
+                                  </p:childTnLst>
+                                </p:cTn>
+                              </p:par>
+                            </p:childTnLst>
+                          </p:cTn>
+                        </p:par>
+                      </p:childTnLst>
+                    </p:cTn>
+                  </p:par>
+                  <p:par>
+                    <p:cTn id="16" fill="hold">
+                      <p:stCondLst>
+                        <p:cond delay="indefinite"/>
+                      </p:stCondLst>
+                      <p:childTnLst>
+                        <p:par>
+                          <p:cTn id="17" fill="hold">
+                            <p:stCondLst>
+                              <p:cond delay="0"/>
+                            </p:stCondLst>
+                            <p:childTnLst>
+                              <p:par>
+                                <p:cTn id="18" presetID="10" presetClass="entr" presetSubtype="0" fill="hold" nodeType="clickEffect">
+                                  <p:stCondLst>
+                                    <p:cond delay="0"/>
+                                  </p:stCondLst>
+                                  <p:childTnLst>
+                                    <p:set>
+                                      <p:cBhvr>
+                                        <p:cTn id="19" dur="1" fill="hold">
+                                          <p:stCondLst>
+                                            <p:cond delay="0"/>
+                                          </p:stCondLst>
+                                        </p:cTn>
+                                        <p:tgtEl>
                                           <p:spTgt spid="11"/>
                                         </p:tgtEl>
                                         <p:attrNameLst>
@@ -7444,7 +9750,7 @@
                                     </p:set>
                                     <p:animEffect transition="in" filter="fade">
                                       <p:cBhvr>
-                                        <p:cTn id="12" dur="500"/>
+                                        <p:cTn id="20" dur="500"/>
                                         <p:tgtEl>
                                           <p:spTgt spid="11"/>
                                         </p:tgtEl>
@@ -7460,26 +9766,26 @@
                     </p:cTn>
                   </p:par>
                   <p:par>
-                    <p:cTn id="13" fill="hold">
+                    <p:cTn id="21" fill="hold">
                       <p:stCondLst>
                         <p:cond delay="indefinite"/>
                       </p:stCondLst>
                       <p:childTnLst>
                         <p:par>
-                          <p:cTn id="14" fill="hold">
+                          <p:cTn id="22" fill="hold">
                             <p:stCondLst>
                               <p:cond delay="0"/>
                             </p:stCondLst>
                             <p:childTnLst>
                               <p:par>
-                                <p:cTn id="15" presetID="10" presetClass="entr" presetSubtype="0" fill="hold" nodeType="clickEffect">
+                                <p:cTn id="23" presetID="10" presetClass="entr" presetSubtype="0" fill="hold" nodeType="clickEffect">
                                   <p:stCondLst>
                                     <p:cond delay="0"/>
                                   </p:stCondLst>
                                   <p:childTnLst>
                                     <p:set>
                                       <p:cBhvr>
-                                        <p:cTn id="16" dur="1" fill="hold">
+                                        <p:cTn id="24" dur="1" fill="hold">
                                           <p:stCondLst>
                                             <p:cond delay="0"/>
                                           </p:stCondLst>
@@ -7497,9 +9803,44 @@
                                     </p:set>
                                     <p:animEffect transition="in" filter="fade">
                                       <p:cBhvr>
-                                        <p:cTn id="17" dur="500"/>
+                                        <p:cTn id="25" dur="500"/>
                                         <p:tgtEl>
                                           <p:spTgt spid="6"/>
+                                        </p:tgtEl>
+                                      </p:cBhvr>
+                                    </p:animEffect>
+                                  </p:childTnLst>
+                                </p:cTn>
+                              </p:par>
+                              <p:par>
+                                <p:cTn id="26" presetID="10" presetClass="entr" presetSubtype="0" fill="hold" grpId="0" nodeType="withEffect">
+                                  <p:stCondLst>
+                                    <p:cond delay="0"/>
+                                  </p:stCondLst>
+                                  <p:childTnLst>
+                                    <p:set>
+                                      <p:cBhvr>
+                                        <p:cTn id="27" dur="1" fill="hold">
+                                          <p:stCondLst>
+                                            <p:cond delay="0"/>
+                                          </p:stCondLst>
+                                        </p:cTn>
+                                        <p:tgtEl>
+                                          <p:spTgt spid="12"/>
+                                        </p:tgtEl>
+                                        <p:attrNameLst>
+                                          <p:attrName>style.visibility</p:attrName>
+                                        </p:attrNameLst>
+                                      </p:cBhvr>
+                                      <p:to>
+                                        <p:strVal val="visible"/>
+                                      </p:to>
+                                    </p:set>
+                                    <p:animEffect transition="in" filter="fade">
+                                      <p:cBhvr>
+                                        <p:cTn id="28" dur="500"/>
+                                        <p:tgtEl>
+                                          <p:spTgt spid="12"/>
                                         </p:tgtEl>
                                       </p:cBhvr>
                                     </p:animEffect>
@@ -7533,7 +9874,137 @@
         </p:cTn>
       </p:par>
     </p:tnLst>
+    <p:bldLst>
+      <p:bldP spid="8" grpId="0"/>
+      <p:bldP spid="10" grpId="0"/>
+      <p:bldP spid="12" grpId="0"/>
+    </p:bldLst>
   </p:timing>
+</p:sld>
+</file>
+
+<file path=ppt/slides/slide25.xml><?xml version="1.0" encoding="utf-8"?>
+<p:sld xmlns:a="http://schemas.openxmlformats.org/drawingml/2006/main" xmlns:r="http://schemas.openxmlformats.org/officeDocument/2006/relationships" xmlns:p="http://schemas.openxmlformats.org/presentationml/2006/main">
+  <p:cSld>
+    <p:spTree>
+      <p:nvGrpSpPr>
+        <p:cNvPr id="1" name=""/>
+        <p:cNvGrpSpPr/>
+        <p:nvPr/>
+      </p:nvGrpSpPr>
+      <p:grpSpPr>
+        <a:xfrm>
+          <a:off x="0" y="0"/>
+          <a:ext cx="0" cy="0"/>
+          <a:chOff x="0" y="0"/>
+          <a:chExt cx="0" cy="0"/>
+        </a:xfrm>
+      </p:grpSpPr>
+      <p:sp>
+        <p:nvSpPr>
+          <p:cNvPr id="2" name="Title 1">
+            <a:extLst>
+              <a:ext uri="{FF2B5EF4-FFF2-40B4-BE49-F238E27FC236}">
+                <a16:creationId xmlns:a16="http://schemas.microsoft.com/office/drawing/2014/main" id="{FAC29691-BAC1-4DEE-90F3-6B421CB39C10}"/>
+              </a:ext>
+            </a:extLst>
+          </p:cNvPr>
+          <p:cNvSpPr>
+            <a:spLocks noGrp="1"/>
+          </p:cNvSpPr>
+          <p:nvPr>
+            <p:ph type="title"/>
+          </p:nvPr>
+        </p:nvSpPr>
+        <p:spPr/>
+        <p:txBody>
+          <a:bodyPr/>
+          <a:lstStyle/>
+          <a:p>
+            <a:r>
+              <a:rPr lang="en-US" dirty="0"/>
+              <a:t>Salary by Position</a:t>
+            </a:r>
+          </a:p>
+        </p:txBody>
+      </p:sp>
+      <p:sp>
+        <p:nvSpPr>
+          <p:cNvPr id="4" name="Content Placeholder 3">
+            <a:extLst>
+              <a:ext uri="{FF2B5EF4-FFF2-40B4-BE49-F238E27FC236}">
+                <a16:creationId xmlns:a16="http://schemas.microsoft.com/office/drawing/2014/main" id="{8D7D4C51-0FC2-450D-9035-ED68287A4FB5}"/>
+              </a:ext>
+            </a:extLst>
+          </p:cNvPr>
+          <p:cNvSpPr>
+            <a:spLocks noGrp="1"/>
+          </p:cNvSpPr>
+          <p:nvPr>
+            <p:ph sz="half" idx="2"/>
+          </p:nvPr>
+        </p:nvSpPr>
+        <p:spPr/>
+        <p:txBody>
+          <a:bodyPr/>
+          <a:lstStyle/>
+          <a:p>
+            <a:endParaRPr lang="en-US"/>
+          </a:p>
+        </p:txBody>
+      </p:sp>
+      <p:pic>
+        <p:nvPicPr>
+          <p:cNvPr id="10" name="Picture 9">
+            <a:extLst>
+              <a:ext uri="{FF2B5EF4-FFF2-40B4-BE49-F238E27FC236}">
+                <a16:creationId xmlns:a16="http://schemas.microsoft.com/office/drawing/2014/main" id="{95F2ED88-06FD-4CDF-A542-05945375D5F1}"/>
+              </a:ext>
+            </a:extLst>
+          </p:cNvPr>
+          <p:cNvPicPr>
+            <a:picLocks noChangeAspect="1"/>
+          </p:cNvPicPr>
+          <p:nvPr/>
+        </p:nvPicPr>
+        <p:blipFill>
+          <a:blip r:embed="rId3"/>
+          <a:stretch>
+            <a:fillRect/>
+          </a:stretch>
+        </p:blipFill>
+        <p:spPr>
+          <a:xfrm>
+            <a:off x="1524000" y="1828795"/>
+            <a:ext cx="9144000" cy="4529274"/>
+          </a:xfrm>
+          <a:prstGeom prst="rect">
+            <a:avLst/>
+          </a:prstGeom>
+          <a:ln w="19050">
+            <a:solidFill>
+              <a:schemeClr val="accent1"/>
+            </a:solidFill>
+          </a:ln>
+          <a:effectLst>
+            <a:outerShdw blurRad="50800" dist="38100" dir="2700000" algn="tl" rotWithShape="0">
+              <a:prstClr val="black">
+                <a:alpha val="40000"/>
+              </a:prstClr>
+            </a:outerShdw>
+          </a:effectLst>
+        </p:spPr>
+      </p:pic>
+    </p:spTree>
+    <p:extLst>
+      <p:ext uri="{BB962C8B-B14F-4D97-AF65-F5344CB8AC3E}">
+        <p14:creationId xmlns:p14="http://schemas.microsoft.com/office/powerpoint/2010/main" val="850668505"/>
+      </p:ext>
+    </p:extLst>
+  </p:cSld>
+  <p:clrMapOvr>
+    <a:masterClrMapping/>
+  </p:clrMapOvr>
 </p:sld>
 </file>
 
@@ -7822,13 +10293,7 @@
       </p:grpSpPr>
       <p:sp>
         <p:nvSpPr>
-          <p:cNvPr id="2" name="Title 1">
-            <a:extLst>
-              <a:ext uri="{FF2B5EF4-FFF2-40B4-BE49-F238E27FC236}">
-                <a16:creationId xmlns:a16="http://schemas.microsoft.com/office/drawing/2014/main" id="{B8A5611F-455A-485B-B667-BDC5F93312E4}"/>
-              </a:ext>
-            </a:extLst>
-          </p:cNvPr>
+          <p:cNvPr id="2" name="Title 1"/>
           <p:cNvSpPr>
             <a:spLocks noGrp="1"/>
           </p:cNvSpPr>
@@ -7836,21 +10301,27 @@
             <p:ph type="title"/>
           </p:nvPr>
         </p:nvSpPr>
-        <p:spPr/>
+        <p:spPr>
+          <a:xfrm>
+            <a:off x="1069848" y="484632"/>
+            <a:ext cx="10058400" cy="1016177"/>
+          </a:xfrm>
+        </p:spPr>
         <p:txBody>
           <a:bodyPr/>
           <a:lstStyle/>
           <a:p>
+            <a:pPr algn="ctr"/>
             <a:r>
               <a:rPr lang="en-US" dirty="0"/>
-              <a:t>HOCKEY 101</a:t>
-            </a:r>
-          </a:p>
-        </p:txBody>
-      </p:sp>
-      <p:sp>
-        <p:nvSpPr>
-          <p:cNvPr id="3" name="Content Placeholder 2">
+              <a:t>GENERAL OVERVIEW</a:t>
+            </a:r>
+          </a:p>
+        </p:txBody>
+      </p:sp>
+      <p:sp>
+        <p:nvSpPr>
+          <p:cNvPr id="4" name="Content Placeholder 2">
             <a:extLst>
               <a:ext uri="{FF2B5EF4-FFF2-40B4-BE49-F238E27FC236}">
                 <a16:creationId xmlns:a16="http://schemas.microsoft.com/office/drawing/2014/main" id="{96F84E5F-91D1-443D-BD2B-BA0B803F7E50}"/>
@@ -7864,7 +10335,12 @@
             <p:ph idx="1"/>
           </p:nvPr>
         </p:nvSpPr>
-        <p:spPr/>
+        <p:spPr>
+          <a:xfrm>
+            <a:off x="1069848" y="1901489"/>
+            <a:ext cx="10058400" cy="4050792"/>
+          </a:xfrm>
+        </p:spPr>
         <p:txBody>
           <a:bodyPr>
             <a:normAutofit/>
@@ -7872,19 +10348,34 @@
           <a:lstStyle/>
           <a:p>
             <a:r>
-              <a:rPr lang="en-US" dirty="0"/>
-              <a:t>ASDFASFSDFSADFASF</a:t>
-            </a:r>
-          </a:p>
-          <a:p>
-            <a:endParaRPr lang="en-US" dirty="0"/>
+              <a:rPr lang="en-US" sz="2800" dirty="0"/>
+              <a:t>Each team has 5 skaters on the ice and 1 goalie</a:t>
+            </a:r>
+          </a:p>
+          <a:p>
+            <a:r>
+              <a:rPr lang="en-US" sz="2800" dirty="0"/>
+              <a:t>Game lasts 60 minutes. Broken into three 20 minute “Periods”</a:t>
+            </a:r>
+          </a:p>
+          <a:p>
+            <a:r>
+              <a:rPr lang="en-US" sz="2800" dirty="0"/>
+              <a:t>The objective of the game is to put the puck into the opposing teams goal. This is defined as a “goal”</a:t>
+            </a:r>
+          </a:p>
+          <a:p>
+            <a:r>
+              <a:rPr lang="en-US" sz="2800" dirty="0"/>
+              <a:t>Winner is decided by the team with the most goals</a:t>
+            </a:r>
           </a:p>
         </p:txBody>
       </p:sp>
     </p:spTree>
     <p:extLst>
       <p:ext uri="{BB962C8B-B14F-4D97-AF65-F5344CB8AC3E}">
-        <p14:creationId xmlns:p14="http://schemas.microsoft.com/office/powerpoint/2010/main" val="36466359"/>
+        <p14:creationId xmlns:p14="http://schemas.microsoft.com/office/powerpoint/2010/main" val="3013243592"/>
       </p:ext>
     </p:extLst>
   </p:cSld>
@@ -7934,40 +10425,15 @@
           <a:p>
             <a:r>
               <a:rPr lang="en-US" dirty="0"/>
-              <a:t>DATA COLLECTION &amp; VALIDATION</a:t>
-            </a:r>
-          </a:p>
-        </p:txBody>
-      </p:sp>
-      <p:sp>
-        <p:nvSpPr>
-          <p:cNvPr id="5" name="Text Placeholder 4">
-            <a:extLst>
-              <a:ext uri="{FF2B5EF4-FFF2-40B4-BE49-F238E27FC236}">
-                <a16:creationId xmlns:a16="http://schemas.microsoft.com/office/drawing/2014/main" id="{692BEE39-93A7-44C3-B0FF-26FAA554FB8A}"/>
-              </a:ext>
-            </a:extLst>
-          </p:cNvPr>
-          <p:cNvSpPr>
-            <a:spLocks noGrp="1"/>
-          </p:cNvSpPr>
-          <p:nvPr>
-            <p:ph type="body" idx="1"/>
-          </p:nvPr>
-        </p:nvSpPr>
-        <p:spPr/>
-        <p:txBody>
-          <a:bodyPr/>
-          <a:lstStyle/>
-          <a:p>
-            <a:endParaRPr lang="en-US"/>
+              <a:t>PLAYER STATS</a:t>
+            </a:r>
           </a:p>
         </p:txBody>
       </p:sp>
     </p:spTree>
     <p:extLst>
       <p:ext uri="{BB962C8B-B14F-4D97-AF65-F5344CB8AC3E}">
-        <p14:creationId xmlns:p14="http://schemas.microsoft.com/office/powerpoint/2010/main" val="1550492824"/>
+        <p14:creationId xmlns:p14="http://schemas.microsoft.com/office/powerpoint/2010/main" val="3112050167"/>
       </p:ext>
     </p:extLst>
   </p:cSld>
@@ -7996,10 +10462,10 @@
       </p:grpSpPr>
       <p:sp>
         <p:nvSpPr>
-          <p:cNvPr id="2" name="Title 1">
+          <p:cNvPr id="4" name="Content Placeholder 2">
             <a:extLst>
               <a:ext uri="{FF2B5EF4-FFF2-40B4-BE49-F238E27FC236}">
-                <a16:creationId xmlns:a16="http://schemas.microsoft.com/office/drawing/2014/main" id="{59A283CF-F63A-49D8-8099-1E66CD5E39F2}"/>
+                <a16:creationId xmlns:a16="http://schemas.microsoft.com/office/drawing/2014/main" id="{96F84E5F-91D1-443D-BD2B-BA0B803F7E50}"/>
               </a:ext>
             </a:extLst>
           </p:cNvPr>
@@ -8007,206 +10473,73 @@
             <a:spLocks noGrp="1"/>
           </p:cNvSpPr>
           <p:nvPr>
-            <p:ph type="title"/>
-          </p:nvPr>
-        </p:nvSpPr>
-        <p:spPr/>
-        <p:txBody>
-          <a:bodyPr/>
-          <a:lstStyle/>
-          <a:p>
-            <a:r>
-              <a:rPr lang="en-US" dirty="0"/>
-              <a:t>DATA COLLECTION &amp; VALIDATION</a:t>
-            </a:r>
-          </a:p>
-        </p:txBody>
-      </p:sp>
-      <p:sp>
-        <p:nvSpPr>
-          <p:cNvPr id="3" name="Content Placeholder 2">
-            <a:extLst>
-              <a:ext uri="{FF2B5EF4-FFF2-40B4-BE49-F238E27FC236}">
-                <a16:creationId xmlns:a16="http://schemas.microsoft.com/office/drawing/2014/main" id="{3B6B3F0F-722C-4B06-8A20-2523F142E1B6}"/>
-              </a:ext>
-            </a:extLst>
-          </p:cNvPr>
-          <p:cNvSpPr>
-            <a:spLocks noGrp="1"/>
-          </p:cNvSpPr>
-          <p:nvPr>
             <p:ph idx="1"/>
           </p:nvPr>
         </p:nvSpPr>
-        <p:spPr/>
+        <p:spPr>
+          <a:xfrm>
+            <a:off x="544009" y="1215341"/>
+            <a:ext cx="11424213" cy="4653023"/>
+          </a:xfrm>
+        </p:spPr>
         <p:txBody>
           <a:bodyPr>
             <a:normAutofit/>
           </a:bodyPr>
           <a:lstStyle/>
           <a:p>
-            <a:r>
-              <a:rPr lang="en-US" dirty="0"/>
-              <a:t>We chose to focus on the 2016-2017 season, the last full NHL season</a:t>
-            </a:r>
-          </a:p>
-          <a:p>
-            <a:endParaRPr lang="en-US" dirty="0"/>
-          </a:p>
-          <a:p>
-            <a:r>
-              <a:rPr lang="en-US" dirty="0"/>
-              <a:t>Data was collected from: </a:t>
-            </a:r>
-            <a:r>
-              <a:rPr lang="en-US" u="sng" dirty="0">
-                <a:hlinkClick r:id="rId2"/>
-              </a:rPr>
-              <a:t>http://www.hockeyabstract.com/</a:t>
-            </a:r>
-            <a:endParaRPr lang="en-US" u="sng" dirty="0"/>
-          </a:p>
-          <a:p>
-            <a:endParaRPr lang="en-US" u="sng" dirty="0"/>
-          </a:p>
-          <a:p>
-            <a:r>
-              <a:rPr lang="en-US" dirty="0"/>
-              <a:t>The source data was compiled from several different sources, including:</a:t>
-            </a:r>
-          </a:p>
-          <a:p>
-            <a:pPr lvl="1"/>
-            <a:r>
-              <a:rPr lang="en-US" dirty="0"/>
-              <a:t>NHL.com, Corscia.com, Puckalytics.com, Hockey-reference.com, and more</a:t>
-            </a:r>
-          </a:p>
-        </p:txBody>
-      </p:sp>
-      <p:pic>
-        <p:nvPicPr>
-          <p:cNvPr id="4" name="Picture 3">
-            <a:extLst>
-              <a:ext uri="{FF2B5EF4-FFF2-40B4-BE49-F238E27FC236}">
-                <a16:creationId xmlns:a16="http://schemas.microsoft.com/office/drawing/2014/main" id="{4EA43CCD-37AA-471A-BBF5-7646221BB40B}"/>
-              </a:ext>
-            </a:extLst>
-          </p:cNvPr>
-          <p:cNvPicPr>
-            <a:picLocks noChangeAspect="1"/>
-          </p:cNvPicPr>
-          <p:nvPr/>
-        </p:nvPicPr>
-        <p:blipFill>
-          <a:blip r:embed="rId3"/>
-          <a:stretch>
-            <a:fillRect/>
-          </a:stretch>
-        </p:blipFill>
-        <p:spPr>
-          <a:xfrm>
-            <a:off x="914400" y="1828800"/>
-            <a:ext cx="10058400" cy="4647324"/>
-          </a:xfrm>
-          <a:prstGeom prst="rect">
-            <a:avLst/>
-          </a:prstGeom>
-          <a:noFill/>
-          <a:effectLst>
-            <a:outerShdw blurRad="50800" dist="38100" dir="2700000" algn="tl" rotWithShape="0">
-              <a:prstClr val="black">
-                <a:alpha val="40000"/>
-              </a:prstClr>
-            </a:outerShdw>
-          </a:effectLst>
-        </p:spPr>
-      </p:pic>
+            <a:pPr>
+              <a:lnSpc>
+                <a:spcPct val="200000"/>
+              </a:lnSpc>
+            </a:pPr>
+            <a:r>
+              <a:rPr lang="en-US" sz="3200" dirty="0"/>
+              <a:t>Goals = Player to put, “score”, the puck into the goal</a:t>
+            </a:r>
+          </a:p>
+          <a:p>
+            <a:pPr>
+              <a:lnSpc>
+                <a:spcPct val="200000"/>
+              </a:lnSpc>
+            </a:pPr>
+            <a:r>
+              <a:rPr lang="en-US" sz="3200" dirty="0"/>
+              <a:t>Assists = Player(s) who touched the puck, in any way, to help the goal scorer</a:t>
+            </a:r>
+          </a:p>
+          <a:p>
+            <a:pPr>
+              <a:lnSpc>
+                <a:spcPct val="200000"/>
+              </a:lnSpc>
+            </a:pPr>
+            <a:r>
+              <a:rPr lang="en-US" sz="3200" dirty="0"/>
+              <a:t>Points = Goals + Assists</a:t>
+            </a:r>
+          </a:p>
+          <a:p>
+            <a:pPr>
+              <a:lnSpc>
+                <a:spcPct val="200000"/>
+              </a:lnSpc>
+            </a:pPr>
+            <a:endParaRPr lang="en-US" sz="3200" dirty="0"/>
+          </a:p>
+        </p:txBody>
+      </p:sp>
     </p:spTree>
     <p:extLst>
       <p:ext uri="{BB962C8B-B14F-4D97-AF65-F5344CB8AC3E}">
-        <p14:creationId xmlns:p14="http://schemas.microsoft.com/office/powerpoint/2010/main" val="1923954247"/>
+        <p14:creationId xmlns:p14="http://schemas.microsoft.com/office/powerpoint/2010/main" val="4192224280"/>
       </p:ext>
     </p:extLst>
   </p:cSld>
   <p:clrMapOvr>
     <a:masterClrMapping/>
   </p:clrMapOvr>
-  <p:timing>
-    <p:tnLst>
-      <p:par>
-        <p:cTn id="1" dur="indefinite" restart="never" nodeType="tmRoot">
-          <p:childTnLst>
-            <p:seq concurrent="1" nextAc="seek">
-              <p:cTn id="2" dur="indefinite" nodeType="mainSeq">
-                <p:childTnLst>
-                  <p:par>
-                    <p:cTn id="3" fill="hold">
-                      <p:stCondLst>
-                        <p:cond delay="indefinite"/>
-                      </p:stCondLst>
-                      <p:childTnLst>
-                        <p:par>
-                          <p:cTn id="4" fill="hold">
-                            <p:stCondLst>
-                              <p:cond delay="0"/>
-                            </p:stCondLst>
-                            <p:childTnLst>
-                              <p:par>
-                                <p:cTn id="5" presetID="1" presetClass="entr" presetSubtype="0" fill="hold" nodeType="clickEffect">
-                                  <p:stCondLst>
-                                    <p:cond delay="0"/>
-                                  </p:stCondLst>
-                                  <p:childTnLst>
-                                    <p:set>
-                                      <p:cBhvr>
-                                        <p:cTn id="6" dur="1" fill="hold">
-                                          <p:stCondLst>
-                                            <p:cond delay="0"/>
-                                          </p:stCondLst>
-                                        </p:cTn>
-                                        <p:tgtEl>
-                                          <p:spTgt spid="4"/>
-                                        </p:tgtEl>
-                                        <p:attrNameLst>
-                                          <p:attrName>style.visibility</p:attrName>
-                                        </p:attrNameLst>
-                                      </p:cBhvr>
-                                      <p:to>
-                                        <p:strVal val="visible"/>
-                                      </p:to>
-                                    </p:set>
-                                  </p:childTnLst>
-                                </p:cTn>
-                              </p:par>
-                            </p:childTnLst>
-                          </p:cTn>
-                        </p:par>
-                      </p:childTnLst>
-                    </p:cTn>
-                  </p:par>
-                </p:childTnLst>
-              </p:cTn>
-              <p:prevCondLst>
-                <p:cond evt="onPrev" delay="0">
-                  <p:tgtEl>
-                    <p:sldTgt/>
-                  </p:tgtEl>
-                </p:cond>
-              </p:prevCondLst>
-              <p:nextCondLst>
-                <p:cond evt="onNext" delay="0">
-                  <p:tgtEl>
-                    <p:sldTgt/>
-                  </p:tgtEl>
-                </p:cond>
-              </p:nextCondLst>
-            </p:seq>
-          </p:childTnLst>
-        </p:cTn>
-      </p:par>
-    </p:tnLst>
-  </p:timing>
 </p:sld>
 </file>
 
@@ -8229,13 +10562,7 @@
       </p:grpSpPr>
       <p:sp>
         <p:nvSpPr>
-          <p:cNvPr id="2" name="Title 1">
-            <a:extLst>
-              <a:ext uri="{FF2B5EF4-FFF2-40B4-BE49-F238E27FC236}">
-                <a16:creationId xmlns:a16="http://schemas.microsoft.com/office/drawing/2014/main" id="{A19C977A-EC51-4868-A8B6-64DFDE67CF40}"/>
-              </a:ext>
-            </a:extLst>
-          </p:cNvPr>
+          <p:cNvPr id="2" name="Title 1"/>
           <p:cNvSpPr>
             <a:spLocks noGrp="1"/>
           </p:cNvSpPr>
@@ -8243,179 +10570,64 @@
             <p:ph type="title"/>
           </p:nvPr>
         </p:nvSpPr>
-        <p:spPr/>
+        <p:spPr>
+          <a:xfrm>
+            <a:off x="1069848" y="484632"/>
+            <a:ext cx="10058400" cy="1016177"/>
+          </a:xfrm>
+        </p:spPr>
         <p:txBody>
           <a:bodyPr/>
           <a:lstStyle/>
           <a:p>
+            <a:pPr algn="ctr"/>
             <a:r>
               <a:rPr lang="en-US" dirty="0"/>
-              <a:t>DATA COLLECTION &amp; VALIDATION</a:t>
-            </a:r>
-          </a:p>
-        </p:txBody>
-      </p:sp>
-      <p:sp>
-        <p:nvSpPr>
-          <p:cNvPr id="3" name="Content Placeholder 2">
-            <a:extLst>
-              <a:ext uri="{FF2B5EF4-FFF2-40B4-BE49-F238E27FC236}">
-                <a16:creationId xmlns:a16="http://schemas.microsoft.com/office/drawing/2014/main" id="{5CB121BE-1738-40D1-85EA-EA042153DC3F}"/>
-              </a:ext>
-            </a:extLst>
-          </p:cNvPr>
-          <p:cNvSpPr>
-            <a:spLocks noGrp="1"/>
-          </p:cNvSpPr>
-          <p:nvPr>
-            <p:ph idx="1"/>
-          </p:nvPr>
-        </p:nvSpPr>
-        <p:spPr/>
-        <p:txBody>
-          <a:bodyPr>
-            <a:normAutofit/>
-          </a:bodyPr>
-          <a:lstStyle/>
-          <a:p>
-            <a:r>
-              <a:rPr lang="en-US" dirty="0"/>
-              <a:t>Raw data came in Excel format</a:t>
-            </a:r>
-          </a:p>
-          <a:p>
-            <a:endParaRPr lang="en-US" dirty="0"/>
-          </a:p>
-          <a:p>
-            <a:r>
-              <a:rPr lang="en-US" dirty="0"/>
-              <a:t>Number formats were cleaned and NULL values were removed in Excel</a:t>
+              <a:t>ALL POSITIONS</a:t>
             </a:r>
           </a:p>
         </p:txBody>
       </p:sp>
       <p:pic>
         <p:nvPicPr>
-          <p:cNvPr id="5" name="Picture 4">
-            <a:extLst>
-              <a:ext uri="{FF2B5EF4-FFF2-40B4-BE49-F238E27FC236}">
-                <a16:creationId xmlns:a16="http://schemas.microsoft.com/office/drawing/2014/main" id="{47132B82-0FD8-417D-B844-21EA8FA36BB9}"/>
-              </a:ext>
-            </a:extLst>
-          </p:cNvPr>
+          <p:cNvPr id="6" name="Picture 5"/>
           <p:cNvPicPr>
             <a:picLocks noChangeAspect="1"/>
           </p:cNvPicPr>
           <p:nvPr/>
         </p:nvPicPr>
         <p:blipFill>
-          <a:blip r:embed="rId2"/>
+          <a:blip r:embed="rId2">
+            <a:extLst>
+              <a:ext uri="{28A0092B-C50C-407E-A947-70E740481C1C}">
+                <a14:useLocalDpi xmlns:a14="http://schemas.microsoft.com/office/drawing/2010/main" val="0"/>
+              </a:ext>
+            </a:extLst>
+          </a:blip>
           <a:stretch>
             <a:fillRect/>
           </a:stretch>
         </p:blipFill>
         <p:spPr>
           <a:xfrm>
-            <a:off x="914400" y="1828799"/>
-            <a:ext cx="10058400" cy="3716514"/>
+            <a:off x="1522079" y="1671230"/>
+            <a:ext cx="9074426" cy="4901199"/>
           </a:xfrm>
           <a:prstGeom prst="rect">
             <a:avLst/>
           </a:prstGeom>
-          <a:effectLst>
-            <a:outerShdw blurRad="50800" dist="38100" dir="2700000" algn="tl" rotWithShape="0">
-              <a:prstClr val="black">
-                <a:alpha val="40000"/>
-              </a:prstClr>
-            </a:outerShdw>
-          </a:effectLst>
         </p:spPr>
       </p:pic>
     </p:spTree>
     <p:extLst>
       <p:ext uri="{BB962C8B-B14F-4D97-AF65-F5344CB8AC3E}">
-        <p14:creationId xmlns:p14="http://schemas.microsoft.com/office/powerpoint/2010/main" val="3615415893"/>
+        <p14:creationId xmlns:p14="http://schemas.microsoft.com/office/powerpoint/2010/main" val="2908403558"/>
       </p:ext>
     </p:extLst>
   </p:cSld>
   <p:clrMapOvr>
     <a:masterClrMapping/>
   </p:clrMapOvr>
-  <p:timing>
-    <p:tnLst>
-      <p:par>
-        <p:cTn id="1" dur="indefinite" restart="never" nodeType="tmRoot">
-          <p:childTnLst>
-            <p:seq concurrent="1" nextAc="seek">
-              <p:cTn id="2" dur="indefinite" nodeType="mainSeq">
-                <p:childTnLst>
-                  <p:par>
-                    <p:cTn id="3" fill="hold">
-                      <p:stCondLst>
-                        <p:cond delay="indefinite"/>
-                      </p:stCondLst>
-                      <p:childTnLst>
-                        <p:par>
-                          <p:cTn id="4" fill="hold">
-                            <p:stCondLst>
-                              <p:cond delay="0"/>
-                            </p:stCondLst>
-                            <p:childTnLst>
-                              <p:par>
-                                <p:cTn id="5" presetID="1" presetClass="entr" presetSubtype="0" fill="hold" nodeType="clickEffect">
-                                  <p:stCondLst>
-                                    <p:cond delay="0"/>
-                                  </p:stCondLst>
-                                  <p:childTnLst>
-                                    <p:set>
-                                      <p:cBhvr>
-                                        <p:cTn id="6" dur="1" fill="hold">
-                                          <p:stCondLst>
-                                            <p:cond delay="0"/>
-                                          </p:stCondLst>
-                                        </p:cTn>
-                                        <p:tgtEl>
-                                          <p:spTgt spid="5"/>
-                                        </p:tgtEl>
-                                        <p:attrNameLst>
-                                          <p:attrName>style.visibility</p:attrName>
-                                        </p:attrNameLst>
-                                      </p:cBhvr>
-                                      <p:to>
-                                        <p:strVal val="visible"/>
-                                      </p:to>
-                                    </p:set>
-                                  </p:childTnLst>
-                                </p:cTn>
-                              </p:par>
-                            </p:childTnLst>
-                          </p:cTn>
-                        </p:par>
-                      </p:childTnLst>
-                    </p:cTn>
-                  </p:par>
-                </p:childTnLst>
-              </p:cTn>
-              <p:prevCondLst>
-                <p:cond evt="onPrev" delay="0">
-                  <p:tgtEl>
-                    <p:sldTgt/>
-                  </p:tgtEl>
-                </p:cond>
-              </p:prevCondLst>
-              <p:nextCondLst>
-                <p:cond evt="onNext" delay="0">
-                  <p:tgtEl>
-                    <p:sldTgt/>
-                  </p:tgtEl>
-                </p:cond>
-              </p:nextCondLst>
-            </p:seq>
-          </p:childTnLst>
-        </p:cTn>
-      </p:par>
-    </p:tnLst>
-  </p:timing>
 </p:sld>
 </file>
 
